--- a/Slides/01-CSharp8-NETCore3-Overview.pptx
+++ b/Slides/01-CSharp8-NETCore3-Overview.pptx
@@ -5,34 +5,35 @@
     <p:sldMasterId id="2147483840" r:id="rId1"/>
   </p:sldMasterIdLst>
   <p:notesMasterIdLst>
-    <p:notesMasterId r:id="rId27"/>
+    <p:notesMasterId r:id="rId28"/>
   </p:notesMasterIdLst>
   <p:sldIdLst>
     <p:sldId id="256" r:id="rId2"/>
     <p:sldId id="257" r:id="rId3"/>
-    <p:sldId id="258" r:id="rId4"/>
-    <p:sldId id="260" r:id="rId5"/>
-    <p:sldId id="261" r:id="rId6"/>
-    <p:sldId id="263" r:id="rId7"/>
-    <p:sldId id="262" r:id="rId8"/>
-    <p:sldId id="264" r:id="rId9"/>
-    <p:sldId id="265" r:id="rId10"/>
-    <p:sldId id="266" r:id="rId11"/>
-    <p:sldId id="267" r:id="rId12"/>
-    <p:sldId id="268" r:id="rId13"/>
-    <p:sldId id="269" r:id="rId14"/>
-    <p:sldId id="270" r:id="rId15"/>
-    <p:sldId id="271" r:id="rId16"/>
-    <p:sldId id="259" r:id="rId17"/>
-    <p:sldId id="272" r:id="rId18"/>
-    <p:sldId id="273" r:id="rId19"/>
-    <p:sldId id="274" r:id="rId20"/>
-    <p:sldId id="275" r:id="rId21"/>
-    <p:sldId id="276" r:id="rId22"/>
-    <p:sldId id="277" r:id="rId23"/>
-    <p:sldId id="278" r:id="rId24"/>
-    <p:sldId id="279" r:id="rId25"/>
-    <p:sldId id="280" r:id="rId26"/>
+    <p:sldId id="281" r:id="rId4"/>
+    <p:sldId id="258" r:id="rId5"/>
+    <p:sldId id="260" r:id="rId6"/>
+    <p:sldId id="261" r:id="rId7"/>
+    <p:sldId id="263" r:id="rId8"/>
+    <p:sldId id="262" r:id="rId9"/>
+    <p:sldId id="264" r:id="rId10"/>
+    <p:sldId id="265" r:id="rId11"/>
+    <p:sldId id="266" r:id="rId12"/>
+    <p:sldId id="267" r:id="rId13"/>
+    <p:sldId id="268" r:id="rId14"/>
+    <p:sldId id="269" r:id="rId15"/>
+    <p:sldId id="270" r:id="rId16"/>
+    <p:sldId id="271" r:id="rId17"/>
+    <p:sldId id="259" r:id="rId18"/>
+    <p:sldId id="272" r:id="rId19"/>
+    <p:sldId id="273" r:id="rId20"/>
+    <p:sldId id="274" r:id="rId21"/>
+    <p:sldId id="275" r:id="rId22"/>
+    <p:sldId id="276" r:id="rId23"/>
+    <p:sldId id="277" r:id="rId24"/>
+    <p:sldId id="278" r:id="rId25"/>
+    <p:sldId id="279" r:id="rId26"/>
+    <p:sldId id="280" r:id="rId27"/>
   </p:sldIdLst>
   <p:sldSz cx="12192000" cy="6858000"/>
   <p:notesSz cx="6858000" cy="9144000"/>
@@ -1768,7 +1769,7 @@
           <a:p>
             <a:fld id="{8ABE7C77-9724-4EDB-8C87-8E22F75ADC56}" type="slidenum">
               <a:rPr lang="en-US" smtClean="0"/>
-              <a:t>14</a:t>
+              <a:t>15</a:t>
             </a:fld>
             <a:endParaRPr lang="en-US"/>
           </a:p>
@@ -1926,7 +1927,7 @@
           <a:p>
             <a:fld id="{8ABE7C77-9724-4EDB-8C87-8E22F75ADC56}" type="slidenum">
               <a:rPr lang="en-US" smtClean="0"/>
-              <a:t>15</a:t>
+              <a:t>16</a:t>
             </a:fld>
             <a:endParaRPr lang="en-US"/>
           </a:p>
@@ -5571,6 +5572,505 @@
 <file path=ppt/slides/slide10.xml><?xml version="1.0" encoding="utf-8"?>
 <p:sld xmlns:a="http://schemas.openxmlformats.org/drawingml/2006/main" xmlns:r="http://schemas.openxmlformats.org/officeDocument/2006/relationships" xmlns:p="http://schemas.openxmlformats.org/presentationml/2006/main">
   <p:cSld>
+    <p:spTree>
+      <p:nvGrpSpPr>
+        <p:cNvPr id="1" name=""/>
+        <p:cNvGrpSpPr/>
+        <p:nvPr/>
+      </p:nvGrpSpPr>
+      <p:grpSpPr>
+        <a:xfrm>
+          <a:off x="0" y="0"/>
+          <a:ext cx="0" cy="0"/>
+          <a:chOff x="0" y="0"/>
+          <a:chExt cx="0" cy="0"/>
+        </a:xfrm>
+      </p:grpSpPr>
+      <p:sp>
+        <p:nvSpPr>
+          <p:cNvPr id="2" name="Title 1">
+            <a:extLst>
+              <a:ext uri="{FF2B5EF4-FFF2-40B4-BE49-F238E27FC236}">
+                <a16:creationId xmlns:a16="http://schemas.microsoft.com/office/drawing/2014/main" id="{AC9DA61D-32B0-4C72-867C-5B8C92310E99}"/>
+              </a:ext>
+            </a:extLst>
+          </p:cNvPr>
+          <p:cNvSpPr>
+            <a:spLocks noGrp="1"/>
+          </p:cNvSpPr>
+          <p:nvPr>
+            <p:ph type="title"/>
+          </p:nvPr>
+        </p:nvSpPr>
+        <p:spPr/>
+        <p:txBody>
+          <a:bodyPr/>
+          <a:lstStyle/>
+          <a:p>
+            <a:r>
+              <a:rPr lang="en-US" dirty="0"/>
+              <a:t>Nullable Reference Types</a:t>
+            </a:r>
+          </a:p>
+        </p:txBody>
+      </p:sp>
+      <p:sp>
+        <p:nvSpPr>
+          <p:cNvPr id="3" name="Content Placeholder 2">
+            <a:extLst>
+              <a:ext uri="{FF2B5EF4-FFF2-40B4-BE49-F238E27FC236}">
+                <a16:creationId xmlns:a16="http://schemas.microsoft.com/office/drawing/2014/main" id="{06A0280D-8AA0-49D2-BB1E-945849FF83EA}"/>
+              </a:ext>
+            </a:extLst>
+          </p:cNvPr>
+          <p:cNvSpPr>
+            <a:spLocks noGrp="1"/>
+          </p:cNvSpPr>
+          <p:nvPr>
+            <p:ph idx="1"/>
+          </p:nvPr>
+        </p:nvSpPr>
+        <p:spPr>
+          <a:xfrm>
+            <a:off x="3869268" y="864108"/>
+            <a:ext cx="7841358" cy="5120640"/>
+          </a:xfrm>
+        </p:spPr>
+        <p:txBody>
+          <a:bodyPr>
+            <a:normAutofit fontScale="85000" lnSpcReduction="20000"/>
+          </a:bodyPr>
+          <a:lstStyle/>
+          <a:p>
+            <a:pPr marL="0" indent="0">
+              <a:buNone/>
+            </a:pPr>
+            <a:r>
+              <a:rPr lang="en-US" dirty="0">
+                <a:latin typeface="Source Code Pro" panose="020B0509030403020204" pitchFamily="49" charset="0"/>
+                <a:ea typeface="Source Code Pro" panose="020B0509030403020204" pitchFamily="49" charset="0"/>
+              </a:rPr>
+              <a:t>namespace </a:t>
+            </a:r>
+            <a:r>
+              <a:rPr lang="en-US" dirty="0" err="1">
+                <a:latin typeface="Source Code Pro" panose="020B0509030403020204" pitchFamily="49" charset="0"/>
+                <a:ea typeface="Source Code Pro" panose="020B0509030403020204" pitchFamily="49" charset="0"/>
+              </a:rPr>
+              <a:t>NullableIntroduction</a:t>
+            </a:r>
+            <a:endParaRPr lang="en-US" dirty="0">
+              <a:latin typeface="Source Code Pro" panose="020B0509030403020204" pitchFamily="49" charset="0"/>
+              <a:ea typeface="Source Code Pro" panose="020B0509030403020204" pitchFamily="49" charset="0"/>
+            </a:endParaRPr>
+          </a:p>
+          <a:p>
+            <a:pPr marL="0" indent="0">
+              <a:buNone/>
+            </a:pPr>
+            <a:r>
+              <a:rPr lang="en-US" dirty="0">
+                <a:latin typeface="Source Code Pro" panose="020B0509030403020204" pitchFamily="49" charset="0"/>
+                <a:ea typeface="Source Code Pro" panose="020B0509030403020204" pitchFamily="49" charset="0"/>
+              </a:rPr>
+              <a:t>{</a:t>
+            </a:r>
+          </a:p>
+          <a:p>
+            <a:pPr marL="0" indent="0">
+              <a:buNone/>
+            </a:pPr>
+            <a:r>
+              <a:rPr lang="en-US" dirty="0">
+                <a:latin typeface="Source Code Pro" panose="020B0509030403020204" pitchFamily="49" charset="0"/>
+                <a:ea typeface="Source Code Pro" panose="020B0509030403020204" pitchFamily="49" charset="0"/>
+              </a:rPr>
+              <a:t>    public </a:t>
+            </a:r>
+            <a:r>
+              <a:rPr lang="en-US" dirty="0" err="1">
+                <a:latin typeface="Source Code Pro" panose="020B0509030403020204" pitchFamily="49" charset="0"/>
+                <a:ea typeface="Source Code Pro" panose="020B0509030403020204" pitchFamily="49" charset="0"/>
+              </a:rPr>
+              <a:t>enum</a:t>
+            </a:r>
+            <a:r>
+              <a:rPr lang="en-US" dirty="0">
+                <a:latin typeface="Source Code Pro" panose="020B0509030403020204" pitchFamily="49" charset="0"/>
+                <a:ea typeface="Source Code Pro" panose="020B0509030403020204" pitchFamily="49" charset="0"/>
+              </a:rPr>
+              <a:t> </a:t>
+            </a:r>
+            <a:r>
+              <a:rPr lang="en-US" dirty="0" err="1">
+                <a:latin typeface="Source Code Pro" panose="020B0509030403020204" pitchFamily="49" charset="0"/>
+                <a:ea typeface="Source Code Pro" panose="020B0509030403020204" pitchFamily="49" charset="0"/>
+              </a:rPr>
+              <a:t>QuestionType</a:t>
+            </a:r>
+            <a:endParaRPr lang="en-US" dirty="0">
+              <a:latin typeface="Source Code Pro" panose="020B0509030403020204" pitchFamily="49" charset="0"/>
+              <a:ea typeface="Source Code Pro" panose="020B0509030403020204" pitchFamily="49" charset="0"/>
+            </a:endParaRPr>
+          </a:p>
+          <a:p>
+            <a:pPr marL="0" indent="0">
+              <a:buNone/>
+            </a:pPr>
+            <a:r>
+              <a:rPr lang="en-US" dirty="0">
+                <a:latin typeface="Source Code Pro" panose="020B0509030403020204" pitchFamily="49" charset="0"/>
+                <a:ea typeface="Source Code Pro" panose="020B0509030403020204" pitchFamily="49" charset="0"/>
+              </a:rPr>
+              <a:t>    {</a:t>
+            </a:r>
+          </a:p>
+          <a:p>
+            <a:pPr marL="0" indent="0">
+              <a:buNone/>
+            </a:pPr>
+            <a:r>
+              <a:rPr lang="en-US" dirty="0">
+                <a:latin typeface="Source Code Pro" panose="020B0509030403020204" pitchFamily="49" charset="0"/>
+                <a:ea typeface="Source Code Pro" panose="020B0509030403020204" pitchFamily="49" charset="0"/>
+              </a:rPr>
+              <a:t>        </a:t>
+            </a:r>
+            <a:r>
+              <a:rPr lang="en-US" dirty="0" err="1">
+                <a:latin typeface="Source Code Pro" panose="020B0509030403020204" pitchFamily="49" charset="0"/>
+                <a:ea typeface="Source Code Pro" panose="020B0509030403020204" pitchFamily="49" charset="0"/>
+              </a:rPr>
+              <a:t>YesNo</a:t>
+            </a:r>
+            <a:r>
+              <a:rPr lang="en-US" dirty="0">
+                <a:latin typeface="Source Code Pro" panose="020B0509030403020204" pitchFamily="49" charset="0"/>
+                <a:ea typeface="Source Code Pro" panose="020B0509030403020204" pitchFamily="49" charset="0"/>
+              </a:rPr>
+              <a:t>,</a:t>
+            </a:r>
+          </a:p>
+          <a:p>
+            <a:pPr marL="0" indent="0">
+              <a:buNone/>
+            </a:pPr>
+            <a:r>
+              <a:rPr lang="en-US" dirty="0">
+                <a:latin typeface="Source Code Pro" panose="020B0509030403020204" pitchFamily="49" charset="0"/>
+                <a:ea typeface="Source Code Pro" panose="020B0509030403020204" pitchFamily="49" charset="0"/>
+              </a:rPr>
+              <a:t>        Number,</a:t>
+            </a:r>
+          </a:p>
+          <a:p>
+            <a:pPr marL="0" indent="0">
+              <a:buNone/>
+            </a:pPr>
+            <a:r>
+              <a:rPr lang="en-US" dirty="0">
+                <a:latin typeface="Source Code Pro" panose="020B0509030403020204" pitchFamily="49" charset="0"/>
+                <a:ea typeface="Source Code Pro" panose="020B0509030403020204" pitchFamily="49" charset="0"/>
+              </a:rPr>
+              <a:t>        Text</a:t>
+            </a:r>
+          </a:p>
+          <a:p>
+            <a:pPr marL="0" indent="0">
+              <a:buNone/>
+            </a:pPr>
+            <a:r>
+              <a:rPr lang="en-US" dirty="0">
+                <a:latin typeface="Source Code Pro" panose="020B0509030403020204" pitchFamily="49" charset="0"/>
+                <a:ea typeface="Source Code Pro" panose="020B0509030403020204" pitchFamily="49" charset="0"/>
+              </a:rPr>
+              <a:t>    }</a:t>
+            </a:r>
+          </a:p>
+          <a:p>
+            <a:pPr marL="0" indent="0">
+              <a:buNone/>
+            </a:pPr>
+            <a:endParaRPr lang="en-US" dirty="0">
+              <a:latin typeface="Source Code Pro" panose="020B0509030403020204" pitchFamily="49" charset="0"/>
+              <a:ea typeface="Source Code Pro" panose="020B0509030403020204" pitchFamily="49" charset="0"/>
+            </a:endParaRPr>
+          </a:p>
+          <a:p>
+            <a:pPr marL="0" indent="0">
+              <a:buNone/>
+            </a:pPr>
+            <a:r>
+              <a:rPr lang="en-US" dirty="0">
+                <a:latin typeface="Source Code Pro" panose="020B0509030403020204" pitchFamily="49" charset="0"/>
+                <a:ea typeface="Source Code Pro" panose="020B0509030403020204" pitchFamily="49" charset="0"/>
+              </a:rPr>
+              <a:t>    public class </a:t>
+            </a:r>
+            <a:r>
+              <a:rPr lang="en-US" dirty="0" err="1">
+                <a:latin typeface="Source Code Pro" panose="020B0509030403020204" pitchFamily="49" charset="0"/>
+                <a:ea typeface="Source Code Pro" panose="020B0509030403020204" pitchFamily="49" charset="0"/>
+              </a:rPr>
+              <a:t>SurveyQuestion</a:t>
+            </a:r>
+            <a:endParaRPr lang="en-US" dirty="0">
+              <a:latin typeface="Source Code Pro" panose="020B0509030403020204" pitchFamily="49" charset="0"/>
+              <a:ea typeface="Source Code Pro" panose="020B0509030403020204" pitchFamily="49" charset="0"/>
+            </a:endParaRPr>
+          </a:p>
+          <a:p>
+            <a:pPr marL="0" indent="0">
+              <a:buNone/>
+            </a:pPr>
+            <a:r>
+              <a:rPr lang="en-US" dirty="0">
+                <a:latin typeface="Source Code Pro" panose="020B0509030403020204" pitchFamily="49" charset="0"/>
+                <a:ea typeface="Source Code Pro" panose="020B0509030403020204" pitchFamily="49" charset="0"/>
+              </a:rPr>
+              <a:t>    {</a:t>
+            </a:r>
+          </a:p>
+          <a:p>
+            <a:pPr marL="0" indent="0">
+              <a:buNone/>
+            </a:pPr>
+            <a:r>
+              <a:rPr lang="en-US" dirty="0">
+                <a:latin typeface="Source Code Pro" panose="020B0509030403020204" pitchFamily="49" charset="0"/>
+                <a:ea typeface="Source Code Pro" panose="020B0509030403020204" pitchFamily="49" charset="0"/>
+              </a:rPr>
+              <a:t>        public string </a:t>
+            </a:r>
+            <a:r>
+              <a:rPr lang="en-US" dirty="0" err="1">
+                <a:latin typeface="Source Code Pro" panose="020B0509030403020204" pitchFamily="49" charset="0"/>
+                <a:ea typeface="Source Code Pro" panose="020B0509030403020204" pitchFamily="49" charset="0"/>
+              </a:rPr>
+              <a:t>QuestionText</a:t>
+            </a:r>
+            <a:r>
+              <a:rPr lang="en-US" dirty="0">
+                <a:latin typeface="Source Code Pro" panose="020B0509030403020204" pitchFamily="49" charset="0"/>
+                <a:ea typeface="Source Code Pro" panose="020B0509030403020204" pitchFamily="49" charset="0"/>
+              </a:rPr>
+              <a:t> { get; }</a:t>
+            </a:r>
+          </a:p>
+          <a:p>
+            <a:pPr marL="0" indent="0">
+              <a:buNone/>
+            </a:pPr>
+            <a:r>
+              <a:rPr lang="en-US" dirty="0">
+                <a:latin typeface="Source Code Pro" panose="020B0509030403020204" pitchFamily="49" charset="0"/>
+                <a:ea typeface="Source Code Pro" panose="020B0509030403020204" pitchFamily="49" charset="0"/>
+              </a:rPr>
+              <a:t>        public </a:t>
+            </a:r>
+            <a:r>
+              <a:rPr lang="en-US" dirty="0" err="1">
+                <a:latin typeface="Source Code Pro" panose="020B0509030403020204" pitchFamily="49" charset="0"/>
+                <a:ea typeface="Source Code Pro" panose="020B0509030403020204" pitchFamily="49" charset="0"/>
+              </a:rPr>
+              <a:t>QuestionType</a:t>
+            </a:r>
+            <a:r>
+              <a:rPr lang="en-US" dirty="0">
+                <a:latin typeface="Source Code Pro" panose="020B0509030403020204" pitchFamily="49" charset="0"/>
+                <a:ea typeface="Source Code Pro" panose="020B0509030403020204" pitchFamily="49" charset="0"/>
+              </a:rPr>
+              <a:t> </a:t>
+            </a:r>
+            <a:r>
+              <a:rPr lang="en-US" dirty="0" err="1">
+                <a:latin typeface="Source Code Pro" panose="020B0509030403020204" pitchFamily="49" charset="0"/>
+                <a:ea typeface="Source Code Pro" panose="020B0509030403020204" pitchFamily="49" charset="0"/>
+              </a:rPr>
+              <a:t>TypeOfQuestion</a:t>
+            </a:r>
+            <a:r>
+              <a:rPr lang="en-US" dirty="0">
+                <a:latin typeface="Source Code Pro" panose="020B0509030403020204" pitchFamily="49" charset="0"/>
+                <a:ea typeface="Source Code Pro" panose="020B0509030403020204" pitchFamily="49" charset="0"/>
+              </a:rPr>
+              <a:t> { get; }</a:t>
+            </a:r>
+          </a:p>
+          <a:p>
+            <a:pPr marL="0" indent="0">
+              <a:buNone/>
+            </a:pPr>
+            <a:r>
+              <a:rPr lang="en-US" dirty="0">
+                <a:latin typeface="Source Code Pro" panose="020B0509030403020204" pitchFamily="49" charset="0"/>
+                <a:ea typeface="Source Code Pro" panose="020B0509030403020204" pitchFamily="49" charset="0"/>
+              </a:rPr>
+              <a:t>    }</a:t>
+            </a:r>
+          </a:p>
+          <a:p>
+            <a:pPr marL="0" indent="0">
+              <a:buNone/>
+            </a:pPr>
+            <a:r>
+              <a:rPr lang="en-US" dirty="0">
+                <a:latin typeface="Source Code Pro" panose="020B0509030403020204" pitchFamily="49" charset="0"/>
+                <a:ea typeface="Source Code Pro" panose="020B0509030403020204" pitchFamily="49" charset="0"/>
+              </a:rPr>
+              <a:t>}</a:t>
+            </a:r>
+          </a:p>
+        </p:txBody>
+      </p:sp>
+      <p:sp>
+        <p:nvSpPr>
+          <p:cNvPr id="4" name="Rectangle 3">
+            <a:extLst>
+              <a:ext uri="{FF2B5EF4-FFF2-40B4-BE49-F238E27FC236}">
+                <a16:creationId xmlns:a16="http://schemas.microsoft.com/office/drawing/2014/main" id="{B869EB44-146D-4643-908F-9C780FEF1B62}"/>
+              </a:ext>
+            </a:extLst>
+          </p:cNvPr>
+          <p:cNvSpPr/>
+          <p:nvPr/>
+        </p:nvSpPr>
+        <p:spPr>
+          <a:xfrm>
+            <a:off x="4836861" y="4483713"/>
+            <a:ext cx="4855779" cy="485578"/>
+          </a:xfrm>
+          <a:prstGeom prst="rect">
+            <a:avLst/>
+          </a:prstGeom>
+          <a:noFill/>
+          <a:ln w="76200"/>
+        </p:spPr>
+        <p:style>
+          <a:lnRef idx="2">
+            <a:schemeClr val="accent2"/>
+          </a:lnRef>
+          <a:fillRef idx="1">
+            <a:schemeClr val="lt1"/>
+          </a:fillRef>
+          <a:effectRef idx="0">
+            <a:schemeClr val="accent2"/>
+          </a:effectRef>
+          <a:fontRef idx="minor">
+            <a:schemeClr val="dk1"/>
+          </a:fontRef>
+        </p:style>
+        <p:txBody>
+          <a:bodyPr rtlCol="0" anchor="ctr"/>
+          <a:lstStyle/>
+          <a:p>
+            <a:pPr algn="ctr"/>
+            <a:endParaRPr lang="en-US"/>
+          </a:p>
+        </p:txBody>
+      </p:sp>
+    </p:spTree>
+    <p:extLst>
+      <p:ext uri="{BB962C8B-B14F-4D97-AF65-F5344CB8AC3E}">
+        <p14:creationId xmlns:p14="http://schemas.microsoft.com/office/powerpoint/2010/main" val="2402112905"/>
+      </p:ext>
+    </p:extLst>
+  </p:cSld>
+  <p:clrMapOvr>
+    <a:masterClrMapping/>
+  </p:clrMapOvr>
+  <p:timing>
+    <p:tnLst>
+      <p:par>
+        <p:cTn id="1" dur="indefinite" restart="never" nodeType="tmRoot">
+          <p:childTnLst>
+            <p:seq concurrent="1" nextAc="seek">
+              <p:cTn id="2" dur="indefinite" nodeType="mainSeq">
+                <p:childTnLst>
+                  <p:par>
+                    <p:cTn id="3" fill="hold">
+                      <p:stCondLst>
+                        <p:cond delay="indefinite"/>
+                      </p:stCondLst>
+                      <p:childTnLst>
+                        <p:par>
+                          <p:cTn id="4" fill="hold">
+                            <p:stCondLst>
+                              <p:cond delay="0"/>
+                            </p:stCondLst>
+                            <p:childTnLst>
+                              <p:par>
+                                <p:cTn id="5" presetID="10" presetClass="entr" presetSubtype="0" fill="hold" grpId="0" nodeType="clickEffect">
+                                  <p:stCondLst>
+                                    <p:cond delay="0"/>
+                                  </p:stCondLst>
+                                  <p:childTnLst>
+                                    <p:set>
+                                      <p:cBhvr>
+                                        <p:cTn id="6" dur="1" fill="hold">
+                                          <p:stCondLst>
+                                            <p:cond delay="0"/>
+                                          </p:stCondLst>
+                                        </p:cTn>
+                                        <p:tgtEl>
+                                          <p:spTgt spid="4"/>
+                                        </p:tgtEl>
+                                        <p:attrNameLst>
+                                          <p:attrName>style.visibility</p:attrName>
+                                        </p:attrNameLst>
+                                      </p:cBhvr>
+                                      <p:to>
+                                        <p:strVal val="visible"/>
+                                      </p:to>
+                                    </p:set>
+                                    <p:animEffect transition="in" filter="fade">
+                                      <p:cBhvr>
+                                        <p:cTn id="7" dur="500"/>
+                                        <p:tgtEl>
+                                          <p:spTgt spid="4"/>
+                                        </p:tgtEl>
+                                      </p:cBhvr>
+                                    </p:animEffect>
+                                  </p:childTnLst>
+                                </p:cTn>
+                              </p:par>
+                            </p:childTnLst>
+                          </p:cTn>
+                        </p:par>
+                      </p:childTnLst>
+                    </p:cTn>
+                  </p:par>
+                </p:childTnLst>
+              </p:cTn>
+              <p:prevCondLst>
+                <p:cond evt="onPrev" delay="0">
+                  <p:tgtEl>
+                    <p:sldTgt/>
+                  </p:tgtEl>
+                </p:cond>
+              </p:prevCondLst>
+              <p:nextCondLst>
+                <p:cond evt="onNext" delay="0">
+                  <p:tgtEl>
+                    <p:sldTgt/>
+                  </p:tgtEl>
+                </p:cond>
+              </p:nextCondLst>
+            </p:seq>
+          </p:childTnLst>
+        </p:cTn>
+      </p:par>
+    </p:tnLst>
+    <p:bldLst>
+      <p:bldP spid="4" grpId="0" animBg="1"/>
+    </p:bldLst>
+  </p:timing>
+</p:sld>
+</file>
+
+<file path=ppt/slides/slide11.xml><?xml version="1.0" encoding="utf-8"?>
+<p:sld xmlns:a="http://schemas.openxmlformats.org/drawingml/2006/main" xmlns:r="http://schemas.openxmlformats.org/officeDocument/2006/relationships" xmlns:p="http://schemas.openxmlformats.org/presentationml/2006/main">
+  <p:cSld>
     <p:bg>
       <p:bgPr>
         <a:solidFill>
@@ -6286,7 +6786,7 @@
 </p:sld>
 </file>
 
-<file path=ppt/slides/slide11.xml><?xml version="1.0" encoding="utf-8"?>
+<file path=ppt/slides/slide12.xml><?xml version="1.0" encoding="utf-8"?>
 <p:sld xmlns:a="http://schemas.openxmlformats.org/drawingml/2006/main" xmlns:r="http://schemas.openxmlformats.org/officeDocument/2006/relationships" xmlns:p="http://schemas.openxmlformats.org/presentationml/2006/main">
   <p:cSld>
     <p:bg>
@@ -6870,167 +7370,6 @@
 </p:sld>
 </file>
 
-<file path=ppt/slides/slide12.xml><?xml version="1.0" encoding="utf-8"?>
-<p:sld xmlns:a="http://schemas.openxmlformats.org/drawingml/2006/main" xmlns:r="http://schemas.openxmlformats.org/officeDocument/2006/relationships" xmlns:p="http://schemas.openxmlformats.org/presentationml/2006/main">
-  <p:cSld>
-    <p:spTree>
-      <p:nvGrpSpPr>
-        <p:cNvPr id="1" name=""/>
-        <p:cNvGrpSpPr/>
-        <p:nvPr/>
-      </p:nvGrpSpPr>
-      <p:grpSpPr>
-        <a:xfrm>
-          <a:off x="0" y="0"/>
-          <a:ext cx="0" cy="0"/>
-          <a:chOff x="0" y="0"/>
-          <a:chExt cx="0" cy="0"/>
-        </a:xfrm>
-      </p:grpSpPr>
-      <p:sp>
-        <p:nvSpPr>
-          <p:cNvPr id="2" name="Title 1">
-            <a:extLst>
-              <a:ext uri="{FF2B5EF4-FFF2-40B4-BE49-F238E27FC236}">
-                <a16:creationId xmlns:a16="http://schemas.microsoft.com/office/drawing/2014/main" id="{1DD386C6-FEC4-44D6-92DD-F619D8FE1BAE}"/>
-              </a:ext>
-            </a:extLst>
-          </p:cNvPr>
-          <p:cNvSpPr>
-            <a:spLocks noGrp="1"/>
-          </p:cNvSpPr>
-          <p:nvPr>
-            <p:ph type="title"/>
-          </p:nvPr>
-        </p:nvSpPr>
-        <p:spPr/>
-        <p:txBody>
-          <a:bodyPr/>
-          <a:lstStyle/>
-          <a:p>
-            <a:r>
-              <a:rPr lang="en-US" dirty="0"/>
-              <a:t>Asynchronous Streams</a:t>
-            </a:r>
-          </a:p>
-        </p:txBody>
-      </p:sp>
-      <p:sp>
-        <p:nvSpPr>
-          <p:cNvPr id="3" name="Content Placeholder 2">
-            <a:extLst>
-              <a:ext uri="{FF2B5EF4-FFF2-40B4-BE49-F238E27FC236}">
-                <a16:creationId xmlns:a16="http://schemas.microsoft.com/office/drawing/2014/main" id="{FB4ED389-218A-4F2A-9E2C-FDC7C2BCA4A5}"/>
-              </a:ext>
-            </a:extLst>
-          </p:cNvPr>
-          <p:cNvSpPr>
-            <a:spLocks noGrp="1"/>
-          </p:cNvSpPr>
-          <p:nvPr>
-            <p:ph idx="1"/>
-          </p:nvPr>
-        </p:nvSpPr>
-        <p:spPr>
-          <a:xfrm>
-            <a:off x="3869268" y="864108"/>
-            <a:ext cx="7765684" cy="5120640"/>
-          </a:xfrm>
-        </p:spPr>
-        <p:txBody>
-          <a:bodyPr/>
-          <a:lstStyle/>
-          <a:p>
-            <a:pPr marL="0" indent="0">
-              <a:buNone/>
-            </a:pPr>
-            <a:r>
-              <a:rPr lang="en-US" dirty="0">
-                <a:latin typeface="Source Code Pro" panose="020B0509030403020204" pitchFamily="49" charset="0"/>
-                <a:ea typeface="Source Code Pro" panose="020B0509030403020204" pitchFamily="49" charset="0"/>
-              </a:rPr>
-              <a:t>await foreach (var number in </a:t>
-            </a:r>
-            <a:r>
-              <a:rPr lang="en-US" dirty="0" err="1">
-                <a:latin typeface="Source Code Pro" panose="020B0509030403020204" pitchFamily="49" charset="0"/>
-                <a:ea typeface="Source Code Pro" panose="020B0509030403020204" pitchFamily="49" charset="0"/>
-              </a:rPr>
-              <a:t>GenerateSequence</a:t>
-            </a:r>
-            <a:r>
-              <a:rPr lang="en-US" dirty="0">
-                <a:latin typeface="Source Code Pro" panose="020B0509030403020204" pitchFamily="49" charset="0"/>
-                <a:ea typeface="Source Code Pro" panose="020B0509030403020204" pitchFamily="49" charset="0"/>
-              </a:rPr>
-              <a:t>())</a:t>
-            </a:r>
-          </a:p>
-          <a:p>
-            <a:pPr marL="0" indent="0">
-              <a:buNone/>
-            </a:pPr>
-            <a:r>
-              <a:rPr lang="en-US" dirty="0">
-                <a:latin typeface="Source Code Pro" panose="020B0509030403020204" pitchFamily="49" charset="0"/>
-                <a:ea typeface="Source Code Pro" panose="020B0509030403020204" pitchFamily="49" charset="0"/>
-              </a:rPr>
-              <a:t>{</a:t>
-            </a:r>
-          </a:p>
-          <a:p>
-            <a:pPr marL="0" indent="0">
-              <a:buNone/>
-            </a:pPr>
-            <a:r>
-              <a:rPr lang="en-US" dirty="0">
-                <a:latin typeface="Source Code Pro" panose="020B0509030403020204" pitchFamily="49" charset="0"/>
-                <a:ea typeface="Source Code Pro" panose="020B0509030403020204" pitchFamily="49" charset="0"/>
-              </a:rPr>
-              <a:t>    </a:t>
-            </a:r>
-            <a:r>
-              <a:rPr lang="en-US" dirty="0" err="1">
-                <a:latin typeface="Source Code Pro" panose="020B0509030403020204" pitchFamily="49" charset="0"/>
-                <a:ea typeface="Source Code Pro" panose="020B0509030403020204" pitchFamily="49" charset="0"/>
-              </a:rPr>
-              <a:t>Console.WriteLine</a:t>
-            </a:r>
-            <a:r>
-              <a:rPr lang="en-US" dirty="0">
-                <a:latin typeface="Source Code Pro" panose="020B0509030403020204" pitchFamily="49" charset="0"/>
-                <a:ea typeface="Source Code Pro" panose="020B0509030403020204" pitchFamily="49" charset="0"/>
-              </a:rPr>
-              <a:t>(number);</a:t>
-            </a:r>
-          </a:p>
-          <a:p>
-            <a:pPr marL="0" indent="0">
-              <a:buNone/>
-            </a:pPr>
-            <a:r>
-              <a:rPr lang="en-US" dirty="0">
-                <a:latin typeface="Source Code Pro" panose="020B0509030403020204" pitchFamily="49" charset="0"/>
-                <a:ea typeface="Source Code Pro" panose="020B0509030403020204" pitchFamily="49" charset="0"/>
-              </a:rPr>
-              <a:t>}</a:t>
-            </a:r>
-          </a:p>
-        </p:txBody>
-      </p:sp>
-    </p:spTree>
-    <p:extLst>
-      <p:ext uri="{BB962C8B-B14F-4D97-AF65-F5344CB8AC3E}">
-        <p14:creationId xmlns:p14="http://schemas.microsoft.com/office/powerpoint/2010/main" val="2510043909"/>
-      </p:ext>
-    </p:extLst>
-  </p:cSld>
-  <p:clrMapOvr>
-    <a:masterClrMapping/>
-  </p:clrMapOvr>
-</p:sld>
-</file>
-
 <file path=ppt/slides/slide13.xml><?xml version="1.0" encoding="utf-8"?>
 <p:sld xmlns:a="http://schemas.openxmlformats.org/drawingml/2006/main" xmlns:r="http://schemas.openxmlformats.org/officeDocument/2006/relationships" xmlns:p="http://schemas.openxmlformats.org/presentationml/2006/main">
   <p:cSld>
@@ -7053,7 +7392,7 @@
           <p:cNvPr id="2" name="Title 1">
             <a:extLst>
               <a:ext uri="{FF2B5EF4-FFF2-40B4-BE49-F238E27FC236}">
-                <a16:creationId xmlns:a16="http://schemas.microsoft.com/office/drawing/2014/main" id="{D742415E-B94D-4EAA-B3F7-415605960A58}"/>
+                <a16:creationId xmlns:a16="http://schemas.microsoft.com/office/drawing/2014/main" id="{1DD386C6-FEC4-44D6-92DD-F619D8FE1BAE}"/>
               </a:ext>
             </a:extLst>
           </p:cNvPr>
@@ -7071,7 +7410,7 @@
           <a:p>
             <a:r>
               <a:rPr lang="en-US" dirty="0"/>
-              <a:t>Indices and Ranges</a:t>
+              <a:t>Asynchronous Streams</a:t>
             </a:r>
           </a:p>
         </p:txBody>
@@ -7081,7 +7420,7 @@
           <p:cNvPr id="3" name="Content Placeholder 2">
             <a:extLst>
               <a:ext uri="{FF2B5EF4-FFF2-40B4-BE49-F238E27FC236}">
-                <a16:creationId xmlns:a16="http://schemas.microsoft.com/office/drawing/2014/main" id="{DA17C1E6-BE2B-4581-8415-236E632A72F1}"/>
+                <a16:creationId xmlns:a16="http://schemas.microsoft.com/office/drawing/2014/main" id="{FB4ED389-218A-4F2A-9E2C-FDC7C2BCA4A5}"/>
               </a:ext>
             </a:extLst>
           </p:cNvPr>
@@ -7095,13 +7434,11 @@
         <p:spPr>
           <a:xfrm>
             <a:off x="3869268" y="864108"/>
-            <a:ext cx="7942258" cy="5120640"/>
+            <a:ext cx="7765684" cy="5120640"/>
           </a:xfrm>
         </p:spPr>
         <p:txBody>
-          <a:bodyPr>
-            <a:normAutofit fontScale="92500" lnSpcReduction="10000"/>
-          </a:bodyPr>
+          <a:bodyPr/>
           <a:lstStyle/>
           <a:p>
             <a:pPr marL="0" indent="0">
@@ -7112,7 +7449,21 @@
                 <a:latin typeface="Source Code Pro" panose="020B0509030403020204" pitchFamily="49" charset="0"/>
                 <a:ea typeface="Source Code Pro" panose="020B0509030403020204" pitchFamily="49" charset="0"/>
               </a:rPr>
-              <a:t>var words = new string[]</a:t>
+              <a:t>await foreach (var number in </a:t>
+            </a:r>
+            <a:r>
+              <a:rPr lang="en-US" dirty="0" err="1">
+                <a:latin typeface="Source Code Pro" panose="020B0509030403020204" pitchFamily="49" charset="0"/>
+                <a:ea typeface="Source Code Pro" panose="020B0509030403020204" pitchFamily="49" charset="0"/>
+              </a:rPr>
+              <a:t>GenerateSequence</a:t>
+            </a:r>
+            <a:r>
+              <a:rPr lang="en-US" dirty="0">
+                <a:latin typeface="Source Code Pro" panose="020B0509030403020204" pitchFamily="49" charset="0"/>
+                <a:ea typeface="Source Code Pro" panose="020B0509030403020204" pitchFamily="49" charset="0"/>
+              </a:rPr>
+              <a:t>())</a:t>
             </a:r>
           </a:p>
           <a:p>
@@ -7136,7 +7487,21 @@
                 <a:latin typeface="Source Code Pro" panose="020B0509030403020204" pitchFamily="49" charset="0"/>
                 <a:ea typeface="Source Code Pro" panose="020B0509030403020204" pitchFamily="49" charset="0"/>
               </a:rPr>
-              <a:t>                // index from start    index from end</a:t>
+              <a:t>    </a:t>
+            </a:r>
+            <a:r>
+              <a:rPr lang="en-US" dirty="0" err="1">
+                <a:latin typeface="Source Code Pro" panose="020B0509030403020204" pitchFamily="49" charset="0"/>
+                <a:ea typeface="Source Code Pro" panose="020B0509030403020204" pitchFamily="49" charset="0"/>
+              </a:rPr>
+              <a:t>Console.WriteLine</a:t>
+            </a:r>
+            <a:r>
+              <a:rPr lang="en-US" dirty="0">
+                <a:latin typeface="Source Code Pro" panose="020B0509030403020204" pitchFamily="49" charset="0"/>
+                <a:ea typeface="Source Code Pro" panose="020B0509030403020204" pitchFamily="49" charset="0"/>
+              </a:rPr>
+              <a:t>(number);</a:t>
             </a:r>
           </a:p>
           <a:p>
@@ -7148,129 +7513,7 @@
                 <a:latin typeface="Source Code Pro" panose="020B0509030403020204" pitchFamily="49" charset="0"/>
                 <a:ea typeface="Source Code Pro" panose="020B0509030403020204" pitchFamily="49" charset="0"/>
               </a:rPr>
-              <a:t>    "The",      // 0                   ^9</a:t>
-            </a:r>
-          </a:p>
-          <a:p>
-            <a:pPr marL="0" indent="0">
-              <a:buNone/>
-            </a:pPr>
-            <a:r>
-              <a:rPr lang="en-US" dirty="0">
-                <a:latin typeface="Source Code Pro" panose="020B0509030403020204" pitchFamily="49" charset="0"/>
-                <a:ea typeface="Source Code Pro" panose="020B0509030403020204" pitchFamily="49" charset="0"/>
-              </a:rPr>
-              <a:t>    "quick",    // 1                   ^8</a:t>
-            </a:r>
-          </a:p>
-          <a:p>
-            <a:pPr marL="0" indent="0">
-              <a:buNone/>
-            </a:pPr>
-            <a:r>
-              <a:rPr lang="en-US" dirty="0">
-                <a:latin typeface="Source Code Pro" panose="020B0509030403020204" pitchFamily="49" charset="0"/>
-                <a:ea typeface="Source Code Pro" panose="020B0509030403020204" pitchFamily="49" charset="0"/>
-              </a:rPr>
-              <a:t>    "brown",    // 2                   ^7</a:t>
-            </a:r>
-          </a:p>
-          <a:p>
-            <a:pPr marL="0" indent="0">
-              <a:buNone/>
-            </a:pPr>
-            <a:r>
-              <a:rPr lang="en-US" dirty="0">
-                <a:latin typeface="Source Code Pro" panose="020B0509030403020204" pitchFamily="49" charset="0"/>
-                <a:ea typeface="Source Code Pro" panose="020B0509030403020204" pitchFamily="49" charset="0"/>
-              </a:rPr>
-              <a:t>    "fox",      // 3                   ^6</a:t>
-            </a:r>
-          </a:p>
-          <a:p>
-            <a:pPr marL="0" indent="0">
-              <a:buNone/>
-            </a:pPr>
-            <a:r>
-              <a:rPr lang="en-US" dirty="0">
-                <a:latin typeface="Source Code Pro" panose="020B0509030403020204" pitchFamily="49" charset="0"/>
-                <a:ea typeface="Source Code Pro" panose="020B0509030403020204" pitchFamily="49" charset="0"/>
-              </a:rPr>
-              <a:t>    "jumped",   // 4                   ^5</a:t>
-            </a:r>
-          </a:p>
-          <a:p>
-            <a:pPr marL="0" indent="0">
-              <a:buNone/>
-            </a:pPr>
-            <a:r>
-              <a:rPr lang="en-US" dirty="0">
-                <a:latin typeface="Source Code Pro" panose="020B0509030403020204" pitchFamily="49" charset="0"/>
-                <a:ea typeface="Source Code Pro" panose="020B0509030403020204" pitchFamily="49" charset="0"/>
-              </a:rPr>
-              <a:t>    "over",     // 5                   ^4</a:t>
-            </a:r>
-          </a:p>
-          <a:p>
-            <a:pPr marL="0" indent="0">
-              <a:buNone/>
-            </a:pPr>
-            <a:r>
-              <a:rPr lang="en-US" dirty="0">
-                <a:latin typeface="Source Code Pro" panose="020B0509030403020204" pitchFamily="49" charset="0"/>
-                <a:ea typeface="Source Code Pro" panose="020B0509030403020204" pitchFamily="49" charset="0"/>
-              </a:rPr>
-              <a:t>    "the",      // 6                   ^3</a:t>
-            </a:r>
-          </a:p>
-          <a:p>
-            <a:pPr marL="0" indent="0">
-              <a:buNone/>
-            </a:pPr>
-            <a:r>
-              <a:rPr lang="en-US" dirty="0">
-                <a:latin typeface="Source Code Pro" panose="020B0509030403020204" pitchFamily="49" charset="0"/>
-                <a:ea typeface="Source Code Pro" panose="020B0509030403020204" pitchFamily="49" charset="0"/>
-              </a:rPr>
-              <a:t>    "lazy",     // 7                   ^2</a:t>
-            </a:r>
-          </a:p>
-          <a:p>
-            <a:pPr marL="0" indent="0">
-              <a:buNone/>
-            </a:pPr>
-            <a:r>
-              <a:rPr lang="en-US" dirty="0">
-                <a:latin typeface="Source Code Pro" panose="020B0509030403020204" pitchFamily="49" charset="0"/>
-                <a:ea typeface="Source Code Pro" panose="020B0509030403020204" pitchFamily="49" charset="0"/>
-              </a:rPr>
-              <a:t>    "dog"       // 8                   ^1</a:t>
-            </a:r>
-          </a:p>
-          <a:p>
-            <a:pPr marL="0" indent="0">
-              <a:buNone/>
-            </a:pPr>
-            <a:r>
-              <a:rPr lang="en-US" dirty="0">
-                <a:latin typeface="Source Code Pro" panose="020B0509030403020204" pitchFamily="49" charset="0"/>
-                <a:ea typeface="Source Code Pro" panose="020B0509030403020204" pitchFamily="49" charset="0"/>
-              </a:rPr>
-              <a:t>};              // 9 (or </a:t>
-            </a:r>
-            <a:r>
-              <a:rPr lang="en-US" dirty="0" err="1">
-                <a:latin typeface="Source Code Pro" panose="020B0509030403020204" pitchFamily="49" charset="0"/>
-                <a:ea typeface="Source Code Pro" panose="020B0509030403020204" pitchFamily="49" charset="0"/>
-              </a:rPr>
-              <a:t>words.Length</a:t>
-            </a:r>
-            <a:r>
-              <a:rPr lang="en-US" dirty="0">
-                <a:latin typeface="Source Code Pro" panose="020B0509030403020204" pitchFamily="49" charset="0"/>
-                <a:ea typeface="Source Code Pro" panose="020B0509030403020204" pitchFamily="49" charset="0"/>
-              </a:rPr>
-              <a:t>) ^0</a:t>
+              <a:t>}</a:t>
             </a:r>
           </a:p>
         </p:txBody>
@@ -7278,7 +7521,7 @@
     </p:spTree>
     <p:extLst>
       <p:ext uri="{BB962C8B-B14F-4D97-AF65-F5344CB8AC3E}">
-        <p14:creationId xmlns:p14="http://schemas.microsoft.com/office/powerpoint/2010/main" val="1946307342"/>
+        <p14:creationId xmlns:p14="http://schemas.microsoft.com/office/powerpoint/2010/main" val="2510043909"/>
       </p:ext>
     </p:extLst>
   </p:cSld>
@@ -7357,7 +7600,7 @@
         </p:spPr>
         <p:txBody>
           <a:bodyPr>
-            <a:normAutofit/>
+            <a:normAutofit fontScale="92500" lnSpcReduction="10000"/>
           </a:bodyPr>
           <a:lstStyle/>
           <a:p>
@@ -7365,53 +7608,35 @@
               <a:buNone/>
             </a:pPr>
             <a:r>
-              <a:rPr lang="en-US" sz="2400" dirty="0" err="1">
-                <a:latin typeface="Source Code Pro" panose="020B0509030403020204" pitchFamily="49" charset="0"/>
-                <a:ea typeface="Source Code Pro" panose="020B0509030403020204" pitchFamily="49" charset="0"/>
-              </a:rPr>
-              <a:t>Console.WriteLine</a:t>
-            </a:r>
-            <a:r>
-              <a:rPr lang="en-US" sz="2400" dirty="0">
-                <a:latin typeface="Source Code Pro" panose="020B0509030403020204" pitchFamily="49" charset="0"/>
-                <a:ea typeface="Source Code Pro" panose="020B0509030403020204" pitchFamily="49" charset="0"/>
-              </a:rPr>
-              <a:t>($"The last word is {words[^1]}");</a:t>
+              <a:rPr lang="en-US" dirty="0">
+                <a:latin typeface="Source Code Pro" panose="020B0509030403020204" pitchFamily="49" charset="0"/>
+                <a:ea typeface="Source Code Pro" panose="020B0509030403020204" pitchFamily="49" charset="0"/>
+              </a:rPr>
+              <a:t>var words = new string[]</a:t>
             </a:r>
           </a:p>
           <a:p>
             <a:pPr marL="0" indent="0">
               <a:buNone/>
             </a:pPr>
-            <a:endParaRPr lang="en-US" sz="2400" dirty="0">
-              <a:latin typeface="Source Code Pro" panose="020B0509030403020204" pitchFamily="49" charset="0"/>
-              <a:ea typeface="Source Code Pro" panose="020B0509030403020204" pitchFamily="49" charset="0"/>
-            </a:endParaRPr>
+            <a:r>
+              <a:rPr lang="en-US" dirty="0">
+                <a:latin typeface="Source Code Pro" panose="020B0509030403020204" pitchFamily="49" charset="0"/>
+                <a:ea typeface="Source Code Pro" panose="020B0509030403020204" pitchFamily="49" charset="0"/>
+              </a:rPr>
+              <a:t>{</a:t>
+            </a:r>
           </a:p>
           <a:p>
             <a:pPr marL="0" indent="0">
               <a:buNone/>
             </a:pPr>
             <a:r>
-              <a:rPr lang="en-US" sz="2400" dirty="0">
-                <a:latin typeface="Source Code Pro" panose="020B0509030403020204" pitchFamily="49" charset="0"/>
-                <a:ea typeface="Source Code Pro" panose="020B0509030403020204" pitchFamily="49" charset="0"/>
-              </a:rPr>
-              <a:t>var </a:t>
-            </a:r>
-            <a:r>
-              <a:rPr lang="en-US" sz="2400" dirty="0" err="1">
-                <a:latin typeface="Source Code Pro" panose="020B0509030403020204" pitchFamily="49" charset="0"/>
-                <a:ea typeface="Source Code Pro" panose="020B0509030403020204" pitchFamily="49" charset="0"/>
-              </a:rPr>
-              <a:t>quickBrownFox</a:t>
-            </a:r>
-            <a:r>
-              <a:rPr lang="en-US" sz="2400" dirty="0">
-                <a:latin typeface="Source Code Pro" panose="020B0509030403020204" pitchFamily="49" charset="0"/>
-                <a:ea typeface="Source Code Pro" panose="020B0509030403020204" pitchFamily="49" charset="0"/>
-              </a:rPr>
-              <a:t> = words[1..4];</a:t>
+              <a:rPr lang="en-US" dirty="0">
+                <a:latin typeface="Source Code Pro" panose="020B0509030403020204" pitchFamily="49" charset="0"/>
+                <a:ea typeface="Source Code Pro" panose="020B0509030403020204" pitchFamily="49" charset="0"/>
+              </a:rPr>
+              <a:t>                // index from start    index from end</a:t>
             </a:r>
           </a:p>
           <a:p>
@@ -7419,25 +7644,11 @@
               <a:buNone/>
             </a:pPr>
             <a:r>
-              <a:rPr lang="en-US" sz="2400" dirty="0">
-                <a:latin typeface="Source Code Pro" panose="020B0509030403020204" pitchFamily="49" charset="0"/>
-                <a:ea typeface="Source Code Pro" panose="020B0509030403020204" pitchFamily="49" charset="0"/>
-              </a:rPr>
-              <a:t>var </a:t>
-            </a:r>
-            <a:r>
-              <a:rPr lang="en-US" sz="2400" dirty="0" err="1">
-                <a:latin typeface="Source Code Pro" panose="020B0509030403020204" pitchFamily="49" charset="0"/>
-                <a:ea typeface="Source Code Pro" panose="020B0509030403020204" pitchFamily="49" charset="0"/>
-              </a:rPr>
-              <a:t>lazyDog</a:t>
-            </a:r>
-            <a:r>
-              <a:rPr lang="en-US" sz="2400" dirty="0">
-                <a:latin typeface="Source Code Pro" panose="020B0509030403020204" pitchFamily="49" charset="0"/>
-                <a:ea typeface="Source Code Pro" panose="020B0509030403020204" pitchFamily="49" charset="0"/>
-              </a:rPr>
-              <a:t> = words[^2..^0];</a:t>
+              <a:rPr lang="en-US" dirty="0">
+                <a:latin typeface="Source Code Pro" panose="020B0509030403020204" pitchFamily="49" charset="0"/>
+                <a:ea typeface="Source Code Pro" panose="020B0509030403020204" pitchFamily="49" charset="0"/>
+              </a:rPr>
+              <a:t>    "The",      // 0                   ^9</a:t>
             </a:r>
           </a:p>
           <a:p>
@@ -7445,25 +7656,11 @@
               <a:buNone/>
             </a:pPr>
             <a:r>
-              <a:rPr lang="en-US" sz="2400" dirty="0">
-                <a:latin typeface="Source Code Pro" panose="020B0509030403020204" pitchFamily="49" charset="0"/>
-                <a:ea typeface="Source Code Pro" panose="020B0509030403020204" pitchFamily="49" charset="0"/>
-              </a:rPr>
-              <a:t>var </a:t>
-            </a:r>
-            <a:r>
-              <a:rPr lang="en-US" sz="2400" dirty="0" err="1">
-                <a:latin typeface="Source Code Pro" panose="020B0509030403020204" pitchFamily="49" charset="0"/>
-                <a:ea typeface="Source Code Pro" panose="020B0509030403020204" pitchFamily="49" charset="0"/>
-              </a:rPr>
-              <a:t>allWords</a:t>
-            </a:r>
-            <a:r>
-              <a:rPr lang="en-US" sz="2400" dirty="0">
-                <a:latin typeface="Source Code Pro" panose="020B0509030403020204" pitchFamily="49" charset="0"/>
-                <a:ea typeface="Source Code Pro" panose="020B0509030403020204" pitchFamily="49" charset="0"/>
-              </a:rPr>
-              <a:t> = words[..];</a:t>
+              <a:rPr lang="en-US" dirty="0">
+                <a:latin typeface="Source Code Pro" panose="020B0509030403020204" pitchFamily="49" charset="0"/>
+                <a:ea typeface="Source Code Pro" panose="020B0509030403020204" pitchFamily="49" charset="0"/>
+              </a:rPr>
+              <a:t>    "quick",    // 1                   ^8</a:t>
             </a:r>
           </a:p>
           <a:p>
@@ -7471,25 +7668,11 @@
               <a:buNone/>
             </a:pPr>
             <a:r>
-              <a:rPr lang="en-US" sz="2400" dirty="0">
-                <a:latin typeface="Source Code Pro" panose="020B0509030403020204" pitchFamily="49" charset="0"/>
-                <a:ea typeface="Source Code Pro" panose="020B0509030403020204" pitchFamily="49" charset="0"/>
-              </a:rPr>
-              <a:t>var </a:t>
-            </a:r>
-            <a:r>
-              <a:rPr lang="en-US" sz="2400" dirty="0" err="1">
-                <a:latin typeface="Source Code Pro" panose="020B0509030403020204" pitchFamily="49" charset="0"/>
-                <a:ea typeface="Source Code Pro" panose="020B0509030403020204" pitchFamily="49" charset="0"/>
-              </a:rPr>
-              <a:t>firstPhrase</a:t>
-            </a:r>
-            <a:r>
-              <a:rPr lang="en-US" sz="2400" dirty="0">
-                <a:latin typeface="Source Code Pro" panose="020B0509030403020204" pitchFamily="49" charset="0"/>
-                <a:ea typeface="Source Code Pro" panose="020B0509030403020204" pitchFamily="49" charset="0"/>
-              </a:rPr>
-              <a:t> = words[..4];</a:t>
+              <a:rPr lang="en-US" dirty="0">
+                <a:latin typeface="Source Code Pro" panose="020B0509030403020204" pitchFamily="49" charset="0"/>
+                <a:ea typeface="Source Code Pro" panose="020B0509030403020204" pitchFamily="49" charset="0"/>
+              </a:rPr>
+              <a:t>    "brown",    // 2                   ^7</a:t>
             </a:r>
           </a:p>
           <a:p>
@@ -7497,46 +7680,35 @@
               <a:buNone/>
             </a:pPr>
             <a:r>
-              <a:rPr lang="en-US" sz="2400" dirty="0">
-                <a:latin typeface="Source Code Pro" panose="020B0509030403020204" pitchFamily="49" charset="0"/>
-                <a:ea typeface="Source Code Pro" panose="020B0509030403020204" pitchFamily="49" charset="0"/>
-              </a:rPr>
-              <a:t>var </a:t>
-            </a:r>
-            <a:r>
-              <a:rPr lang="en-US" sz="2400" dirty="0" err="1">
-                <a:latin typeface="Source Code Pro" panose="020B0509030403020204" pitchFamily="49" charset="0"/>
-                <a:ea typeface="Source Code Pro" panose="020B0509030403020204" pitchFamily="49" charset="0"/>
-              </a:rPr>
-              <a:t>lastPhrase</a:t>
-            </a:r>
-            <a:r>
-              <a:rPr lang="en-US" sz="2400" dirty="0">
-                <a:latin typeface="Source Code Pro" panose="020B0509030403020204" pitchFamily="49" charset="0"/>
-                <a:ea typeface="Source Code Pro" panose="020B0509030403020204" pitchFamily="49" charset="0"/>
-              </a:rPr>
-              <a:t> = words[6..];</a:t>
+              <a:rPr lang="en-US" dirty="0">
+                <a:latin typeface="Source Code Pro" panose="020B0509030403020204" pitchFamily="49" charset="0"/>
+                <a:ea typeface="Source Code Pro" panose="020B0509030403020204" pitchFamily="49" charset="0"/>
+              </a:rPr>
+              <a:t>    "fox",      // 3                   ^6</a:t>
             </a:r>
           </a:p>
           <a:p>
             <a:pPr marL="0" indent="0">
               <a:buNone/>
             </a:pPr>
-            <a:endParaRPr lang="en-US" sz="2400" dirty="0">
-              <a:latin typeface="Source Code Pro" panose="020B0509030403020204" pitchFamily="49" charset="0"/>
-              <a:ea typeface="Source Code Pro" panose="020B0509030403020204" pitchFamily="49" charset="0"/>
-            </a:endParaRPr>
+            <a:r>
+              <a:rPr lang="en-US" dirty="0">
+                <a:latin typeface="Source Code Pro" panose="020B0509030403020204" pitchFamily="49" charset="0"/>
+                <a:ea typeface="Source Code Pro" panose="020B0509030403020204" pitchFamily="49" charset="0"/>
+              </a:rPr>
+              <a:t>    "jumped",   // 4                   ^5</a:t>
+            </a:r>
           </a:p>
           <a:p>
             <a:pPr marL="0" indent="0">
               <a:buNone/>
             </a:pPr>
             <a:r>
-              <a:rPr lang="en-US" sz="2400" dirty="0">
-                <a:latin typeface="Source Code Pro" panose="020B0509030403020204" pitchFamily="49" charset="0"/>
-                <a:ea typeface="Source Code Pro" panose="020B0509030403020204" pitchFamily="49" charset="0"/>
-              </a:rPr>
-              <a:t>Range phrase = 1..4;</a:t>
+              <a:rPr lang="en-US" dirty="0">
+                <a:latin typeface="Source Code Pro" panose="020B0509030403020204" pitchFamily="49" charset="0"/>
+                <a:ea typeface="Source Code Pro" panose="020B0509030403020204" pitchFamily="49" charset="0"/>
+              </a:rPr>
+              <a:t>    "over",     // 5                   ^4</a:t>
             </a:r>
           </a:p>
           <a:p>
@@ -7544,11 +7716,61 @@
               <a:buNone/>
             </a:pPr>
             <a:r>
-              <a:rPr lang="en-US" sz="2400" dirty="0">
-                <a:latin typeface="Source Code Pro" panose="020B0509030403020204" pitchFamily="49" charset="0"/>
-                <a:ea typeface="Source Code Pro" panose="020B0509030403020204" pitchFamily="49" charset="0"/>
-              </a:rPr>
-              <a:t>var text = words[phrase];</a:t>
+              <a:rPr lang="en-US" dirty="0">
+                <a:latin typeface="Source Code Pro" panose="020B0509030403020204" pitchFamily="49" charset="0"/>
+                <a:ea typeface="Source Code Pro" panose="020B0509030403020204" pitchFamily="49" charset="0"/>
+              </a:rPr>
+              <a:t>    "the",      // 6                   ^3</a:t>
+            </a:r>
+          </a:p>
+          <a:p>
+            <a:pPr marL="0" indent="0">
+              <a:buNone/>
+            </a:pPr>
+            <a:r>
+              <a:rPr lang="en-US" dirty="0">
+                <a:latin typeface="Source Code Pro" panose="020B0509030403020204" pitchFamily="49" charset="0"/>
+                <a:ea typeface="Source Code Pro" panose="020B0509030403020204" pitchFamily="49" charset="0"/>
+              </a:rPr>
+              <a:t>    "lazy",     // 7                   ^2</a:t>
+            </a:r>
+          </a:p>
+          <a:p>
+            <a:pPr marL="0" indent="0">
+              <a:buNone/>
+            </a:pPr>
+            <a:r>
+              <a:rPr lang="en-US" dirty="0">
+                <a:latin typeface="Source Code Pro" panose="020B0509030403020204" pitchFamily="49" charset="0"/>
+                <a:ea typeface="Source Code Pro" panose="020B0509030403020204" pitchFamily="49" charset="0"/>
+              </a:rPr>
+              <a:t>    "dog"       // 8                   ^1</a:t>
+            </a:r>
+          </a:p>
+          <a:p>
+            <a:pPr marL="0" indent="0">
+              <a:buNone/>
+            </a:pPr>
+            <a:r>
+              <a:rPr lang="en-US" dirty="0">
+                <a:latin typeface="Source Code Pro" panose="020B0509030403020204" pitchFamily="49" charset="0"/>
+                <a:ea typeface="Source Code Pro" panose="020B0509030403020204" pitchFamily="49" charset="0"/>
+              </a:rPr>
+              <a:t>};              // 9 (or </a:t>
+            </a:r>
+            <a:r>
+              <a:rPr lang="en-US" dirty="0" err="1">
+                <a:latin typeface="Source Code Pro" panose="020B0509030403020204" pitchFamily="49" charset="0"/>
+                <a:ea typeface="Source Code Pro" panose="020B0509030403020204" pitchFamily="49" charset="0"/>
+              </a:rPr>
+              <a:t>words.Length</a:t>
+            </a:r>
+            <a:r>
+              <a:rPr lang="en-US" dirty="0">
+                <a:latin typeface="Source Code Pro" panose="020B0509030403020204" pitchFamily="49" charset="0"/>
+                <a:ea typeface="Source Code Pro" panose="020B0509030403020204" pitchFamily="49" charset="0"/>
+              </a:rPr>
+              <a:t>) ^0</a:t>
             </a:r>
           </a:p>
         </p:txBody>
@@ -7556,7 +7778,7 @@
     </p:spTree>
     <p:extLst>
       <p:ext uri="{BB962C8B-B14F-4D97-AF65-F5344CB8AC3E}">
-        <p14:creationId xmlns:p14="http://schemas.microsoft.com/office/powerpoint/2010/main" val="3286424971"/>
+        <p14:creationId xmlns:p14="http://schemas.microsoft.com/office/powerpoint/2010/main" val="1946307342"/>
       </p:ext>
     </p:extLst>
   </p:cSld>
@@ -7588,6 +7810,284 @@
           <p:cNvPr id="2" name="Title 1">
             <a:extLst>
               <a:ext uri="{FF2B5EF4-FFF2-40B4-BE49-F238E27FC236}">
+                <a16:creationId xmlns:a16="http://schemas.microsoft.com/office/drawing/2014/main" id="{D742415E-B94D-4EAA-B3F7-415605960A58}"/>
+              </a:ext>
+            </a:extLst>
+          </p:cNvPr>
+          <p:cNvSpPr>
+            <a:spLocks noGrp="1"/>
+          </p:cNvSpPr>
+          <p:nvPr>
+            <p:ph type="title"/>
+          </p:nvPr>
+        </p:nvSpPr>
+        <p:spPr/>
+        <p:txBody>
+          <a:bodyPr/>
+          <a:lstStyle/>
+          <a:p>
+            <a:r>
+              <a:rPr lang="en-US" dirty="0"/>
+              <a:t>Indices and Ranges</a:t>
+            </a:r>
+          </a:p>
+        </p:txBody>
+      </p:sp>
+      <p:sp>
+        <p:nvSpPr>
+          <p:cNvPr id="3" name="Content Placeholder 2">
+            <a:extLst>
+              <a:ext uri="{FF2B5EF4-FFF2-40B4-BE49-F238E27FC236}">
+                <a16:creationId xmlns:a16="http://schemas.microsoft.com/office/drawing/2014/main" id="{DA17C1E6-BE2B-4581-8415-236E632A72F1}"/>
+              </a:ext>
+            </a:extLst>
+          </p:cNvPr>
+          <p:cNvSpPr>
+            <a:spLocks noGrp="1"/>
+          </p:cNvSpPr>
+          <p:nvPr>
+            <p:ph idx="1"/>
+          </p:nvPr>
+        </p:nvSpPr>
+        <p:spPr>
+          <a:xfrm>
+            <a:off x="3869268" y="864108"/>
+            <a:ext cx="7942258" cy="5120640"/>
+          </a:xfrm>
+        </p:spPr>
+        <p:txBody>
+          <a:bodyPr>
+            <a:normAutofit/>
+          </a:bodyPr>
+          <a:lstStyle/>
+          <a:p>
+            <a:pPr marL="0" indent="0">
+              <a:buNone/>
+            </a:pPr>
+            <a:r>
+              <a:rPr lang="en-US" sz="2400" dirty="0" err="1">
+                <a:latin typeface="Source Code Pro" panose="020B0509030403020204" pitchFamily="49" charset="0"/>
+                <a:ea typeface="Source Code Pro" panose="020B0509030403020204" pitchFamily="49" charset="0"/>
+              </a:rPr>
+              <a:t>Console.WriteLine</a:t>
+            </a:r>
+            <a:r>
+              <a:rPr lang="en-US" sz="2400" dirty="0">
+                <a:latin typeface="Source Code Pro" panose="020B0509030403020204" pitchFamily="49" charset="0"/>
+                <a:ea typeface="Source Code Pro" panose="020B0509030403020204" pitchFamily="49" charset="0"/>
+              </a:rPr>
+              <a:t>($"The last word is {words[^1]}");</a:t>
+            </a:r>
+          </a:p>
+          <a:p>
+            <a:pPr marL="0" indent="0">
+              <a:buNone/>
+            </a:pPr>
+            <a:endParaRPr lang="en-US" sz="2400" dirty="0">
+              <a:latin typeface="Source Code Pro" panose="020B0509030403020204" pitchFamily="49" charset="0"/>
+              <a:ea typeface="Source Code Pro" panose="020B0509030403020204" pitchFamily="49" charset="0"/>
+            </a:endParaRPr>
+          </a:p>
+          <a:p>
+            <a:pPr marL="0" indent="0">
+              <a:buNone/>
+            </a:pPr>
+            <a:r>
+              <a:rPr lang="en-US" sz="2400" dirty="0">
+                <a:latin typeface="Source Code Pro" panose="020B0509030403020204" pitchFamily="49" charset="0"/>
+                <a:ea typeface="Source Code Pro" panose="020B0509030403020204" pitchFamily="49" charset="0"/>
+              </a:rPr>
+              <a:t>var </a:t>
+            </a:r>
+            <a:r>
+              <a:rPr lang="en-US" sz="2400" dirty="0" err="1">
+                <a:latin typeface="Source Code Pro" panose="020B0509030403020204" pitchFamily="49" charset="0"/>
+                <a:ea typeface="Source Code Pro" panose="020B0509030403020204" pitchFamily="49" charset="0"/>
+              </a:rPr>
+              <a:t>quickBrownFox</a:t>
+            </a:r>
+            <a:r>
+              <a:rPr lang="en-US" sz="2400" dirty="0">
+                <a:latin typeface="Source Code Pro" panose="020B0509030403020204" pitchFamily="49" charset="0"/>
+                <a:ea typeface="Source Code Pro" panose="020B0509030403020204" pitchFamily="49" charset="0"/>
+              </a:rPr>
+              <a:t> = words[1..4];</a:t>
+            </a:r>
+          </a:p>
+          <a:p>
+            <a:pPr marL="0" indent="0">
+              <a:buNone/>
+            </a:pPr>
+            <a:r>
+              <a:rPr lang="en-US" sz="2400" dirty="0">
+                <a:latin typeface="Source Code Pro" panose="020B0509030403020204" pitchFamily="49" charset="0"/>
+                <a:ea typeface="Source Code Pro" panose="020B0509030403020204" pitchFamily="49" charset="0"/>
+              </a:rPr>
+              <a:t>var </a:t>
+            </a:r>
+            <a:r>
+              <a:rPr lang="en-US" sz="2400" dirty="0" err="1">
+                <a:latin typeface="Source Code Pro" panose="020B0509030403020204" pitchFamily="49" charset="0"/>
+                <a:ea typeface="Source Code Pro" panose="020B0509030403020204" pitchFamily="49" charset="0"/>
+              </a:rPr>
+              <a:t>lazyDog</a:t>
+            </a:r>
+            <a:r>
+              <a:rPr lang="en-US" sz="2400" dirty="0">
+                <a:latin typeface="Source Code Pro" panose="020B0509030403020204" pitchFamily="49" charset="0"/>
+                <a:ea typeface="Source Code Pro" panose="020B0509030403020204" pitchFamily="49" charset="0"/>
+              </a:rPr>
+              <a:t> = words[^2..^0];</a:t>
+            </a:r>
+          </a:p>
+          <a:p>
+            <a:pPr marL="0" indent="0">
+              <a:buNone/>
+            </a:pPr>
+            <a:r>
+              <a:rPr lang="en-US" sz="2400" dirty="0">
+                <a:latin typeface="Source Code Pro" panose="020B0509030403020204" pitchFamily="49" charset="0"/>
+                <a:ea typeface="Source Code Pro" panose="020B0509030403020204" pitchFamily="49" charset="0"/>
+              </a:rPr>
+              <a:t>var </a:t>
+            </a:r>
+            <a:r>
+              <a:rPr lang="en-US" sz="2400" dirty="0" err="1">
+                <a:latin typeface="Source Code Pro" panose="020B0509030403020204" pitchFamily="49" charset="0"/>
+                <a:ea typeface="Source Code Pro" panose="020B0509030403020204" pitchFamily="49" charset="0"/>
+              </a:rPr>
+              <a:t>allWords</a:t>
+            </a:r>
+            <a:r>
+              <a:rPr lang="en-US" sz="2400" dirty="0">
+                <a:latin typeface="Source Code Pro" panose="020B0509030403020204" pitchFamily="49" charset="0"/>
+                <a:ea typeface="Source Code Pro" panose="020B0509030403020204" pitchFamily="49" charset="0"/>
+              </a:rPr>
+              <a:t> = words[..];</a:t>
+            </a:r>
+          </a:p>
+          <a:p>
+            <a:pPr marL="0" indent="0">
+              <a:buNone/>
+            </a:pPr>
+            <a:r>
+              <a:rPr lang="en-US" sz="2400" dirty="0">
+                <a:latin typeface="Source Code Pro" panose="020B0509030403020204" pitchFamily="49" charset="0"/>
+                <a:ea typeface="Source Code Pro" panose="020B0509030403020204" pitchFamily="49" charset="0"/>
+              </a:rPr>
+              <a:t>var </a:t>
+            </a:r>
+            <a:r>
+              <a:rPr lang="en-US" sz="2400" dirty="0" err="1">
+                <a:latin typeface="Source Code Pro" panose="020B0509030403020204" pitchFamily="49" charset="0"/>
+                <a:ea typeface="Source Code Pro" panose="020B0509030403020204" pitchFamily="49" charset="0"/>
+              </a:rPr>
+              <a:t>firstPhrase</a:t>
+            </a:r>
+            <a:r>
+              <a:rPr lang="en-US" sz="2400" dirty="0">
+                <a:latin typeface="Source Code Pro" panose="020B0509030403020204" pitchFamily="49" charset="0"/>
+                <a:ea typeface="Source Code Pro" panose="020B0509030403020204" pitchFamily="49" charset="0"/>
+              </a:rPr>
+              <a:t> = words[..4];</a:t>
+            </a:r>
+          </a:p>
+          <a:p>
+            <a:pPr marL="0" indent="0">
+              <a:buNone/>
+            </a:pPr>
+            <a:r>
+              <a:rPr lang="en-US" sz="2400" dirty="0">
+                <a:latin typeface="Source Code Pro" panose="020B0509030403020204" pitchFamily="49" charset="0"/>
+                <a:ea typeface="Source Code Pro" panose="020B0509030403020204" pitchFamily="49" charset="0"/>
+              </a:rPr>
+              <a:t>var </a:t>
+            </a:r>
+            <a:r>
+              <a:rPr lang="en-US" sz="2400" dirty="0" err="1">
+                <a:latin typeface="Source Code Pro" panose="020B0509030403020204" pitchFamily="49" charset="0"/>
+                <a:ea typeface="Source Code Pro" panose="020B0509030403020204" pitchFamily="49" charset="0"/>
+              </a:rPr>
+              <a:t>lastPhrase</a:t>
+            </a:r>
+            <a:r>
+              <a:rPr lang="en-US" sz="2400" dirty="0">
+                <a:latin typeface="Source Code Pro" panose="020B0509030403020204" pitchFamily="49" charset="0"/>
+                <a:ea typeface="Source Code Pro" panose="020B0509030403020204" pitchFamily="49" charset="0"/>
+              </a:rPr>
+              <a:t> = words[6..];</a:t>
+            </a:r>
+          </a:p>
+          <a:p>
+            <a:pPr marL="0" indent="0">
+              <a:buNone/>
+            </a:pPr>
+            <a:endParaRPr lang="en-US" sz="2400" dirty="0">
+              <a:latin typeface="Source Code Pro" panose="020B0509030403020204" pitchFamily="49" charset="0"/>
+              <a:ea typeface="Source Code Pro" panose="020B0509030403020204" pitchFamily="49" charset="0"/>
+            </a:endParaRPr>
+          </a:p>
+          <a:p>
+            <a:pPr marL="0" indent="0">
+              <a:buNone/>
+            </a:pPr>
+            <a:r>
+              <a:rPr lang="en-US" sz="2400" dirty="0">
+                <a:latin typeface="Source Code Pro" panose="020B0509030403020204" pitchFamily="49" charset="0"/>
+                <a:ea typeface="Source Code Pro" panose="020B0509030403020204" pitchFamily="49" charset="0"/>
+              </a:rPr>
+              <a:t>Range phrase = 1..4;</a:t>
+            </a:r>
+          </a:p>
+          <a:p>
+            <a:pPr marL="0" indent="0">
+              <a:buNone/>
+            </a:pPr>
+            <a:r>
+              <a:rPr lang="en-US" sz="2400" dirty="0">
+                <a:latin typeface="Source Code Pro" panose="020B0509030403020204" pitchFamily="49" charset="0"/>
+                <a:ea typeface="Source Code Pro" panose="020B0509030403020204" pitchFamily="49" charset="0"/>
+              </a:rPr>
+              <a:t>var text = words[phrase];</a:t>
+            </a:r>
+          </a:p>
+        </p:txBody>
+      </p:sp>
+    </p:spTree>
+    <p:extLst>
+      <p:ext uri="{BB962C8B-B14F-4D97-AF65-F5344CB8AC3E}">
+        <p14:creationId xmlns:p14="http://schemas.microsoft.com/office/powerpoint/2010/main" val="3286424971"/>
+      </p:ext>
+    </p:extLst>
+  </p:cSld>
+  <p:clrMapOvr>
+    <a:masterClrMapping/>
+  </p:clrMapOvr>
+</p:sld>
+</file>
+
+<file path=ppt/slides/slide16.xml><?xml version="1.0" encoding="utf-8"?>
+<p:sld xmlns:a="http://schemas.openxmlformats.org/drawingml/2006/main" xmlns:r="http://schemas.openxmlformats.org/officeDocument/2006/relationships" xmlns:p="http://schemas.openxmlformats.org/presentationml/2006/main">
+  <p:cSld>
+    <p:spTree>
+      <p:nvGrpSpPr>
+        <p:cNvPr id="1" name=""/>
+        <p:cNvGrpSpPr/>
+        <p:nvPr/>
+      </p:nvGrpSpPr>
+      <p:grpSpPr>
+        <a:xfrm>
+          <a:off x="0" y="0"/>
+          <a:ext cx="0" cy="0"/>
+          <a:chOff x="0" y="0"/>
+          <a:chExt cx="0" cy="0"/>
+        </a:xfrm>
+      </p:grpSpPr>
+      <p:sp>
+        <p:nvSpPr>
+          <p:cNvPr id="2" name="Title 1">
+            <a:extLst>
+              <a:ext uri="{FF2B5EF4-FFF2-40B4-BE49-F238E27FC236}">
                 <a16:creationId xmlns:a16="http://schemas.microsoft.com/office/drawing/2014/main" id="{2CA172EF-D7F7-4107-8CB7-16CEC4B02394}"/>
               </a:ext>
             </a:extLst>
@@ -7790,7 +8290,7 @@
 </p:sld>
 </file>
 
-<file path=ppt/slides/slide16.xml><?xml version="1.0" encoding="utf-8"?>
+<file path=ppt/slides/slide17.xml><?xml version="1.0" encoding="utf-8"?>
 <p:sld xmlns:a="http://schemas.openxmlformats.org/drawingml/2006/main" xmlns:r="http://schemas.openxmlformats.org/officeDocument/2006/relationships" xmlns:p="http://schemas.openxmlformats.org/presentationml/2006/main">
   <p:cSld>
     <p:bg>
@@ -8263,7 +8763,7 @@
 </p:sld>
 </file>
 
-<file path=ppt/slides/slide17.xml><?xml version="1.0" encoding="utf-8"?>
+<file path=ppt/slides/slide18.xml><?xml version="1.0" encoding="utf-8"?>
 <p:sld xmlns:a="http://schemas.openxmlformats.org/drawingml/2006/main" xmlns:r="http://schemas.openxmlformats.org/officeDocument/2006/relationships" xmlns:p="http://schemas.openxmlformats.org/presentationml/2006/main">
   <p:cSld>
     <p:bg>
@@ -8862,7 +9362,7 @@
 </p:sld>
 </file>
 
-<file path=ppt/slides/slide18.xml><?xml version="1.0" encoding="utf-8"?>
+<file path=ppt/slides/slide19.xml><?xml version="1.0" encoding="utf-8"?>
 <p:sld xmlns:a="http://schemas.openxmlformats.org/drawingml/2006/main" xmlns:r="http://schemas.openxmlformats.org/officeDocument/2006/relationships" xmlns:p="http://schemas.openxmlformats.org/presentationml/2006/main">
   <p:cSld>
     <p:spTree>
@@ -9281,319 +9781,6 @@
                                           <p:spTgt spid="3">
                                             <p:txEl>
                                               <p:pRg st="4" end="4"/>
-                                            </p:txEl>
-                                          </p:spTgt>
-                                        </p:tgtEl>
-                                      </p:cBhvr>
-                                    </p:animEffect>
-                                  </p:childTnLst>
-                                </p:cTn>
-                              </p:par>
-                            </p:childTnLst>
-                          </p:cTn>
-                        </p:par>
-                      </p:childTnLst>
-                    </p:cTn>
-                  </p:par>
-                </p:childTnLst>
-              </p:cTn>
-              <p:prevCondLst>
-                <p:cond evt="onPrev" delay="0">
-                  <p:tgtEl>
-                    <p:sldTgt/>
-                  </p:tgtEl>
-                </p:cond>
-              </p:prevCondLst>
-              <p:nextCondLst>
-                <p:cond evt="onNext" delay="0">
-                  <p:tgtEl>
-                    <p:sldTgt/>
-                  </p:tgtEl>
-                </p:cond>
-              </p:nextCondLst>
-            </p:seq>
-          </p:childTnLst>
-        </p:cTn>
-      </p:par>
-    </p:tnLst>
-  </p:timing>
-</p:sld>
-</file>
-
-<file path=ppt/slides/slide19.xml><?xml version="1.0" encoding="utf-8"?>
-<p:sld xmlns:a="http://schemas.openxmlformats.org/drawingml/2006/main" xmlns:r="http://schemas.openxmlformats.org/officeDocument/2006/relationships" xmlns:p="http://schemas.openxmlformats.org/presentationml/2006/main">
-  <p:cSld>
-    <p:spTree>
-      <p:nvGrpSpPr>
-        <p:cNvPr id="1" name=""/>
-        <p:cNvGrpSpPr/>
-        <p:nvPr/>
-      </p:nvGrpSpPr>
-      <p:grpSpPr>
-        <a:xfrm>
-          <a:off x="0" y="0"/>
-          <a:ext cx="0" cy="0"/>
-          <a:chOff x="0" y="0"/>
-          <a:chExt cx="0" cy="0"/>
-        </a:xfrm>
-      </p:grpSpPr>
-      <p:sp>
-        <p:nvSpPr>
-          <p:cNvPr id="2" name="Title 1">
-            <a:extLst>
-              <a:ext uri="{FF2B5EF4-FFF2-40B4-BE49-F238E27FC236}">
-                <a16:creationId xmlns:a16="http://schemas.microsoft.com/office/drawing/2014/main" id="{1CCE6A29-0682-4FB3-94E6-538057E1CBC2}"/>
-              </a:ext>
-            </a:extLst>
-          </p:cNvPr>
-          <p:cNvSpPr>
-            <a:spLocks noGrp="1"/>
-          </p:cNvSpPr>
-          <p:nvPr>
-            <p:ph type="title"/>
-          </p:nvPr>
-        </p:nvSpPr>
-        <p:spPr/>
-        <p:txBody>
-          <a:bodyPr/>
-          <a:lstStyle/>
-          <a:p>
-            <a:r>
-              <a:rPr lang="en-US" dirty="0"/>
-              <a:t>Runtime/SDK</a:t>
-            </a:r>
-          </a:p>
-        </p:txBody>
-      </p:sp>
-      <p:sp>
-        <p:nvSpPr>
-          <p:cNvPr id="3" name="Content Placeholder 2">
-            <a:extLst>
-              <a:ext uri="{FF2B5EF4-FFF2-40B4-BE49-F238E27FC236}">
-                <a16:creationId xmlns:a16="http://schemas.microsoft.com/office/drawing/2014/main" id="{401BFE1A-7F8C-49AF-931A-EE0D9A8DB38C}"/>
-              </a:ext>
-            </a:extLst>
-          </p:cNvPr>
-          <p:cNvSpPr>
-            <a:spLocks noGrp="1"/>
-          </p:cNvSpPr>
-          <p:nvPr>
-            <p:ph idx="1"/>
-          </p:nvPr>
-        </p:nvSpPr>
-        <p:spPr/>
-        <p:txBody>
-          <a:bodyPr>
-            <a:normAutofit/>
-          </a:bodyPr>
-          <a:lstStyle/>
-          <a:p>
-            <a:r>
-              <a:rPr lang="en-US" sz="2800" dirty="0"/>
-              <a:t>Major-version Roll Forward</a:t>
-            </a:r>
-          </a:p>
-          <a:p>
-            <a:r>
-              <a:rPr lang="en-US" sz="2800" dirty="0"/>
-              <a:t>Smaller Garbage Collection heap sizes</a:t>
-            </a:r>
-          </a:p>
-          <a:p>
-            <a:r>
-              <a:rPr lang="fr-FR" sz="2800" dirty="0"/>
-              <a:t>Garbage Collection Large Page support</a:t>
-            </a:r>
-          </a:p>
-        </p:txBody>
-      </p:sp>
-    </p:spTree>
-    <p:extLst>
-      <p:ext uri="{BB962C8B-B14F-4D97-AF65-F5344CB8AC3E}">
-        <p14:creationId xmlns:p14="http://schemas.microsoft.com/office/powerpoint/2010/main" val="3842019544"/>
-      </p:ext>
-    </p:extLst>
-  </p:cSld>
-  <p:clrMapOvr>
-    <a:masterClrMapping/>
-  </p:clrMapOvr>
-  <p:timing>
-    <p:tnLst>
-      <p:par>
-        <p:cTn id="1" dur="indefinite" restart="never" nodeType="tmRoot">
-          <p:childTnLst>
-            <p:seq concurrent="1" nextAc="seek">
-              <p:cTn id="2" dur="indefinite" nodeType="mainSeq">
-                <p:childTnLst>
-                  <p:par>
-                    <p:cTn id="3" fill="hold">
-                      <p:stCondLst>
-                        <p:cond delay="indefinite"/>
-                      </p:stCondLst>
-                      <p:childTnLst>
-                        <p:par>
-                          <p:cTn id="4" fill="hold">
-                            <p:stCondLst>
-                              <p:cond delay="0"/>
-                            </p:stCondLst>
-                            <p:childTnLst>
-                              <p:par>
-                                <p:cTn id="5" presetID="10" presetClass="entr" presetSubtype="0" fill="hold" nodeType="clickEffect">
-                                  <p:stCondLst>
-                                    <p:cond delay="0"/>
-                                  </p:stCondLst>
-                                  <p:childTnLst>
-                                    <p:set>
-                                      <p:cBhvr>
-                                        <p:cTn id="6" dur="1" fill="hold">
-                                          <p:stCondLst>
-                                            <p:cond delay="0"/>
-                                          </p:stCondLst>
-                                        </p:cTn>
-                                        <p:tgtEl>
-                                          <p:spTgt spid="3">
-                                            <p:txEl>
-                                              <p:pRg st="0" end="0"/>
-                                            </p:txEl>
-                                          </p:spTgt>
-                                        </p:tgtEl>
-                                        <p:attrNameLst>
-                                          <p:attrName>style.visibility</p:attrName>
-                                        </p:attrNameLst>
-                                      </p:cBhvr>
-                                      <p:to>
-                                        <p:strVal val="visible"/>
-                                      </p:to>
-                                    </p:set>
-                                    <p:animEffect transition="in" filter="fade">
-                                      <p:cBhvr>
-                                        <p:cTn id="7" dur="500"/>
-                                        <p:tgtEl>
-                                          <p:spTgt spid="3">
-                                            <p:txEl>
-                                              <p:pRg st="0" end="0"/>
-                                            </p:txEl>
-                                          </p:spTgt>
-                                        </p:tgtEl>
-                                      </p:cBhvr>
-                                    </p:animEffect>
-                                  </p:childTnLst>
-                                </p:cTn>
-                              </p:par>
-                            </p:childTnLst>
-                          </p:cTn>
-                        </p:par>
-                      </p:childTnLst>
-                    </p:cTn>
-                  </p:par>
-                  <p:par>
-                    <p:cTn id="8" fill="hold">
-                      <p:stCondLst>
-                        <p:cond delay="indefinite"/>
-                      </p:stCondLst>
-                      <p:childTnLst>
-                        <p:par>
-                          <p:cTn id="9" fill="hold">
-                            <p:stCondLst>
-                              <p:cond delay="0"/>
-                            </p:stCondLst>
-                            <p:childTnLst>
-                              <p:par>
-                                <p:cTn id="10" presetID="10" presetClass="entr" presetSubtype="0" fill="hold" nodeType="clickEffect">
-                                  <p:stCondLst>
-                                    <p:cond delay="0"/>
-                                  </p:stCondLst>
-                                  <p:childTnLst>
-                                    <p:set>
-                                      <p:cBhvr>
-                                        <p:cTn id="11" dur="1" fill="hold">
-                                          <p:stCondLst>
-                                            <p:cond delay="0"/>
-                                          </p:stCondLst>
-                                        </p:cTn>
-                                        <p:tgtEl>
-                                          <p:spTgt spid="3">
-                                            <p:txEl>
-                                              <p:pRg st="1" end="1"/>
-                                            </p:txEl>
-                                          </p:spTgt>
-                                        </p:tgtEl>
-                                        <p:attrNameLst>
-                                          <p:attrName>style.visibility</p:attrName>
-                                        </p:attrNameLst>
-                                      </p:cBhvr>
-                                      <p:to>
-                                        <p:strVal val="visible"/>
-                                      </p:to>
-                                    </p:set>
-                                    <p:animEffect transition="in" filter="fade">
-                                      <p:cBhvr>
-                                        <p:cTn id="12" dur="500"/>
-                                        <p:tgtEl>
-                                          <p:spTgt spid="3">
-                                            <p:txEl>
-                                              <p:pRg st="1" end="1"/>
-                                            </p:txEl>
-                                          </p:spTgt>
-                                        </p:tgtEl>
-                                      </p:cBhvr>
-                                    </p:animEffect>
-                                  </p:childTnLst>
-                                </p:cTn>
-                              </p:par>
-                            </p:childTnLst>
-                          </p:cTn>
-                        </p:par>
-                      </p:childTnLst>
-                    </p:cTn>
-                  </p:par>
-                  <p:par>
-                    <p:cTn id="13" fill="hold">
-                      <p:stCondLst>
-                        <p:cond delay="indefinite"/>
-                      </p:stCondLst>
-                      <p:childTnLst>
-                        <p:par>
-                          <p:cTn id="14" fill="hold">
-                            <p:stCondLst>
-                              <p:cond delay="0"/>
-                            </p:stCondLst>
-                            <p:childTnLst>
-                              <p:par>
-                                <p:cTn id="15" presetID="10" presetClass="entr" presetSubtype="0" fill="hold" nodeType="clickEffect">
-                                  <p:stCondLst>
-                                    <p:cond delay="0"/>
-                                  </p:stCondLst>
-                                  <p:childTnLst>
-                                    <p:set>
-                                      <p:cBhvr>
-                                        <p:cTn id="16" dur="1" fill="hold">
-                                          <p:stCondLst>
-                                            <p:cond delay="0"/>
-                                          </p:stCondLst>
-                                        </p:cTn>
-                                        <p:tgtEl>
-                                          <p:spTgt spid="3">
-                                            <p:txEl>
-                                              <p:pRg st="2" end="2"/>
-                                            </p:txEl>
-                                          </p:spTgt>
-                                        </p:tgtEl>
-                                        <p:attrNameLst>
-                                          <p:attrName>style.visibility</p:attrName>
-                                        </p:attrNameLst>
-                                      </p:cBhvr>
-                                      <p:to>
-                                        <p:strVal val="visible"/>
-                                      </p:to>
-                                    </p:set>
-                                    <p:animEffect transition="in" filter="fade">
-                                      <p:cBhvr>
-                                        <p:cTn id="17" dur="500"/>
-                                        <p:tgtEl>
-                                          <p:spTgt spid="3">
-                                            <p:txEl>
-                                              <p:pRg st="2" end="2"/>
                                             </p:txEl>
                                           </p:spTgt>
                                         </p:tgtEl>
@@ -11494,7 +11681,7 @@
           <p:cNvPr id="2" name="Title 1">
             <a:extLst>
               <a:ext uri="{FF2B5EF4-FFF2-40B4-BE49-F238E27FC236}">
-                <a16:creationId xmlns:a16="http://schemas.microsoft.com/office/drawing/2014/main" id="{5115FCDD-E5A7-47CA-9E8B-ECEE8A8BE3BC}"/>
+                <a16:creationId xmlns:a16="http://schemas.microsoft.com/office/drawing/2014/main" id="{1CCE6A29-0682-4FB3-94E6-538057E1CBC2}"/>
               </a:ext>
             </a:extLst>
           </p:cNvPr>
@@ -11512,7 +11699,7 @@
           <a:p>
             <a:r>
               <a:rPr lang="en-US" dirty="0"/>
-              <a:t>Windows Desktop &amp; COM</a:t>
+              <a:t>Runtime/SDK</a:t>
             </a:r>
           </a:p>
         </p:txBody>
@@ -11522,7 +11709,7 @@
           <p:cNvPr id="3" name="Content Placeholder 2">
             <a:extLst>
               <a:ext uri="{FF2B5EF4-FFF2-40B4-BE49-F238E27FC236}">
-                <a16:creationId xmlns:a16="http://schemas.microsoft.com/office/drawing/2014/main" id="{5FEAE8C4-C0ED-45CB-99D2-76CECCA6AF73}"/>
+                <a16:creationId xmlns:a16="http://schemas.microsoft.com/office/drawing/2014/main" id="{401BFE1A-7F8C-49AF-931A-EE0D9A8DB38C}"/>
               </a:ext>
             </a:extLst>
           </p:cNvPr>
@@ -11541,26 +11728,20 @@
           <a:lstStyle/>
           <a:p>
             <a:r>
-              <a:rPr lang="nl-NL" sz="2800" dirty="0"/>
-              <a:t>.NET Core SDK Windows Installer</a:t>
-            </a:r>
-          </a:p>
-          <a:p>
-            <a:r>
               <a:rPr lang="en-US" sz="2800" dirty="0"/>
-              <a:t>Windows desktop</a:t>
+              <a:t>Major-version Roll Forward</a:t>
             </a:r>
           </a:p>
           <a:p>
             <a:r>
               <a:rPr lang="en-US" sz="2800" dirty="0"/>
-              <a:t>WinForms high DPI</a:t>
-            </a:r>
-          </a:p>
-          <a:p>
-            <a:r>
-              <a:rPr lang="en-US" sz="2800" dirty="0"/>
-              <a:t>MSIX Deployment</a:t>
+              <a:t>Smaller Garbage Collection heap sizes</a:t>
+            </a:r>
+          </a:p>
+          <a:p>
+            <a:r>
+              <a:rPr lang="fr-FR" sz="2800" dirty="0"/>
+              <a:t>Garbage Collection Large Page support</a:t>
             </a:r>
           </a:p>
         </p:txBody>
@@ -11568,7 +11749,7 @@
     </p:spTree>
     <p:extLst>
       <p:ext uri="{BB962C8B-B14F-4D97-AF65-F5344CB8AC3E}">
-        <p14:creationId xmlns:p14="http://schemas.microsoft.com/office/powerpoint/2010/main" val="2361846533"/>
+        <p14:creationId xmlns:p14="http://schemas.microsoft.com/office/powerpoint/2010/main" val="3842019544"/>
       </p:ext>
     </p:extLst>
   </p:cSld>
@@ -11766,67 +11947,6 @@
                       </p:childTnLst>
                     </p:cTn>
                   </p:par>
-                  <p:par>
-                    <p:cTn id="18" fill="hold">
-                      <p:stCondLst>
-                        <p:cond delay="indefinite"/>
-                      </p:stCondLst>
-                      <p:childTnLst>
-                        <p:par>
-                          <p:cTn id="19" fill="hold">
-                            <p:stCondLst>
-                              <p:cond delay="0"/>
-                            </p:stCondLst>
-                            <p:childTnLst>
-                              <p:par>
-                                <p:cTn id="20" presetID="10" presetClass="entr" presetSubtype="0" fill="hold" nodeType="clickEffect">
-                                  <p:stCondLst>
-                                    <p:cond delay="0"/>
-                                  </p:stCondLst>
-                                  <p:childTnLst>
-                                    <p:set>
-                                      <p:cBhvr>
-                                        <p:cTn id="21" dur="1" fill="hold">
-                                          <p:stCondLst>
-                                            <p:cond delay="0"/>
-                                          </p:stCondLst>
-                                        </p:cTn>
-                                        <p:tgtEl>
-                                          <p:spTgt spid="3">
-                                            <p:txEl>
-                                              <p:pRg st="3" end="3"/>
-                                            </p:txEl>
-                                          </p:spTgt>
-                                        </p:tgtEl>
-                                        <p:attrNameLst>
-                                          <p:attrName>style.visibility</p:attrName>
-                                        </p:attrNameLst>
-                                      </p:cBhvr>
-                                      <p:to>
-                                        <p:strVal val="visible"/>
-                                      </p:to>
-                                    </p:set>
-                                    <p:animEffect transition="in" filter="fade">
-                                      <p:cBhvr>
-                                        <p:cTn id="22" dur="500"/>
-                                        <p:tgtEl>
-                                          <p:spTgt spid="3">
-                                            <p:txEl>
-                                              <p:pRg st="3" end="3"/>
-                                            </p:txEl>
-                                          </p:spTgt>
-                                        </p:tgtEl>
-                                      </p:cBhvr>
-                                    </p:animEffect>
-                                  </p:childTnLst>
-                                </p:cTn>
-                              </p:par>
-                            </p:childTnLst>
-                          </p:cTn>
-                        </p:par>
-                      </p:childTnLst>
-                    </p:cTn>
-                  </p:par>
                 </p:childTnLst>
               </p:cTn>
               <p:prevCondLst>
@@ -11874,7 +11994,7 @@
           <p:cNvPr id="2" name="Title 1">
             <a:extLst>
               <a:ext uri="{FF2B5EF4-FFF2-40B4-BE49-F238E27FC236}">
-                <a16:creationId xmlns:a16="http://schemas.microsoft.com/office/drawing/2014/main" id="{71699732-3176-40FF-B34C-9EE76B9D5901}"/>
+                <a16:creationId xmlns:a16="http://schemas.microsoft.com/office/drawing/2014/main" id="{5115FCDD-E5A7-47CA-9E8B-ECEE8A8BE3BC}"/>
               </a:ext>
             </a:extLst>
           </p:cNvPr>
@@ -11892,7 +12012,7 @@
           <a:p>
             <a:r>
               <a:rPr lang="en-US" dirty="0"/>
-              <a:t>Linux improvements</a:t>
+              <a:t>Windows Desktop &amp; COM</a:t>
             </a:r>
           </a:p>
         </p:txBody>
@@ -11902,7 +12022,7 @@
           <p:cNvPr id="3" name="Content Placeholder 2">
             <a:extLst>
               <a:ext uri="{FF2B5EF4-FFF2-40B4-BE49-F238E27FC236}">
-                <a16:creationId xmlns:a16="http://schemas.microsoft.com/office/drawing/2014/main" id="{E86A5F67-0A35-470F-9B0E-F09747583031}"/>
+                <a16:creationId xmlns:a16="http://schemas.microsoft.com/office/drawing/2014/main" id="{5FEAE8C4-C0ED-45CB-99D2-76CECCA6AF73}"/>
               </a:ext>
             </a:extLst>
           </p:cNvPr>
@@ -11921,38 +12041,26 @@
           <a:lstStyle/>
           <a:p>
             <a:r>
-              <a:rPr lang="en-US" sz="2800" dirty="0" err="1"/>
-              <a:t>SerialPort</a:t>
-            </a:r>
+              <a:rPr lang="nl-NL" sz="2800" dirty="0"/>
+              <a:t>.NET Core SDK Windows Installer</a:t>
+            </a:r>
+          </a:p>
+          <a:p>
             <a:r>
               <a:rPr lang="en-US" sz="2800" dirty="0"/>
-              <a:t> for Linux</a:t>
+              <a:t>Windows desktop</a:t>
             </a:r>
           </a:p>
           <a:p>
             <a:r>
               <a:rPr lang="en-US" sz="2800" dirty="0"/>
-              <a:t>Docker and </a:t>
-            </a:r>
-            <a:r>
-              <a:rPr lang="en-US" sz="2800" dirty="0" err="1"/>
-              <a:t>cgroup</a:t>
-            </a:r>
+              <a:t>WinForms high DPI</a:t>
+            </a:r>
+          </a:p>
+          <a:p>
             <a:r>
               <a:rPr lang="en-US" sz="2800" dirty="0"/>
-              <a:t> memory Limits</a:t>
-            </a:r>
-          </a:p>
-          <a:p>
-            <a:r>
-              <a:rPr lang="en-US" sz="2800" dirty="0"/>
-              <a:t>GPIO Support for Raspberry Pi</a:t>
-            </a:r>
-          </a:p>
-          <a:p>
-            <a:r>
-              <a:rPr lang="en-US" sz="2800" dirty="0"/>
-              <a:t>ARM64 Linux support</a:t>
+              <a:t>MSIX Deployment</a:t>
             </a:r>
           </a:p>
         </p:txBody>
@@ -11960,7 +12068,7 @@
     </p:spTree>
     <p:extLst>
       <p:ext uri="{BB962C8B-B14F-4D97-AF65-F5344CB8AC3E}">
-        <p14:creationId xmlns:p14="http://schemas.microsoft.com/office/powerpoint/2010/main" val="4168615126"/>
+        <p14:creationId xmlns:p14="http://schemas.microsoft.com/office/powerpoint/2010/main" val="2361846533"/>
       </p:ext>
     </p:extLst>
   </p:cSld>
@@ -12266,6 +12374,398 @@
           <p:cNvPr id="2" name="Title 1">
             <a:extLst>
               <a:ext uri="{FF2B5EF4-FFF2-40B4-BE49-F238E27FC236}">
+                <a16:creationId xmlns:a16="http://schemas.microsoft.com/office/drawing/2014/main" id="{71699732-3176-40FF-B34C-9EE76B9D5901}"/>
+              </a:ext>
+            </a:extLst>
+          </p:cNvPr>
+          <p:cNvSpPr>
+            <a:spLocks noGrp="1"/>
+          </p:cNvSpPr>
+          <p:nvPr>
+            <p:ph type="title"/>
+          </p:nvPr>
+        </p:nvSpPr>
+        <p:spPr/>
+        <p:txBody>
+          <a:bodyPr/>
+          <a:lstStyle/>
+          <a:p>
+            <a:r>
+              <a:rPr lang="en-US" dirty="0"/>
+              <a:t>Linux improvements</a:t>
+            </a:r>
+          </a:p>
+        </p:txBody>
+      </p:sp>
+      <p:sp>
+        <p:nvSpPr>
+          <p:cNvPr id="3" name="Content Placeholder 2">
+            <a:extLst>
+              <a:ext uri="{FF2B5EF4-FFF2-40B4-BE49-F238E27FC236}">
+                <a16:creationId xmlns:a16="http://schemas.microsoft.com/office/drawing/2014/main" id="{E86A5F67-0A35-470F-9B0E-F09747583031}"/>
+              </a:ext>
+            </a:extLst>
+          </p:cNvPr>
+          <p:cNvSpPr>
+            <a:spLocks noGrp="1"/>
+          </p:cNvSpPr>
+          <p:nvPr>
+            <p:ph idx="1"/>
+          </p:nvPr>
+        </p:nvSpPr>
+        <p:spPr/>
+        <p:txBody>
+          <a:bodyPr>
+            <a:normAutofit/>
+          </a:bodyPr>
+          <a:lstStyle/>
+          <a:p>
+            <a:r>
+              <a:rPr lang="en-US" sz="2800" dirty="0" err="1"/>
+              <a:t>SerialPort</a:t>
+            </a:r>
+            <a:r>
+              <a:rPr lang="en-US" sz="2800" dirty="0"/>
+              <a:t> for Linux</a:t>
+            </a:r>
+          </a:p>
+          <a:p>
+            <a:r>
+              <a:rPr lang="en-US" sz="2800" dirty="0"/>
+              <a:t>Docker and </a:t>
+            </a:r>
+            <a:r>
+              <a:rPr lang="en-US" sz="2800" dirty="0" err="1"/>
+              <a:t>cgroup</a:t>
+            </a:r>
+            <a:r>
+              <a:rPr lang="en-US" sz="2800" dirty="0"/>
+              <a:t> memory Limits</a:t>
+            </a:r>
+          </a:p>
+          <a:p>
+            <a:r>
+              <a:rPr lang="en-US" sz="2800" dirty="0"/>
+              <a:t>GPIO Support for Raspberry Pi</a:t>
+            </a:r>
+          </a:p>
+          <a:p>
+            <a:r>
+              <a:rPr lang="en-US" sz="2800" dirty="0"/>
+              <a:t>ARM64 Linux support</a:t>
+            </a:r>
+          </a:p>
+        </p:txBody>
+      </p:sp>
+    </p:spTree>
+    <p:extLst>
+      <p:ext uri="{BB962C8B-B14F-4D97-AF65-F5344CB8AC3E}">
+        <p14:creationId xmlns:p14="http://schemas.microsoft.com/office/powerpoint/2010/main" val="4168615126"/>
+      </p:ext>
+    </p:extLst>
+  </p:cSld>
+  <p:clrMapOvr>
+    <a:masterClrMapping/>
+  </p:clrMapOvr>
+  <p:timing>
+    <p:tnLst>
+      <p:par>
+        <p:cTn id="1" dur="indefinite" restart="never" nodeType="tmRoot">
+          <p:childTnLst>
+            <p:seq concurrent="1" nextAc="seek">
+              <p:cTn id="2" dur="indefinite" nodeType="mainSeq">
+                <p:childTnLst>
+                  <p:par>
+                    <p:cTn id="3" fill="hold">
+                      <p:stCondLst>
+                        <p:cond delay="indefinite"/>
+                      </p:stCondLst>
+                      <p:childTnLst>
+                        <p:par>
+                          <p:cTn id="4" fill="hold">
+                            <p:stCondLst>
+                              <p:cond delay="0"/>
+                            </p:stCondLst>
+                            <p:childTnLst>
+                              <p:par>
+                                <p:cTn id="5" presetID="10" presetClass="entr" presetSubtype="0" fill="hold" nodeType="clickEffect">
+                                  <p:stCondLst>
+                                    <p:cond delay="0"/>
+                                  </p:stCondLst>
+                                  <p:childTnLst>
+                                    <p:set>
+                                      <p:cBhvr>
+                                        <p:cTn id="6" dur="1" fill="hold">
+                                          <p:stCondLst>
+                                            <p:cond delay="0"/>
+                                          </p:stCondLst>
+                                        </p:cTn>
+                                        <p:tgtEl>
+                                          <p:spTgt spid="3">
+                                            <p:txEl>
+                                              <p:pRg st="0" end="0"/>
+                                            </p:txEl>
+                                          </p:spTgt>
+                                        </p:tgtEl>
+                                        <p:attrNameLst>
+                                          <p:attrName>style.visibility</p:attrName>
+                                        </p:attrNameLst>
+                                      </p:cBhvr>
+                                      <p:to>
+                                        <p:strVal val="visible"/>
+                                      </p:to>
+                                    </p:set>
+                                    <p:animEffect transition="in" filter="fade">
+                                      <p:cBhvr>
+                                        <p:cTn id="7" dur="500"/>
+                                        <p:tgtEl>
+                                          <p:spTgt spid="3">
+                                            <p:txEl>
+                                              <p:pRg st="0" end="0"/>
+                                            </p:txEl>
+                                          </p:spTgt>
+                                        </p:tgtEl>
+                                      </p:cBhvr>
+                                    </p:animEffect>
+                                  </p:childTnLst>
+                                </p:cTn>
+                              </p:par>
+                            </p:childTnLst>
+                          </p:cTn>
+                        </p:par>
+                      </p:childTnLst>
+                    </p:cTn>
+                  </p:par>
+                  <p:par>
+                    <p:cTn id="8" fill="hold">
+                      <p:stCondLst>
+                        <p:cond delay="indefinite"/>
+                      </p:stCondLst>
+                      <p:childTnLst>
+                        <p:par>
+                          <p:cTn id="9" fill="hold">
+                            <p:stCondLst>
+                              <p:cond delay="0"/>
+                            </p:stCondLst>
+                            <p:childTnLst>
+                              <p:par>
+                                <p:cTn id="10" presetID="10" presetClass="entr" presetSubtype="0" fill="hold" nodeType="clickEffect">
+                                  <p:stCondLst>
+                                    <p:cond delay="0"/>
+                                  </p:stCondLst>
+                                  <p:childTnLst>
+                                    <p:set>
+                                      <p:cBhvr>
+                                        <p:cTn id="11" dur="1" fill="hold">
+                                          <p:stCondLst>
+                                            <p:cond delay="0"/>
+                                          </p:stCondLst>
+                                        </p:cTn>
+                                        <p:tgtEl>
+                                          <p:spTgt spid="3">
+                                            <p:txEl>
+                                              <p:pRg st="1" end="1"/>
+                                            </p:txEl>
+                                          </p:spTgt>
+                                        </p:tgtEl>
+                                        <p:attrNameLst>
+                                          <p:attrName>style.visibility</p:attrName>
+                                        </p:attrNameLst>
+                                      </p:cBhvr>
+                                      <p:to>
+                                        <p:strVal val="visible"/>
+                                      </p:to>
+                                    </p:set>
+                                    <p:animEffect transition="in" filter="fade">
+                                      <p:cBhvr>
+                                        <p:cTn id="12" dur="500"/>
+                                        <p:tgtEl>
+                                          <p:spTgt spid="3">
+                                            <p:txEl>
+                                              <p:pRg st="1" end="1"/>
+                                            </p:txEl>
+                                          </p:spTgt>
+                                        </p:tgtEl>
+                                      </p:cBhvr>
+                                    </p:animEffect>
+                                  </p:childTnLst>
+                                </p:cTn>
+                              </p:par>
+                            </p:childTnLst>
+                          </p:cTn>
+                        </p:par>
+                      </p:childTnLst>
+                    </p:cTn>
+                  </p:par>
+                  <p:par>
+                    <p:cTn id="13" fill="hold">
+                      <p:stCondLst>
+                        <p:cond delay="indefinite"/>
+                      </p:stCondLst>
+                      <p:childTnLst>
+                        <p:par>
+                          <p:cTn id="14" fill="hold">
+                            <p:stCondLst>
+                              <p:cond delay="0"/>
+                            </p:stCondLst>
+                            <p:childTnLst>
+                              <p:par>
+                                <p:cTn id="15" presetID="10" presetClass="entr" presetSubtype="0" fill="hold" nodeType="clickEffect">
+                                  <p:stCondLst>
+                                    <p:cond delay="0"/>
+                                  </p:stCondLst>
+                                  <p:childTnLst>
+                                    <p:set>
+                                      <p:cBhvr>
+                                        <p:cTn id="16" dur="1" fill="hold">
+                                          <p:stCondLst>
+                                            <p:cond delay="0"/>
+                                          </p:stCondLst>
+                                        </p:cTn>
+                                        <p:tgtEl>
+                                          <p:spTgt spid="3">
+                                            <p:txEl>
+                                              <p:pRg st="2" end="2"/>
+                                            </p:txEl>
+                                          </p:spTgt>
+                                        </p:tgtEl>
+                                        <p:attrNameLst>
+                                          <p:attrName>style.visibility</p:attrName>
+                                        </p:attrNameLst>
+                                      </p:cBhvr>
+                                      <p:to>
+                                        <p:strVal val="visible"/>
+                                      </p:to>
+                                    </p:set>
+                                    <p:animEffect transition="in" filter="fade">
+                                      <p:cBhvr>
+                                        <p:cTn id="17" dur="500"/>
+                                        <p:tgtEl>
+                                          <p:spTgt spid="3">
+                                            <p:txEl>
+                                              <p:pRg st="2" end="2"/>
+                                            </p:txEl>
+                                          </p:spTgt>
+                                        </p:tgtEl>
+                                      </p:cBhvr>
+                                    </p:animEffect>
+                                  </p:childTnLst>
+                                </p:cTn>
+                              </p:par>
+                            </p:childTnLst>
+                          </p:cTn>
+                        </p:par>
+                      </p:childTnLst>
+                    </p:cTn>
+                  </p:par>
+                  <p:par>
+                    <p:cTn id="18" fill="hold">
+                      <p:stCondLst>
+                        <p:cond delay="indefinite"/>
+                      </p:stCondLst>
+                      <p:childTnLst>
+                        <p:par>
+                          <p:cTn id="19" fill="hold">
+                            <p:stCondLst>
+                              <p:cond delay="0"/>
+                            </p:stCondLst>
+                            <p:childTnLst>
+                              <p:par>
+                                <p:cTn id="20" presetID="10" presetClass="entr" presetSubtype="0" fill="hold" nodeType="clickEffect">
+                                  <p:stCondLst>
+                                    <p:cond delay="0"/>
+                                  </p:stCondLst>
+                                  <p:childTnLst>
+                                    <p:set>
+                                      <p:cBhvr>
+                                        <p:cTn id="21" dur="1" fill="hold">
+                                          <p:stCondLst>
+                                            <p:cond delay="0"/>
+                                          </p:stCondLst>
+                                        </p:cTn>
+                                        <p:tgtEl>
+                                          <p:spTgt spid="3">
+                                            <p:txEl>
+                                              <p:pRg st="3" end="3"/>
+                                            </p:txEl>
+                                          </p:spTgt>
+                                        </p:tgtEl>
+                                        <p:attrNameLst>
+                                          <p:attrName>style.visibility</p:attrName>
+                                        </p:attrNameLst>
+                                      </p:cBhvr>
+                                      <p:to>
+                                        <p:strVal val="visible"/>
+                                      </p:to>
+                                    </p:set>
+                                    <p:animEffect transition="in" filter="fade">
+                                      <p:cBhvr>
+                                        <p:cTn id="22" dur="500"/>
+                                        <p:tgtEl>
+                                          <p:spTgt spid="3">
+                                            <p:txEl>
+                                              <p:pRg st="3" end="3"/>
+                                            </p:txEl>
+                                          </p:spTgt>
+                                        </p:tgtEl>
+                                      </p:cBhvr>
+                                    </p:animEffect>
+                                  </p:childTnLst>
+                                </p:cTn>
+                              </p:par>
+                            </p:childTnLst>
+                          </p:cTn>
+                        </p:par>
+                      </p:childTnLst>
+                    </p:cTn>
+                  </p:par>
+                </p:childTnLst>
+              </p:cTn>
+              <p:prevCondLst>
+                <p:cond evt="onPrev" delay="0">
+                  <p:tgtEl>
+                    <p:sldTgt/>
+                  </p:tgtEl>
+                </p:cond>
+              </p:prevCondLst>
+              <p:nextCondLst>
+                <p:cond evt="onNext" delay="0">
+                  <p:tgtEl>
+                    <p:sldTgt/>
+                  </p:tgtEl>
+                </p:cond>
+              </p:nextCondLst>
+            </p:seq>
+          </p:childTnLst>
+        </p:cTn>
+      </p:par>
+    </p:tnLst>
+  </p:timing>
+</p:sld>
+</file>
+
+<file path=ppt/slides/slide23.xml><?xml version="1.0" encoding="utf-8"?>
+<p:sld xmlns:a="http://schemas.openxmlformats.org/drawingml/2006/main" xmlns:r="http://schemas.openxmlformats.org/officeDocument/2006/relationships" xmlns:p="http://schemas.openxmlformats.org/presentationml/2006/main">
+  <p:cSld>
+    <p:spTree>
+      <p:nvGrpSpPr>
+        <p:cNvPr id="1" name=""/>
+        <p:cNvGrpSpPr/>
+        <p:nvPr/>
+      </p:nvGrpSpPr>
+      <p:grpSpPr>
+        <a:xfrm>
+          <a:off x="0" y="0"/>
+          <a:ext cx="0" cy="0"/>
+          <a:chOff x="0" y="0"/>
+          <a:chExt cx="0" cy="0"/>
+        </a:xfrm>
+      </p:grpSpPr>
+      <p:sp>
+        <p:nvSpPr>
+          <p:cNvPr id="2" name="Title 1">
+            <a:extLst>
+              <a:ext uri="{FF2B5EF4-FFF2-40B4-BE49-F238E27FC236}">
                 <a16:creationId xmlns:a16="http://schemas.microsoft.com/office/drawing/2014/main" id="{86E084F8-A6A7-445A-8A0B-0673B3707ED4}"/>
               </a:ext>
             </a:extLst>
@@ -12607,7 +13107,7 @@
 </p:sld>
 </file>
 
-<file path=ppt/slides/slide23.xml><?xml version="1.0" encoding="utf-8"?>
+<file path=ppt/slides/slide24.xml><?xml version="1.0" encoding="utf-8"?>
 <p:sld xmlns:a="http://schemas.openxmlformats.org/drawingml/2006/main" xmlns:r="http://schemas.openxmlformats.org/officeDocument/2006/relationships" xmlns:p="http://schemas.openxmlformats.org/presentationml/2006/main">
   <p:cSld>
     <p:spTree>
@@ -12988,7 +13488,7 @@
 </p:sld>
 </file>
 
-<file path=ppt/slides/slide24.xml><?xml version="1.0" encoding="utf-8"?>
+<file path=ppt/slides/slide25.xml><?xml version="1.0" encoding="utf-8"?>
 <p:sld xmlns:a="http://schemas.openxmlformats.org/drawingml/2006/main" xmlns:r="http://schemas.openxmlformats.org/officeDocument/2006/relationships" xmlns:p="http://schemas.openxmlformats.org/presentationml/2006/main">
   <p:cSld>
     <p:bg>
@@ -13306,7 +13806,7 @@
 </p:sld>
 </file>
 
-<file path=ppt/slides/slide25.xml><?xml version="1.0" encoding="utf-8"?>
+<file path=ppt/slides/slide26.xml><?xml version="1.0" encoding="utf-8"?>
 <p:sld xmlns:a="http://schemas.openxmlformats.org/drawingml/2006/main" xmlns:r="http://schemas.openxmlformats.org/officeDocument/2006/relationships" xmlns:p="http://schemas.openxmlformats.org/presentationml/2006/main">
   <p:cSld>
     <p:spTree>
@@ -13441,6 +13941,117 @@
 </file>
 
 <file path=ppt/slides/slide3.xml><?xml version="1.0" encoding="utf-8"?>
+<p:sld xmlns:a="http://schemas.openxmlformats.org/drawingml/2006/main" xmlns:r="http://schemas.openxmlformats.org/officeDocument/2006/relationships" xmlns:p="http://schemas.openxmlformats.org/presentationml/2006/main">
+  <p:cSld>
+    <p:spTree>
+      <p:nvGrpSpPr>
+        <p:cNvPr id="1" name=""/>
+        <p:cNvGrpSpPr/>
+        <p:nvPr/>
+      </p:nvGrpSpPr>
+      <p:grpSpPr>
+        <a:xfrm>
+          <a:off x="0" y="0"/>
+          <a:ext cx="0" cy="0"/>
+          <a:chOff x="0" y="0"/>
+          <a:chExt cx="0" cy="0"/>
+        </a:xfrm>
+      </p:grpSpPr>
+      <p:sp>
+        <p:nvSpPr>
+          <p:cNvPr id="2" name="Title 1">
+            <a:extLst>
+              <a:ext uri="{FF2B5EF4-FFF2-40B4-BE49-F238E27FC236}">
+                <a16:creationId xmlns:a16="http://schemas.microsoft.com/office/drawing/2014/main" id="{2E33E50C-9D61-4A2C-ABD2-DECC95AC5D70}"/>
+              </a:ext>
+            </a:extLst>
+          </p:cNvPr>
+          <p:cNvSpPr>
+            <a:spLocks noGrp="1"/>
+          </p:cNvSpPr>
+          <p:nvPr>
+            <p:ph type="title"/>
+          </p:nvPr>
+        </p:nvSpPr>
+        <p:spPr/>
+        <p:txBody>
+          <a:bodyPr/>
+          <a:lstStyle/>
+          <a:p>
+            <a:r>
+              <a:rPr lang="en-US" dirty="0"/>
+              <a:t>Content</a:t>
+            </a:r>
+          </a:p>
+        </p:txBody>
+      </p:sp>
+      <p:sp>
+        <p:nvSpPr>
+          <p:cNvPr id="3" name="Content Placeholder 2">
+            <a:extLst>
+              <a:ext uri="{FF2B5EF4-FFF2-40B4-BE49-F238E27FC236}">
+                <a16:creationId xmlns:a16="http://schemas.microsoft.com/office/drawing/2014/main" id="{9DF7BD63-72F8-41DF-BC77-1624590DE4F0}"/>
+              </a:ext>
+            </a:extLst>
+          </p:cNvPr>
+          <p:cNvSpPr>
+            <a:spLocks noGrp="1"/>
+          </p:cNvSpPr>
+          <p:nvPr>
+            <p:ph idx="1"/>
+          </p:nvPr>
+        </p:nvSpPr>
+        <p:spPr>
+          <a:xfrm>
+            <a:off x="3869267" y="864108"/>
+            <a:ext cx="7921113" cy="5120640"/>
+          </a:xfrm>
+        </p:spPr>
+        <p:txBody>
+          <a:bodyPr>
+            <a:normAutofit/>
+          </a:bodyPr>
+          <a:lstStyle/>
+          <a:p>
+            <a:pPr marL="0" indent="0">
+              <a:buNone/>
+            </a:pPr>
+            <a:r>
+              <a:rPr lang="en-US" sz="2800" dirty="0"/>
+              <a:t>You can find all content including source and slides here:</a:t>
+            </a:r>
+          </a:p>
+          <a:p>
+            <a:pPr marL="0" indent="0">
+              <a:buNone/>
+            </a:pPr>
+            <a:endParaRPr lang="en-US" sz="2800" dirty="0"/>
+          </a:p>
+          <a:p>
+            <a:pPr marL="0" indent="0">
+              <a:buNone/>
+            </a:pPr>
+            <a:r>
+              <a:rPr lang="en-US" sz="2800" dirty="0"/>
+              <a:t>https://github.com/cwoodruff/ASPNETCore3Demos</a:t>
+            </a:r>
+          </a:p>
+        </p:txBody>
+      </p:sp>
+    </p:spTree>
+    <p:extLst>
+      <p:ext uri="{BB962C8B-B14F-4D97-AF65-F5344CB8AC3E}">
+        <p14:creationId xmlns:p14="http://schemas.microsoft.com/office/powerpoint/2010/main" val="1496392060"/>
+      </p:ext>
+    </p:extLst>
+  </p:cSld>
+  <p:clrMapOvr>
+    <a:masterClrMapping/>
+  </p:clrMapOvr>
+</p:sld>
+</file>
+
+<file path=ppt/slides/slide4.xml><?xml version="1.0" encoding="utf-8"?>
 <p:sld xmlns:a="http://schemas.openxmlformats.org/drawingml/2006/main" xmlns:r="http://schemas.openxmlformats.org/officeDocument/2006/relationships" xmlns:p="http://schemas.openxmlformats.org/presentationml/2006/main">
   <p:cSld>
     <p:bg>
@@ -13920,114 +14531,6 @@
 </p:sld>
 </file>
 
-<file path=ppt/slides/slide4.xml><?xml version="1.0" encoding="utf-8"?>
-<p:sld xmlns:a="http://schemas.openxmlformats.org/drawingml/2006/main" xmlns:r="http://schemas.openxmlformats.org/officeDocument/2006/relationships" xmlns:p="http://schemas.openxmlformats.org/presentationml/2006/main">
-  <p:cSld>
-    <p:spTree>
-      <p:nvGrpSpPr>
-        <p:cNvPr id="1" name=""/>
-        <p:cNvGrpSpPr/>
-        <p:nvPr/>
-      </p:nvGrpSpPr>
-      <p:grpSpPr>
-        <a:xfrm>
-          <a:off x="0" y="0"/>
-          <a:ext cx="0" cy="0"/>
-          <a:chOff x="0" y="0"/>
-          <a:chExt cx="0" cy="0"/>
-        </a:xfrm>
-      </p:grpSpPr>
-      <p:sp>
-        <p:nvSpPr>
-          <p:cNvPr id="4" name="Title 3">
-            <a:extLst>
-              <a:ext uri="{FF2B5EF4-FFF2-40B4-BE49-F238E27FC236}">
-                <a16:creationId xmlns:a16="http://schemas.microsoft.com/office/drawing/2014/main" id="{F7430D0F-679C-40C9-8CB7-02EDCA7BBAEC}"/>
-              </a:ext>
-            </a:extLst>
-          </p:cNvPr>
-          <p:cNvSpPr>
-            <a:spLocks noGrp="1"/>
-          </p:cNvSpPr>
-          <p:nvPr>
-            <p:ph type="title"/>
-          </p:nvPr>
-        </p:nvSpPr>
-        <p:spPr/>
-        <p:txBody>
-          <a:bodyPr>
-            <a:normAutofit/>
-          </a:bodyPr>
-          <a:lstStyle/>
-          <a:p>
-            <a:r>
-              <a:rPr lang="en-US" sz="4400" dirty="0"/>
-              <a:t>Pattern Matching</a:t>
-            </a:r>
-          </a:p>
-        </p:txBody>
-      </p:sp>
-      <p:sp>
-        <p:nvSpPr>
-          <p:cNvPr id="5" name="Content Placeholder 4">
-            <a:extLst>
-              <a:ext uri="{FF2B5EF4-FFF2-40B4-BE49-F238E27FC236}">
-                <a16:creationId xmlns:a16="http://schemas.microsoft.com/office/drawing/2014/main" id="{8CBAA959-0B2F-4574-8CBD-2CFEA95E917C}"/>
-              </a:ext>
-            </a:extLst>
-          </p:cNvPr>
-          <p:cNvSpPr>
-            <a:spLocks noGrp="1"/>
-          </p:cNvSpPr>
-          <p:nvPr>
-            <p:ph idx="1"/>
-          </p:nvPr>
-        </p:nvSpPr>
-        <p:spPr/>
-        <p:txBody>
-          <a:bodyPr anchor="ctr">
-            <a:normAutofit/>
-          </a:bodyPr>
-          <a:lstStyle/>
-          <a:p>
-            <a:r>
-              <a:rPr lang="en-US" sz="4000" dirty="0"/>
-              <a:t>Switch Expressions</a:t>
-            </a:r>
-          </a:p>
-          <a:p>
-            <a:r>
-              <a:rPr lang="en-US" sz="4000" dirty="0"/>
-              <a:t>Property Patterns</a:t>
-            </a:r>
-          </a:p>
-          <a:p>
-            <a:r>
-              <a:rPr lang="en-US" sz="4000" dirty="0"/>
-              <a:t>Tuple Patterns</a:t>
-            </a:r>
-          </a:p>
-          <a:p>
-            <a:r>
-              <a:rPr lang="en-US" sz="4000" dirty="0"/>
-              <a:t>Positional Patterns</a:t>
-            </a:r>
-          </a:p>
-        </p:txBody>
-      </p:sp>
-    </p:spTree>
-    <p:extLst>
-      <p:ext uri="{BB962C8B-B14F-4D97-AF65-F5344CB8AC3E}">
-        <p14:creationId xmlns:p14="http://schemas.microsoft.com/office/powerpoint/2010/main" val="3300595813"/>
-      </p:ext>
-    </p:extLst>
-  </p:cSld>
-  <p:clrMapOvr>
-    <a:masterClrMapping/>
-  </p:clrMapOvr>
-</p:sld>
-</file>
-
 <file path=ppt/slides/slide5.xml><?xml version="1.0" encoding="utf-8"?>
 <p:sld xmlns:a="http://schemas.openxmlformats.org/drawingml/2006/main" xmlns:r="http://schemas.openxmlformats.org/officeDocument/2006/relationships" xmlns:p="http://schemas.openxmlformats.org/presentationml/2006/main">
   <p:cSld>
@@ -14047,10 +14550,10 @@
       </p:grpSpPr>
       <p:sp>
         <p:nvSpPr>
-          <p:cNvPr id="2" name="Title 1">
+          <p:cNvPr id="4" name="Title 3">
             <a:extLst>
               <a:ext uri="{FF2B5EF4-FFF2-40B4-BE49-F238E27FC236}">
-                <a16:creationId xmlns:a16="http://schemas.microsoft.com/office/drawing/2014/main" id="{768A0A0E-6B9A-431F-90A7-B82FC7020B06}"/>
+                <a16:creationId xmlns:a16="http://schemas.microsoft.com/office/drawing/2014/main" id="{F7430D0F-679C-40C9-8CB7-02EDCA7BBAEC}"/>
               </a:ext>
             </a:extLst>
           </p:cNvPr>
@@ -14063,22 +14566,24 @@
         </p:nvSpPr>
         <p:spPr/>
         <p:txBody>
-          <a:bodyPr/>
+          <a:bodyPr>
+            <a:normAutofit/>
+          </a:bodyPr>
           <a:lstStyle/>
           <a:p>
             <a:r>
-              <a:rPr lang="en-US" dirty="0"/>
-              <a:t>Pattern Matching: Property</a:t>
+              <a:rPr lang="en-US" sz="4400" dirty="0"/>
+              <a:t>Pattern Matching</a:t>
             </a:r>
           </a:p>
         </p:txBody>
       </p:sp>
       <p:sp>
         <p:nvSpPr>
-          <p:cNvPr id="3" name="Content Placeholder 2">
+          <p:cNvPr id="5" name="Content Placeholder 4">
             <a:extLst>
               <a:ext uri="{FF2B5EF4-FFF2-40B4-BE49-F238E27FC236}">
-                <a16:creationId xmlns:a16="http://schemas.microsoft.com/office/drawing/2014/main" id="{6DFD5193-7648-4053-830D-55A78AFE2886}"/>
+                <a16:creationId xmlns:a16="http://schemas.microsoft.com/office/drawing/2014/main" id="{8CBAA959-0B2F-4574-8CBD-2CFEA95E917C}"/>
               </a:ext>
             </a:extLst>
           </p:cNvPr>
@@ -14091,186 +14596,32 @@
         </p:nvSpPr>
         <p:spPr/>
         <p:txBody>
-          <a:bodyPr>
+          <a:bodyPr anchor="ctr">
             <a:normAutofit/>
           </a:bodyPr>
           <a:lstStyle/>
           <a:p>
-            <a:pPr marL="0" indent="0">
-              <a:buNone/>
-            </a:pPr>
-            <a:r>
-              <a:rPr lang="en-US" sz="1800" dirty="0">
-                <a:latin typeface="Source Code Pro" panose="020B0509030403020204" pitchFamily="49" charset="0"/>
-                <a:ea typeface="Source Code Pro" panose="020B0509030403020204" pitchFamily="49" charset="0"/>
-              </a:rPr>
-              <a:t>public static decimal </a:t>
-            </a:r>
-            <a:r>
-              <a:rPr lang="en-US" sz="1800" dirty="0" err="1">
-                <a:latin typeface="Source Code Pro" panose="020B0509030403020204" pitchFamily="49" charset="0"/>
-                <a:ea typeface="Source Code Pro" panose="020B0509030403020204" pitchFamily="49" charset="0"/>
-              </a:rPr>
-              <a:t>ComputeSalesTax</a:t>
-            </a:r>
-            <a:r>
-              <a:rPr lang="en-US" sz="1800" dirty="0">
-                <a:latin typeface="Source Code Pro" panose="020B0509030403020204" pitchFamily="49" charset="0"/>
-                <a:ea typeface="Source Code Pro" panose="020B0509030403020204" pitchFamily="49" charset="0"/>
-              </a:rPr>
-              <a:t>(Address location, decimal </a:t>
-            </a:r>
-            <a:r>
-              <a:rPr lang="en-US" sz="1800" dirty="0" err="1">
-                <a:latin typeface="Source Code Pro" panose="020B0509030403020204" pitchFamily="49" charset="0"/>
-                <a:ea typeface="Source Code Pro" panose="020B0509030403020204" pitchFamily="49" charset="0"/>
-              </a:rPr>
-              <a:t>salePrice</a:t>
-            </a:r>
-            <a:r>
-              <a:rPr lang="en-US" sz="1800" dirty="0">
-                <a:latin typeface="Source Code Pro" panose="020B0509030403020204" pitchFamily="49" charset="0"/>
-                <a:ea typeface="Source Code Pro" panose="020B0509030403020204" pitchFamily="49" charset="0"/>
-              </a:rPr>
-              <a:t>) =&gt;</a:t>
-            </a:r>
-          </a:p>
-          <a:p>
-            <a:pPr marL="0" indent="0">
-              <a:buNone/>
-            </a:pPr>
-            <a:r>
-              <a:rPr lang="en-US" sz="1800" dirty="0">
-                <a:latin typeface="Source Code Pro" panose="020B0509030403020204" pitchFamily="49" charset="0"/>
-                <a:ea typeface="Source Code Pro" panose="020B0509030403020204" pitchFamily="49" charset="0"/>
-              </a:rPr>
-              <a:t>    location switch</a:t>
-            </a:r>
-          </a:p>
-          <a:p>
-            <a:pPr marL="0" indent="0">
-              <a:buNone/>
-            </a:pPr>
-            <a:r>
-              <a:rPr lang="en-US" sz="1800" dirty="0">
-                <a:latin typeface="Source Code Pro" panose="020B0509030403020204" pitchFamily="49" charset="0"/>
-                <a:ea typeface="Source Code Pro" panose="020B0509030403020204" pitchFamily="49" charset="0"/>
-              </a:rPr>
-              <a:t>    {</a:t>
-            </a:r>
-          </a:p>
-          <a:p>
-            <a:pPr marL="0" indent="0">
-              <a:buNone/>
-            </a:pPr>
-            <a:r>
-              <a:rPr lang="en-US" sz="1800" dirty="0">
-                <a:latin typeface="Source Code Pro" panose="020B0509030403020204" pitchFamily="49" charset="0"/>
-                <a:ea typeface="Source Code Pro" panose="020B0509030403020204" pitchFamily="49" charset="0"/>
-              </a:rPr>
-              <a:t>        { State: "WA" } =&gt; </a:t>
-            </a:r>
-            <a:r>
-              <a:rPr lang="en-US" sz="1800" dirty="0" err="1">
-                <a:latin typeface="Source Code Pro" panose="020B0509030403020204" pitchFamily="49" charset="0"/>
-                <a:ea typeface="Source Code Pro" panose="020B0509030403020204" pitchFamily="49" charset="0"/>
-              </a:rPr>
-              <a:t>salePrice</a:t>
-            </a:r>
-            <a:r>
-              <a:rPr lang="en-US" sz="1800" dirty="0">
-                <a:latin typeface="Source Code Pro" panose="020B0509030403020204" pitchFamily="49" charset="0"/>
-                <a:ea typeface="Source Code Pro" panose="020B0509030403020204" pitchFamily="49" charset="0"/>
-              </a:rPr>
-              <a:t> * 0.06M,</a:t>
-            </a:r>
-          </a:p>
-          <a:p>
-            <a:pPr marL="0" indent="0">
-              <a:buNone/>
-            </a:pPr>
-            <a:r>
-              <a:rPr lang="en-US" sz="1800" dirty="0">
-                <a:latin typeface="Source Code Pro" panose="020B0509030403020204" pitchFamily="49" charset="0"/>
-                <a:ea typeface="Source Code Pro" panose="020B0509030403020204" pitchFamily="49" charset="0"/>
-              </a:rPr>
-              <a:t>        { State: "MN" } =&gt; </a:t>
-            </a:r>
-            <a:r>
-              <a:rPr lang="en-US" sz="1800" dirty="0" err="1">
-                <a:latin typeface="Source Code Pro" panose="020B0509030403020204" pitchFamily="49" charset="0"/>
-                <a:ea typeface="Source Code Pro" panose="020B0509030403020204" pitchFamily="49" charset="0"/>
-              </a:rPr>
-              <a:t>salePrice</a:t>
-            </a:r>
-            <a:r>
-              <a:rPr lang="en-US" sz="1800" dirty="0">
-                <a:latin typeface="Source Code Pro" panose="020B0509030403020204" pitchFamily="49" charset="0"/>
-                <a:ea typeface="Source Code Pro" panose="020B0509030403020204" pitchFamily="49" charset="0"/>
-              </a:rPr>
-              <a:t> * 0.75M,</a:t>
-            </a:r>
-          </a:p>
-          <a:p>
-            <a:pPr marL="0" indent="0">
-              <a:buNone/>
-            </a:pPr>
-            <a:r>
-              <a:rPr lang="en-US" sz="1800" dirty="0">
-                <a:latin typeface="Source Code Pro" panose="020B0509030403020204" pitchFamily="49" charset="0"/>
-                <a:ea typeface="Source Code Pro" panose="020B0509030403020204" pitchFamily="49" charset="0"/>
-              </a:rPr>
-              <a:t>        { State: "MI" } =&gt; </a:t>
-            </a:r>
-            <a:r>
-              <a:rPr lang="en-US" sz="1800" dirty="0" err="1">
-                <a:latin typeface="Source Code Pro" panose="020B0509030403020204" pitchFamily="49" charset="0"/>
-                <a:ea typeface="Source Code Pro" panose="020B0509030403020204" pitchFamily="49" charset="0"/>
-              </a:rPr>
-              <a:t>salePrice</a:t>
-            </a:r>
-            <a:r>
-              <a:rPr lang="en-US" sz="1800" dirty="0">
-                <a:latin typeface="Source Code Pro" panose="020B0509030403020204" pitchFamily="49" charset="0"/>
-                <a:ea typeface="Source Code Pro" panose="020B0509030403020204" pitchFamily="49" charset="0"/>
-              </a:rPr>
-              <a:t> * 0.05M,</a:t>
-            </a:r>
-          </a:p>
-          <a:p>
-            <a:pPr marL="0" indent="0">
-              <a:buNone/>
-            </a:pPr>
-            <a:r>
-              <a:rPr lang="en-US" sz="1800" dirty="0">
-                <a:latin typeface="Source Code Pro" panose="020B0509030403020204" pitchFamily="49" charset="0"/>
-                <a:ea typeface="Source Code Pro" panose="020B0509030403020204" pitchFamily="49" charset="0"/>
-              </a:rPr>
-              <a:t>        // other cases removed for brevity...</a:t>
-            </a:r>
-          </a:p>
-          <a:p>
-            <a:pPr marL="0" indent="0">
-              <a:buNone/>
-            </a:pPr>
-            <a:r>
-              <a:rPr lang="en-US" sz="1800" dirty="0">
-                <a:latin typeface="Source Code Pro" panose="020B0509030403020204" pitchFamily="49" charset="0"/>
-                <a:ea typeface="Source Code Pro" panose="020B0509030403020204" pitchFamily="49" charset="0"/>
-              </a:rPr>
-              <a:t>        _ =&gt; 0M</a:t>
-            </a:r>
-          </a:p>
-          <a:p>
-            <a:pPr marL="0" indent="0">
-              <a:buNone/>
-            </a:pPr>
-            <a:r>
-              <a:rPr lang="en-US" sz="1800" dirty="0">
-                <a:latin typeface="Source Code Pro" panose="020B0509030403020204" pitchFamily="49" charset="0"/>
-                <a:ea typeface="Source Code Pro" panose="020B0509030403020204" pitchFamily="49" charset="0"/>
-              </a:rPr>
-              <a:t>    };</a:t>
+            <a:r>
+              <a:rPr lang="en-US" sz="4000" dirty="0"/>
+              <a:t>Switch Expressions</a:t>
+            </a:r>
+          </a:p>
+          <a:p>
+            <a:r>
+              <a:rPr lang="en-US" sz="4000" dirty="0"/>
+              <a:t>Property Patterns</a:t>
+            </a:r>
+          </a:p>
+          <a:p>
+            <a:r>
+              <a:rPr lang="en-US" sz="4000" dirty="0"/>
+              <a:t>Tuple Patterns</a:t>
+            </a:r>
+          </a:p>
+          <a:p>
+            <a:r>
+              <a:rPr lang="en-US" sz="4000" dirty="0"/>
+              <a:t>Positional Patterns</a:t>
             </a:r>
           </a:p>
         </p:txBody>
@@ -14278,7 +14629,7 @@
     </p:spTree>
     <p:extLst>
       <p:ext uri="{BB962C8B-B14F-4D97-AF65-F5344CB8AC3E}">
-        <p14:creationId xmlns:p14="http://schemas.microsoft.com/office/powerpoint/2010/main" val="166549143"/>
+        <p14:creationId xmlns:p14="http://schemas.microsoft.com/office/powerpoint/2010/main" val="3300595813"/>
       </p:ext>
     </p:extLst>
   </p:cSld>
@@ -14310,7 +14661,7 @@
           <p:cNvPr id="2" name="Title 1">
             <a:extLst>
               <a:ext uri="{FF2B5EF4-FFF2-40B4-BE49-F238E27FC236}">
-                <a16:creationId xmlns:a16="http://schemas.microsoft.com/office/drawing/2014/main" id="{B8C11AD9-74A8-4DF7-B9B6-22156FE41C24}"/>
+                <a16:creationId xmlns:a16="http://schemas.microsoft.com/office/drawing/2014/main" id="{768A0A0E-6B9A-431F-90A7-B82FC7020B06}"/>
               </a:ext>
             </a:extLst>
           </p:cNvPr>
@@ -14328,7 +14679,7 @@
           <a:p>
             <a:r>
               <a:rPr lang="en-US" dirty="0"/>
-              <a:t>Using Declarations</a:t>
+              <a:t>Pattern Matching: Property</a:t>
             </a:r>
           </a:p>
         </p:txBody>
@@ -14338,7 +14689,7 @@
           <p:cNvPr id="3" name="Content Placeholder 2">
             <a:extLst>
               <a:ext uri="{FF2B5EF4-FFF2-40B4-BE49-F238E27FC236}">
-                <a16:creationId xmlns:a16="http://schemas.microsoft.com/office/drawing/2014/main" id="{850C2735-42A4-41D0-9AEA-68BB3D415EC2}"/>
+                <a16:creationId xmlns:a16="http://schemas.microsoft.com/office/drawing/2014/main" id="{6DFD5193-7648-4053-830D-55A78AFE2886}"/>
               </a:ext>
             </a:extLst>
           </p:cNvPr>
@@ -14349,15 +14700,10 @@
             <p:ph idx="1"/>
           </p:nvPr>
         </p:nvSpPr>
-        <p:spPr>
-          <a:xfrm>
-            <a:off x="3869268" y="184558"/>
-            <a:ext cx="7784602" cy="6333688"/>
-          </a:xfrm>
-        </p:spPr>
+        <p:spPr/>
         <p:txBody>
           <a:bodyPr>
-            <a:normAutofit fontScale="92500" lnSpcReduction="10000"/>
+            <a:normAutofit/>
           </a:bodyPr>
           <a:lstStyle/>
           <a:p>
@@ -14365,25 +14711,39 @@
               <a:buNone/>
             </a:pPr>
             <a:r>
-              <a:rPr lang="en-US" dirty="0">
-                <a:latin typeface="Source Code Pro" panose="020B0509030403020204" pitchFamily="49" charset="0"/>
-                <a:ea typeface="Source Code Pro" panose="020B0509030403020204" pitchFamily="49" charset="0"/>
-              </a:rPr>
-              <a:t>int </a:t>
-            </a:r>
-            <a:r>
-              <a:rPr lang="en-US" dirty="0" err="1">
-                <a:latin typeface="Source Code Pro" panose="020B0509030403020204" pitchFamily="49" charset="0"/>
-                <a:ea typeface="Source Code Pro" panose="020B0509030403020204" pitchFamily="49" charset="0"/>
-              </a:rPr>
-              <a:t>skippedLines</a:t>
-            </a:r>
-            <a:r>
-              <a:rPr lang="en-US" dirty="0">
-                <a:latin typeface="Source Code Pro" panose="020B0509030403020204" pitchFamily="49" charset="0"/>
-                <a:ea typeface="Source Code Pro" panose="020B0509030403020204" pitchFamily="49" charset="0"/>
-              </a:rPr>
-              <a:t> = 0;</a:t>
+              <a:rPr lang="en-US" sz="1800" dirty="0">
+                <a:latin typeface="Source Code Pro" panose="020B0509030403020204" pitchFamily="49" charset="0"/>
+                <a:ea typeface="Source Code Pro" panose="020B0509030403020204" pitchFamily="49" charset="0"/>
+              </a:rPr>
+              <a:t>public static decimal </a:t>
+            </a:r>
+            <a:r>
+              <a:rPr lang="en-US" sz="1800" dirty="0" err="1">
+                <a:latin typeface="Source Code Pro" panose="020B0509030403020204" pitchFamily="49" charset="0"/>
+                <a:ea typeface="Source Code Pro" panose="020B0509030403020204" pitchFamily="49" charset="0"/>
+              </a:rPr>
+              <a:t>ComputeSalesTax</a:t>
+            </a:r>
+            <a:r>
+              <a:rPr lang="en-US" sz="1800" dirty="0">
+                <a:latin typeface="Source Code Pro" panose="020B0509030403020204" pitchFamily="49" charset="0"/>
+                <a:ea typeface="Source Code Pro" panose="020B0509030403020204" pitchFamily="49" charset="0"/>
+              </a:rPr>
+              <a:t>(Address location, decimal </a:t>
+            </a:r>
+            <a:r>
+              <a:rPr lang="en-US" sz="1800" dirty="0" err="1">
+                <a:latin typeface="Source Code Pro" panose="020B0509030403020204" pitchFamily="49" charset="0"/>
+                <a:ea typeface="Source Code Pro" panose="020B0509030403020204" pitchFamily="49" charset="0"/>
+              </a:rPr>
+              <a:t>salePrice</a:t>
+            </a:r>
+            <a:r>
+              <a:rPr lang="en-US" sz="1800" dirty="0">
+                <a:latin typeface="Source Code Pro" panose="020B0509030403020204" pitchFamily="49" charset="0"/>
+                <a:ea typeface="Source Code Pro" panose="020B0509030403020204" pitchFamily="49" charset="0"/>
+              </a:rPr>
+              <a:t>) =&gt;</a:t>
             </a:r>
           </a:p>
           <a:p>
@@ -14391,25 +14751,11 @@
               <a:buNone/>
             </a:pPr>
             <a:r>
-              <a:rPr lang="en-US" dirty="0">
-                <a:latin typeface="Source Code Pro" panose="020B0509030403020204" pitchFamily="49" charset="0"/>
-                <a:ea typeface="Source Code Pro" panose="020B0509030403020204" pitchFamily="49" charset="0"/>
-              </a:rPr>
-              <a:t>using (var file = new </a:t>
-            </a:r>
-            <a:r>
-              <a:rPr lang="en-US" dirty="0" err="1">
-                <a:latin typeface="Source Code Pro" panose="020B0509030403020204" pitchFamily="49" charset="0"/>
-                <a:ea typeface="Source Code Pro" panose="020B0509030403020204" pitchFamily="49" charset="0"/>
-              </a:rPr>
-              <a:t>System.IO.StreamWriter</a:t>
-            </a:r>
-            <a:r>
-              <a:rPr lang="en-US" dirty="0">
-                <a:latin typeface="Source Code Pro" panose="020B0509030403020204" pitchFamily="49" charset="0"/>
-                <a:ea typeface="Source Code Pro" panose="020B0509030403020204" pitchFamily="49" charset="0"/>
-              </a:rPr>
-              <a:t>("WriteLines2.txt"))</a:t>
+              <a:rPr lang="en-US" sz="1800" dirty="0">
+                <a:latin typeface="Source Code Pro" panose="020B0509030403020204" pitchFamily="49" charset="0"/>
+                <a:ea typeface="Source Code Pro" panose="020B0509030403020204" pitchFamily="49" charset="0"/>
+              </a:rPr>
+              <a:t>    location switch</a:t>
             </a:r>
           </a:p>
           <a:p>
@@ -14417,11 +14763,11 @@
               <a:buNone/>
             </a:pPr>
             <a:r>
-              <a:rPr lang="en-US" dirty="0">
-                <a:latin typeface="Source Code Pro" panose="020B0509030403020204" pitchFamily="49" charset="0"/>
-                <a:ea typeface="Source Code Pro" panose="020B0509030403020204" pitchFamily="49" charset="0"/>
-              </a:rPr>
-              <a:t>{</a:t>
+              <a:rPr lang="en-US" sz="1800" dirty="0">
+                <a:latin typeface="Source Code Pro" panose="020B0509030403020204" pitchFamily="49" charset="0"/>
+                <a:ea typeface="Source Code Pro" panose="020B0509030403020204" pitchFamily="49" charset="0"/>
+              </a:rPr>
+              <a:t>    {</a:t>
             </a:r>
           </a:p>
           <a:p>
@@ -14429,11 +14775,25 @@
               <a:buNone/>
             </a:pPr>
             <a:r>
-              <a:rPr lang="en-US" dirty="0">
-                <a:latin typeface="Source Code Pro" panose="020B0509030403020204" pitchFamily="49" charset="0"/>
-                <a:ea typeface="Source Code Pro" panose="020B0509030403020204" pitchFamily="49" charset="0"/>
-              </a:rPr>
-              <a:t>    foreach (string line in lines)</a:t>
+              <a:rPr lang="en-US" sz="1800" dirty="0">
+                <a:latin typeface="Source Code Pro" panose="020B0509030403020204" pitchFamily="49" charset="0"/>
+                <a:ea typeface="Source Code Pro" panose="020B0509030403020204" pitchFamily="49" charset="0"/>
+              </a:rPr>
+              <a:t>        { State: "WA" } =&gt; </a:t>
+            </a:r>
+            <a:r>
+              <a:rPr lang="en-US" sz="1800" dirty="0" err="1">
+                <a:latin typeface="Source Code Pro" panose="020B0509030403020204" pitchFamily="49" charset="0"/>
+                <a:ea typeface="Source Code Pro" panose="020B0509030403020204" pitchFamily="49" charset="0"/>
+              </a:rPr>
+              <a:t>salePrice</a:t>
+            </a:r>
+            <a:r>
+              <a:rPr lang="en-US" sz="1800" dirty="0">
+                <a:latin typeface="Source Code Pro" panose="020B0509030403020204" pitchFamily="49" charset="0"/>
+                <a:ea typeface="Source Code Pro" panose="020B0509030403020204" pitchFamily="49" charset="0"/>
+              </a:rPr>
+              <a:t> * 0.06M,</a:t>
             </a:r>
           </a:p>
           <a:p>
@@ -14441,11 +14801,25 @@
               <a:buNone/>
             </a:pPr>
             <a:r>
-              <a:rPr lang="en-US" dirty="0">
-                <a:latin typeface="Source Code Pro" panose="020B0509030403020204" pitchFamily="49" charset="0"/>
-                <a:ea typeface="Source Code Pro" panose="020B0509030403020204" pitchFamily="49" charset="0"/>
-              </a:rPr>
-              <a:t>    {</a:t>
+              <a:rPr lang="en-US" sz="1800" dirty="0">
+                <a:latin typeface="Source Code Pro" panose="020B0509030403020204" pitchFamily="49" charset="0"/>
+                <a:ea typeface="Source Code Pro" panose="020B0509030403020204" pitchFamily="49" charset="0"/>
+              </a:rPr>
+              <a:t>        { State: "MN" } =&gt; </a:t>
+            </a:r>
+            <a:r>
+              <a:rPr lang="en-US" sz="1800" dirty="0" err="1">
+                <a:latin typeface="Source Code Pro" panose="020B0509030403020204" pitchFamily="49" charset="0"/>
+                <a:ea typeface="Source Code Pro" panose="020B0509030403020204" pitchFamily="49" charset="0"/>
+              </a:rPr>
+              <a:t>salePrice</a:t>
+            </a:r>
+            <a:r>
+              <a:rPr lang="en-US" sz="1800" dirty="0">
+                <a:latin typeface="Source Code Pro" panose="020B0509030403020204" pitchFamily="49" charset="0"/>
+                <a:ea typeface="Source Code Pro" panose="020B0509030403020204" pitchFamily="49" charset="0"/>
+              </a:rPr>
+              <a:t> * 0.75M,</a:t>
             </a:r>
           </a:p>
           <a:p>
@@ -14453,25 +14827,25 @@
               <a:buNone/>
             </a:pPr>
             <a:r>
-              <a:rPr lang="en-US" dirty="0">
-                <a:latin typeface="Source Code Pro" panose="020B0509030403020204" pitchFamily="49" charset="0"/>
-                <a:ea typeface="Source Code Pro" panose="020B0509030403020204" pitchFamily="49" charset="0"/>
-              </a:rPr>
-              <a:t>        if (!</a:t>
-            </a:r>
-            <a:r>
-              <a:rPr lang="en-US" dirty="0" err="1">
-                <a:latin typeface="Source Code Pro" panose="020B0509030403020204" pitchFamily="49" charset="0"/>
-                <a:ea typeface="Source Code Pro" panose="020B0509030403020204" pitchFamily="49" charset="0"/>
-              </a:rPr>
-              <a:t>line.Contains</a:t>
-            </a:r>
-            <a:r>
-              <a:rPr lang="en-US" dirty="0">
-                <a:latin typeface="Source Code Pro" panose="020B0509030403020204" pitchFamily="49" charset="0"/>
-                <a:ea typeface="Source Code Pro" panose="020B0509030403020204" pitchFamily="49" charset="0"/>
-              </a:rPr>
-              <a:t>("Second"))</a:t>
+              <a:rPr lang="en-US" sz="1800" dirty="0">
+                <a:latin typeface="Source Code Pro" panose="020B0509030403020204" pitchFamily="49" charset="0"/>
+                <a:ea typeface="Source Code Pro" panose="020B0509030403020204" pitchFamily="49" charset="0"/>
+              </a:rPr>
+              <a:t>        { State: "MI" } =&gt; </a:t>
+            </a:r>
+            <a:r>
+              <a:rPr lang="en-US" sz="1800" dirty="0" err="1">
+                <a:latin typeface="Source Code Pro" panose="020B0509030403020204" pitchFamily="49" charset="0"/>
+                <a:ea typeface="Source Code Pro" panose="020B0509030403020204" pitchFamily="49" charset="0"/>
+              </a:rPr>
+              <a:t>salePrice</a:t>
+            </a:r>
+            <a:r>
+              <a:rPr lang="en-US" sz="1800" dirty="0">
+                <a:latin typeface="Source Code Pro" panose="020B0509030403020204" pitchFamily="49" charset="0"/>
+                <a:ea typeface="Source Code Pro" panose="020B0509030403020204" pitchFamily="49" charset="0"/>
+              </a:rPr>
+              <a:t> * 0.05M,</a:t>
             </a:r>
           </a:p>
           <a:p>
@@ -14479,11 +14853,11 @@
               <a:buNone/>
             </a:pPr>
             <a:r>
-              <a:rPr lang="en-US" dirty="0">
-                <a:latin typeface="Source Code Pro" panose="020B0509030403020204" pitchFamily="49" charset="0"/>
-                <a:ea typeface="Source Code Pro" panose="020B0509030403020204" pitchFamily="49" charset="0"/>
-              </a:rPr>
-              <a:t>        {</a:t>
+              <a:rPr lang="en-US" sz="1800" dirty="0">
+                <a:latin typeface="Source Code Pro" panose="020B0509030403020204" pitchFamily="49" charset="0"/>
+                <a:ea typeface="Source Code Pro" panose="020B0509030403020204" pitchFamily="49" charset="0"/>
+              </a:rPr>
+              <a:t>        // other cases removed for brevity...</a:t>
             </a:r>
           </a:p>
           <a:p>
@@ -14491,25 +14865,11 @@
               <a:buNone/>
             </a:pPr>
             <a:r>
-              <a:rPr lang="en-US" dirty="0">
-                <a:latin typeface="Source Code Pro" panose="020B0509030403020204" pitchFamily="49" charset="0"/>
-                <a:ea typeface="Source Code Pro" panose="020B0509030403020204" pitchFamily="49" charset="0"/>
-              </a:rPr>
-              <a:t>            </a:t>
-            </a:r>
-            <a:r>
-              <a:rPr lang="en-US" dirty="0" err="1">
-                <a:latin typeface="Source Code Pro" panose="020B0509030403020204" pitchFamily="49" charset="0"/>
-                <a:ea typeface="Source Code Pro" panose="020B0509030403020204" pitchFamily="49" charset="0"/>
-              </a:rPr>
-              <a:t>file.WriteLine</a:t>
-            </a:r>
-            <a:r>
-              <a:rPr lang="en-US" dirty="0">
-                <a:latin typeface="Source Code Pro" panose="020B0509030403020204" pitchFamily="49" charset="0"/>
-                <a:ea typeface="Source Code Pro" panose="020B0509030403020204" pitchFamily="49" charset="0"/>
-              </a:rPr>
-              <a:t>(line);</a:t>
+              <a:rPr lang="en-US" sz="1800" dirty="0">
+                <a:latin typeface="Source Code Pro" panose="020B0509030403020204" pitchFamily="49" charset="0"/>
+                <a:ea typeface="Source Code Pro" panose="020B0509030403020204" pitchFamily="49" charset="0"/>
+              </a:rPr>
+              <a:t>        _ =&gt; 0M</a:t>
             </a:r>
           </a:p>
           <a:p>
@@ -14517,123 +14877,11 @@
               <a:buNone/>
             </a:pPr>
             <a:r>
-              <a:rPr lang="en-US" dirty="0">
-                <a:latin typeface="Source Code Pro" panose="020B0509030403020204" pitchFamily="49" charset="0"/>
-                <a:ea typeface="Source Code Pro" panose="020B0509030403020204" pitchFamily="49" charset="0"/>
-              </a:rPr>
-              <a:t>        }</a:t>
-            </a:r>
-          </a:p>
-          <a:p>
-            <a:pPr marL="0" indent="0">
-              <a:buNone/>
-            </a:pPr>
-            <a:r>
-              <a:rPr lang="en-US" dirty="0">
-                <a:latin typeface="Source Code Pro" panose="020B0509030403020204" pitchFamily="49" charset="0"/>
-                <a:ea typeface="Source Code Pro" panose="020B0509030403020204" pitchFamily="49" charset="0"/>
-              </a:rPr>
-              <a:t>        else</a:t>
-            </a:r>
-          </a:p>
-          <a:p>
-            <a:pPr marL="0" indent="0">
-              <a:buNone/>
-            </a:pPr>
-            <a:r>
-              <a:rPr lang="en-US" dirty="0">
-                <a:latin typeface="Source Code Pro" panose="020B0509030403020204" pitchFamily="49" charset="0"/>
-                <a:ea typeface="Source Code Pro" panose="020B0509030403020204" pitchFamily="49" charset="0"/>
-              </a:rPr>
-              <a:t>        {</a:t>
-            </a:r>
-          </a:p>
-          <a:p>
-            <a:pPr marL="0" indent="0">
-              <a:buNone/>
-            </a:pPr>
-            <a:r>
-              <a:rPr lang="en-US" dirty="0">
-                <a:latin typeface="Source Code Pro" panose="020B0509030403020204" pitchFamily="49" charset="0"/>
-                <a:ea typeface="Source Code Pro" panose="020B0509030403020204" pitchFamily="49" charset="0"/>
-              </a:rPr>
-              <a:t>            </a:t>
-            </a:r>
-            <a:r>
-              <a:rPr lang="en-US" dirty="0" err="1">
-                <a:latin typeface="Source Code Pro" panose="020B0509030403020204" pitchFamily="49" charset="0"/>
-                <a:ea typeface="Source Code Pro" panose="020B0509030403020204" pitchFamily="49" charset="0"/>
-              </a:rPr>
-              <a:t>skippedLines</a:t>
-            </a:r>
-            <a:r>
-              <a:rPr lang="en-US" dirty="0">
-                <a:latin typeface="Source Code Pro" panose="020B0509030403020204" pitchFamily="49" charset="0"/>
-                <a:ea typeface="Source Code Pro" panose="020B0509030403020204" pitchFamily="49" charset="0"/>
-              </a:rPr>
-              <a:t>++;</a:t>
-            </a:r>
-          </a:p>
-          <a:p>
-            <a:pPr marL="0" indent="0">
-              <a:buNone/>
-            </a:pPr>
-            <a:r>
-              <a:rPr lang="en-US" dirty="0">
-                <a:latin typeface="Source Code Pro" panose="020B0509030403020204" pitchFamily="49" charset="0"/>
-                <a:ea typeface="Source Code Pro" panose="020B0509030403020204" pitchFamily="49" charset="0"/>
-              </a:rPr>
-              <a:t>        }</a:t>
-            </a:r>
-          </a:p>
-          <a:p>
-            <a:pPr marL="0" indent="0">
-              <a:buNone/>
-            </a:pPr>
-            <a:r>
-              <a:rPr lang="en-US" dirty="0">
-                <a:latin typeface="Source Code Pro" panose="020B0509030403020204" pitchFamily="49" charset="0"/>
-                <a:ea typeface="Source Code Pro" panose="020B0509030403020204" pitchFamily="49" charset="0"/>
-              </a:rPr>
-              <a:t>    }</a:t>
-            </a:r>
-          </a:p>
-          <a:p>
-            <a:pPr marL="0" indent="0">
-              <a:buNone/>
-            </a:pPr>
-            <a:r>
-              <a:rPr lang="en-US" dirty="0">
-                <a:latin typeface="Source Code Pro" panose="020B0509030403020204" pitchFamily="49" charset="0"/>
-                <a:ea typeface="Source Code Pro" panose="020B0509030403020204" pitchFamily="49" charset="0"/>
-              </a:rPr>
-              <a:t>} // file is disposed here</a:t>
-            </a:r>
-          </a:p>
-          <a:p>
-            <a:pPr marL="0" indent="0">
-              <a:buNone/>
-            </a:pPr>
-            <a:r>
-              <a:rPr lang="en-US" dirty="0">
-                <a:latin typeface="Source Code Pro" panose="020B0509030403020204" pitchFamily="49" charset="0"/>
-                <a:ea typeface="Source Code Pro" panose="020B0509030403020204" pitchFamily="49" charset="0"/>
-              </a:rPr>
-              <a:t>return </a:t>
-            </a:r>
-            <a:r>
-              <a:rPr lang="en-US" dirty="0" err="1">
-                <a:latin typeface="Source Code Pro" panose="020B0509030403020204" pitchFamily="49" charset="0"/>
-                <a:ea typeface="Source Code Pro" panose="020B0509030403020204" pitchFamily="49" charset="0"/>
-              </a:rPr>
-              <a:t>skippedLines</a:t>
-            </a:r>
-            <a:r>
-              <a:rPr lang="en-US" dirty="0">
-                <a:latin typeface="Source Code Pro" panose="020B0509030403020204" pitchFamily="49" charset="0"/>
-                <a:ea typeface="Source Code Pro" panose="020B0509030403020204" pitchFamily="49" charset="0"/>
-              </a:rPr>
-              <a:t>;</a:t>
+              <a:rPr lang="en-US" sz="1800" dirty="0">
+                <a:latin typeface="Source Code Pro" panose="020B0509030403020204" pitchFamily="49" charset="0"/>
+                <a:ea typeface="Source Code Pro" panose="020B0509030403020204" pitchFamily="49" charset="0"/>
+              </a:rPr>
+              <a:t>    };</a:t>
             </a:r>
           </a:p>
         </p:txBody>
@@ -14641,7 +14889,7 @@
     </p:spTree>
     <p:extLst>
       <p:ext uri="{BB962C8B-B14F-4D97-AF65-F5344CB8AC3E}">
-        <p14:creationId xmlns:p14="http://schemas.microsoft.com/office/powerpoint/2010/main" val="2030567515"/>
+        <p14:creationId xmlns:p14="http://schemas.microsoft.com/office/powerpoint/2010/main" val="166549143"/>
       </p:ext>
     </p:extLst>
   </p:cSld>
@@ -14673,7 +14921,7 @@
           <p:cNvPr id="2" name="Title 1">
             <a:extLst>
               <a:ext uri="{FF2B5EF4-FFF2-40B4-BE49-F238E27FC236}">
-                <a16:creationId xmlns:a16="http://schemas.microsoft.com/office/drawing/2014/main" id="{6268C764-6F41-460A-B803-4588B13EFBF9}"/>
+                <a16:creationId xmlns:a16="http://schemas.microsoft.com/office/drawing/2014/main" id="{B8C11AD9-74A8-4DF7-B9B6-22156FE41C24}"/>
               </a:ext>
             </a:extLst>
           </p:cNvPr>
@@ -14701,7 +14949,7 @@
           <p:cNvPr id="3" name="Content Placeholder 2">
             <a:extLst>
               <a:ext uri="{FF2B5EF4-FFF2-40B4-BE49-F238E27FC236}">
-                <a16:creationId xmlns:a16="http://schemas.microsoft.com/office/drawing/2014/main" id="{665E073C-AD62-4AFB-AC97-82B9DB372672}"/>
+                <a16:creationId xmlns:a16="http://schemas.microsoft.com/office/drawing/2014/main" id="{850C2735-42A4-41D0-9AEA-68BB3D415EC2}"/>
               </a:ext>
             </a:extLst>
           </p:cNvPr>
@@ -14712,10 +14960,15 @@
             <p:ph idx="1"/>
           </p:nvPr>
         </p:nvSpPr>
-        <p:spPr/>
+        <p:spPr>
+          <a:xfrm>
+            <a:off x="3869268" y="184558"/>
+            <a:ext cx="7784602" cy="6333688"/>
+          </a:xfrm>
+        </p:spPr>
         <p:txBody>
           <a:bodyPr>
-            <a:normAutofit fontScale="70000" lnSpcReduction="20000"/>
+            <a:normAutofit fontScale="92500" lnSpcReduction="10000"/>
           </a:bodyPr>
           <a:lstStyle/>
           <a:p>
@@ -14727,13 +14980,39 @@
                 <a:latin typeface="Source Code Pro" panose="020B0509030403020204" pitchFamily="49" charset="0"/>
                 <a:ea typeface="Source Code Pro" panose="020B0509030403020204" pitchFamily="49" charset="0"/>
               </a:rPr>
-              <a:t>using var file = new </a:t>
+              <a:t>int </a:t>
             </a:r>
             <a:r>
               <a:rPr lang="en-US" dirty="0" err="1">
                 <a:latin typeface="Source Code Pro" panose="020B0509030403020204" pitchFamily="49" charset="0"/>
                 <a:ea typeface="Source Code Pro" panose="020B0509030403020204" pitchFamily="49" charset="0"/>
               </a:rPr>
+              <a:t>skippedLines</a:t>
+            </a:r>
+            <a:r>
+              <a:rPr lang="en-US" dirty="0">
+                <a:latin typeface="Source Code Pro" panose="020B0509030403020204" pitchFamily="49" charset="0"/>
+                <a:ea typeface="Source Code Pro" panose="020B0509030403020204" pitchFamily="49" charset="0"/>
+              </a:rPr>
+              <a:t> = 0;</a:t>
+            </a:r>
+          </a:p>
+          <a:p>
+            <a:pPr marL="0" indent="0">
+              <a:buNone/>
+            </a:pPr>
+            <a:r>
+              <a:rPr lang="en-US" dirty="0">
+                <a:latin typeface="Source Code Pro" panose="020B0509030403020204" pitchFamily="49" charset="0"/>
+                <a:ea typeface="Source Code Pro" panose="020B0509030403020204" pitchFamily="49" charset="0"/>
+              </a:rPr>
+              <a:t>using (var file = new </a:t>
+            </a:r>
+            <a:r>
+              <a:rPr lang="en-US" dirty="0" err="1">
+                <a:latin typeface="Source Code Pro" panose="020B0509030403020204" pitchFamily="49" charset="0"/>
+                <a:ea typeface="Source Code Pro" panose="020B0509030403020204" pitchFamily="49" charset="0"/>
+              </a:rPr>
               <a:t>System.IO.StreamWriter</a:t>
             </a:r>
             <a:r>
@@ -14741,7 +15020,7 @@
                 <a:latin typeface="Source Code Pro" panose="020B0509030403020204" pitchFamily="49" charset="0"/>
                 <a:ea typeface="Source Code Pro" panose="020B0509030403020204" pitchFamily="49" charset="0"/>
               </a:rPr>
-              <a:t>("WriteLines2.txt");</a:t>
+              <a:t>("WriteLines2.txt"))</a:t>
             </a:r>
           </a:p>
           <a:p>
@@ -14753,13 +15032,149 @@
                 <a:latin typeface="Source Code Pro" panose="020B0509030403020204" pitchFamily="49" charset="0"/>
                 <a:ea typeface="Source Code Pro" panose="020B0509030403020204" pitchFamily="49" charset="0"/>
               </a:rPr>
-              <a:t>// Notice how we declare </a:t>
+              <a:t>{</a:t>
+            </a:r>
+          </a:p>
+          <a:p>
+            <a:pPr marL="0" indent="0">
+              <a:buNone/>
+            </a:pPr>
+            <a:r>
+              <a:rPr lang="en-US" dirty="0">
+                <a:latin typeface="Source Code Pro" panose="020B0509030403020204" pitchFamily="49" charset="0"/>
+                <a:ea typeface="Source Code Pro" panose="020B0509030403020204" pitchFamily="49" charset="0"/>
+              </a:rPr>
+              <a:t>    foreach (string line in lines)</a:t>
+            </a:r>
+          </a:p>
+          <a:p>
+            <a:pPr marL="0" indent="0">
+              <a:buNone/>
+            </a:pPr>
+            <a:r>
+              <a:rPr lang="en-US" dirty="0">
+                <a:latin typeface="Source Code Pro" panose="020B0509030403020204" pitchFamily="49" charset="0"/>
+                <a:ea typeface="Source Code Pro" panose="020B0509030403020204" pitchFamily="49" charset="0"/>
+              </a:rPr>
+              <a:t>    {</a:t>
+            </a:r>
+          </a:p>
+          <a:p>
+            <a:pPr marL="0" indent="0">
+              <a:buNone/>
+            </a:pPr>
+            <a:r>
+              <a:rPr lang="en-US" dirty="0">
+                <a:latin typeface="Source Code Pro" panose="020B0509030403020204" pitchFamily="49" charset="0"/>
+                <a:ea typeface="Source Code Pro" panose="020B0509030403020204" pitchFamily="49" charset="0"/>
+              </a:rPr>
+              <a:t>        if (!</a:t>
             </a:r>
             <a:r>
               <a:rPr lang="en-US" dirty="0" err="1">
                 <a:latin typeface="Source Code Pro" panose="020B0509030403020204" pitchFamily="49" charset="0"/>
                 <a:ea typeface="Source Code Pro" panose="020B0509030403020204" pitchFamily="49" charset="0"/>
               </a:rPr>
+              <a:t>line.Contains</a:t>
+            </a:r>
+            <a:r>
+              <a:rPr lang="en-US" dirty="0">
+                <a:latin typeface="Source Code Pro" panose="020B0509030403020204" pitchFamily="49" charset="0"/>
+                <a:ea typeface="Source Code Pro" panose="020B0509030403020204" pitchFamily="49" charset="0"/>
+              </a:rPr>
+              <a:t>("Second"))</a:t>
+            </a:r>
+          </a:p>
+          <a:p>
+            <a:pPr marL="0" indent="0">
+              <a:buNone/>
+            </a:pPr>
+            <a:r>
+              <a:rPr lang="en-US" dirty="0">
+                <a:latin typeface="Source Code Pro" panose="020B0509030403020204" pitchFamily="49" charset="0"/>
+                <a:ea typeface="Source Code Pro" panose="020B0509030403020204" pitchFamily="49" charset="0"/>
+              </a:rPr>
+              <a:t>        {</a:t>
+            </a:r>
+          </a:p>
+          <a:p>
+            <a:pPr marL="0" indent="0">
+              <a:buNone/>
+            </a:pPr>
+            <a:r>
+              <a:rPr lang="en-US" dirty="0">
+                <a:latin typeface="Source Code Pro" panose="020B0509030403020204" pitchFamily="49" charset="0"/>
+                <a:ea typeface="Source Code Pro" panose="020B0509030403020204" pitchFamily="49" charset="0"/>
+              </a:rPr>
+              <a:t>            </a:t>
+            </a:r>
+            <a:r>
+              <a:rPr lang="en-US" dirty="0" err="1">
+                <a:latin typeface="Source Code Pro" panose="020B0509030403020204" pitchFamily="49" charset="0"/>
+                <a:ea typeface="Source Code Pro" panose="020B0509030403020204" pitchFamily="49" charset="0"/>
+              </a:rPr>
+              <a:t>file.WriteLine</a:t>
+            </a:r>
+            <a:r>
+              <a:rPr lang="en-US" dirty="0">
+                <a:latin typeface="Source Code Pro" panose="020B0509030403020204" pitchFamily="49" charset="0"/>
+                <a:ea typeface="Source Code Pro" panose="020B0509030403020204" pitchFamily="49" charset="0"/>
+              </a:rPr>
+              <a:t>(line);</a:t>
+            </a:r>
+          </a:p>
+          <a:p>
+            <a:pPr marL="0" indent="0">
+              <a:buNone/>
+            </a:pPr>
+            <a:r>
+              <a:rPr lang="en-US" dirty="0">
+                <a:latin typeface="Source Code Pro" panose="020B0509030403020204" pitchFamily="49" charset="0"/>
+                <a:ea typeface="Source Code Pro" panose="020B0509030403020204" pitchFamily="49" charset="0"/>
+              </a:rPr>
+              <a:t>        }</a:t>
+            </a:r>
+          </a:p>
+          <a:p>
+            <a:pPr marL="0" indent="0">
+              <a:buNone/>
+            </a:pPr>
+            <a:r>
+              <a:rPr lang="en-US" dirty="0">
+                <a:latin typeface="Source Code Pro" panose="020B0509030403020204" pitchFamily="49" charset="0"/>
+                <a:ea typeface="Source Code Pro" panose="020B0509030403020204" pitchFamily="49" charset="0"/>
+              </a:rPr>
+              <a:t>        else</a:t>
+            </a:r>
+          </a:p>
+          <a:p>
+            <a:pPr marL="0" indent="0">
+              <a:buNone/>
+            </a:pPr>
+            <a:r>
+              <a:rPr lang="en-US" dirty="0">
+                <a:latin typeface="Source Code Pro" panose="020B0509030403020204" pitchFamily="49" charset="0"/>
+                <a:ea typeface="Source Code Pro" panose="020B0509030403020204" pitchFamily="49" charset="0"/>
+              </a:rPr>
+              <a:t>        {</a:t>
+            </a:r>
+          </a:p>
+          <a:p>
+            <a:pPr marL="0" indent="0">
+              <a:buNone/>
+            </a:pPr>
+            <a:r>
+              <a:rPr lang="en-US" dirty="0">
+                <a:latin typeface="Source Code Pro" panose="020B0509030403020204" pitchFamily="49" charset="0"/>
+                <a:ea typeface="Source Code Pro" panose="020B0509030403020204" pitchFamily="49" charset="0"/>
+              </a:rPr>
+              <a:t>            </a:t>
+            </a:r>
+            <a:r>
+              <a:rPr lang="en-US" dirty="0" err="1">
+                <a:latin typeface="Source Code Pro" panose="020B0509030403020204" pitchFamily="49" charset="0"/>
+                <a:ea typeface="Source Code Pro" panose="020B0509030403020204" pitchFamily="49" charset="0"/>
+              </a:rPr>
               <a:t>skippedLines</a:t>
             </a:r>
             <a:r>
@@ -14767,7 +15182,7 @@
                 <a:latin typeface="Source Code Pro" panose="020B0509030403020204" pitchFamily="49" charset="0"/>
                 <a:ea typeface="Source Code Pro" panose="020B0509030403020204" pitchFamily="49" charset="0"/>
               </a:rPr>
-              <a:t> after the using statement.</a:t>
+              <a:t>++;</a:t>
             </a:r>
           </a:p>
           <a:p>
@@ -14779,7 +15194,43 @@
                 <a:latin typeface="Source Code Pro" panose="020B0509030403020204" pitchFamily="49" charset="0"/>
                 <a:ea typeface="Source Code Pro" panose="020B0509030403020204" pitchFamily="49" charset="0"/>
               </a:rPr>
-              <a:t>int </a:t>
+              <a:t>        }</a:t>
+            </a:r>
+          </a:p>
+          <a:p>
+            <a:pPr marL="0" indent="0">
+              <a:buNone/>
+            </a:pPr>
+            <a:r>
+              <a:rPr lang="en-US" dirty="0">
+                <a:latin typeface="Source Code Pro" panose="020B0509030403020204" pitchFamily="49" charset="0"/>
+                <a:ea typeface="Source Code Pro" panose="020B0509030403020204" pitchFamily="49" charset="0"/>
+              </a:rPr>
+              <a:t>    }</a:t>
+            </a:r>
+          </a:p>
+          <a:p>
+            <a:pPr marL="0" indent="0">
+              <a:buNone/>
+            </a:pPr>
+            <a:r>
+              <a:rPr lang="en-US" dirty="0">
+                <a:latin typeface="Source Code Pro" panose="020B0509030403020204" pitchFamily="49" charset="0"/>
+                <a:ea typeface="Source Code Pro" panose="020B0509030403020204" pitchFamily="49" charset="0"/>
+              </a:rPr>
+              <a:t>} // file is disposed here</a:t>
+            </a:r>
+          </a:p>
+          <a:p>
+            <a:pPr marL="0" indent="0">
+              <a:buNone/>
+            </a:pPr>
+            <a:r>
+              <a:rPr lang="en-US" dirty="0">
+                <a:latin typeface="Source Code Pro" panose="020B0509030403020204" pitchFamily="49" charset="0"/>
+                <a:ea typeface="Source Code Pro" panose="020B0509030403020204" pitchFamily="49" charset="0"/>
+              </a:rPr>
+              <a:t>return </a:t>
             </a:r>
             <a:r>
               <a:rPr lang="en-US" dirty="0" err="1">
@@ -14793,245 +15244,7 @@
                 <a:latin typeface="Source Code Pro" panose="020B0509030403020204" pitchFamily="49" charset="0"/>
                 <a:ea typeface="Source Code Pro" panose="020B0509030403020204" pitchFamily="49" charset="0"/>
               </a:rPr>
-              <a:t> = 0;</a:t>
-            </a:r>
-          </a:p>
-          <a:p>
-            <a:pPr marL="0" indent="0">
-              <a:buNone/>
-            </a:pPr>
-            <a:r>
-              <a:rPr lang="en-US" dirty="0">
-                <a:latin typeface="Source Code Pro" panose="020B0509030403020204" pitchFamily="49" charset="0"/>
-                <a:ea typeface="Source Code Pro" panose="020B0509030403020204" pitchFamily="49" charset="0"/>
-              </a:rPr>
-              <a:t>foreach (string line in lines)</a:t>
-            </a:r>
-          </a:p>
-          <a:p>
-            <a:pPr marL="0" indent="0">
-              <a:buNone/>
-            </a:pPr>
-            <a:r>
-              <a:rPr lang="en-US" dirty="0">
-                <a:latin typeface="Source Code Pro" panose="020B0509030403020204" pitchFamily="49" charset="0"/>
-                <a:ea typeface="Source Code Pro" panose="020B0509030403020204" pitchFamily="49" charset="0"/>
-              </a:rPr>
-              <a:t>{</a:t>
-            </a:r>
-          </a:p>
-          <a:p>
-            <a:pPr marL="0" indent="0">
-              <a:buNone/>
-            </a:pPr>
-            <a:r>
-              <a:rPr lang="en-US" dirty="0">
-                <a:latin typeface="Source Code Pro" panose="020B0509030403020204" pitchFamily="49" charset="0"/>
-                <a:ea typeface="Source Code Pro" panose="020B0509030403020204" pitchFamily="49" charset="0"/>
-              </a:rPr>
-              <a:t>    if (!</a:t>
-            </a:r>
-            <a:r>
-              <a:rPr lang="en-US" dirty="0" err="1">
-                <a:latin typeface="Source Code Pro" panose="020B0509030403020204" pitchFamily="49" charset="0"/>
-                <a:ea typeface="Source Code Pro" panose="020B0509030403020204" pitchFamily="49" charset="0"/>
-              </a:rPr>
-              <a:t>line.Contains</a:t>
-            </a:r>
-            <a:r>
-              <a:rPr lang="en-US" dirty="0">
-                <a:latin typeface="Source Code Pro" panose="020B0509030403020204" pitchFamily="49" charset="0"/>
-                <a:ea typeface="Source Code Pro" panose="020B0509030403020204" pitchFamily="49" charset="0"/>
-              </a:rPr>
-              <a:t>("Second"))</a:t>
-            </a:r>
-          </a:p>
-          <a:p>
-            <a:pPr marL="0" indent="0">
-              <a:buNone/>
-            </a:pPr>
-            <a:r>
-              <a:rPr lang="en-US" dirty="0">
-                <a:latin typeface="Source Code Pro" panose="020B0509030403020204" pitchFamily="49" charset="0"/>
-                <a:ea typeface="Source Code Pro" panose="020B0509030403020204" pitchFamily="49" charset="0"/>
-              </a:rPr>
-              <a:t>    {</a:t>
-            </a:r>
-          </a:p>
-          <a:p>
-            <a:pPr marL="0" indent="0">
-              <a:buNone/>
-            </a:pPr>
-            <a:r>
-              <a:rPr lang="en-US" dirty="0">
-                <a:latin typeface="Source Code Pro" panose="020B0509030403020204" pitchFamily="49" charset="0"/>
-                <a:ea typeface="Source Code Pro" panose="020B0509030403020204" pitchFamily="49" charset="0"/>
-              </a:rPr>
-              <a:t>        </a:t>
-            </a:r>
-            <a:r>
-              <a:rPr lang="en-US" dirty="0" err="1">
-                <a:latin typeface="Source Code Pro" panose="020B0509030403020204" pitchFamily="49" charset="0"/>
-                <a:ea typeface="Source Code Pro" panose="020B0509030403020204" pitchFamily="49" charset="0"/>
-              </a:rPr>
-              <a:t>file.WriteLine</a:t>
-            </a:r>
-            <a:r>
-              <a:rPr lang="en-US" dirty="0">
-                <a:latin typeface="Source Code Pro" panose="020B0509030403020204" pitchFamily="49" charset="0"/>
-                <a:ea typeface="Source Code Pro" panose="020B0509030403020204" pitchFamily="49" charset="0"/>
-              </a:rPr>
-              <a:t>(line);</a:t>
-            </a:r>
-          </a:p>
-          <a:p>
-            <a:pPr marL="0" indent="0">
-              <a:buNone/>
-            </a:pPr>
-            <a:r>
-              <a:rPr lang="en-US" dirty="0">
-                <a:latin typeface="Source Code Pro" panose="020B0509030403020204" pitchFamily="49" charset="0"/>
-                <a:ea typeface="Source Code Pro" panose="020B0509030403020204" pitchFamily="49" charset="0"/>
-              </a:rPr>
-              <a:t>    }</a:t>
-            </a:r>
-          </a:p>
-          <a:p>
-            <a:pPr marL="0" indent="0">
-              <a:buNone/>
-            </a:pPr>
-            <a:r>
-              <a:rPr lang="en-US" dirty="0">
-                <a:latin typeface="Source Code Pro" panose="020B0509030403020204" pitchFamily="49" charset="0"/>
-                <a:ea typeface="Source Code Pro" panose="020B0509030403020204" pitchFamily="49" charset="0"/>
-              </a:rPr>
-              <a:t>    else</a:t>
-            </a:r>
-          </a:p>
-          <a:p>
-            <a:pPr marL="0" indent="0">
-              <a:buNone/>
-            </a:pPr>
-            <a:r>
-              <a:rPr lang="en-US" dirty="0">
-                <a:latin typeface="Source Code Pro" panose="020B0509030403020204" pitchFamily="49" charset="0"/>
-                <a:ea typeface="Source Code Pro" panose="020B0509030403020204" pitchFamily="49" charset="0"/>
-              </a:rPr>
-              <a:t>    {</a:t>
-            </a:r>
-          </a:p>
-          <a:p>
-            <a:pPr marL="0" indent="0">
-              <a:buNone/>
-            </a:pPr>
-            <a:r>
-              <a:rPr lang="en-US" dirty="0">
-                <a:latin typeface="Source Code Pro" panose="020B0509030403020204" pitchFamily="49" charset="0"/>
-                <a:ea typeface="Source Code Pro" panose="020B0509030403020204" pitchFamily="49" charset="0"/>
-              </a:rPr>
-              <a:t>        </a:t>
-            </a:r>
-            <a:r>
-              <a:rPr lang="en-US" dirty="0" err="1">
-                <a:latin typeface="Source Code Pro" panose="020B0509030403020204" pitchFamily="49" charset="0"/>
-                <a:ea typeface="Source Code Pro" panose="020B0509030403020204" pitchFamily="49" charset="0"/>
-              </a:rPr>
-              <a:t>skippedLines</a:t>
-            </a:r>
-            <a:r>
-              <a:rPr lang="en-US" dirty="0">
-                <a:latin typeface="Source Code Pro" panose="020B0509030403020204" pitchFamily="49" charset="0"/>
-                <a:ea typeface="Source Code Pro" panose="020B0509030403020204" pitchFamily="49" charset="0"/>
-              </a:rPr>
-              <a:t>++;</a:t>
-            </a:r>
-          </a:p>
-          <a:p>
-            <a:pPr marL="0" indent="0">
-              <a:buNone/>
-            </a:pPr>
-            <a:r>
-              <a:rPr lang="en-US" dirty="0">
-                <a:latin typeface="Source Code Pro" panose="020B0509030403020204" pitchFamily="49" charset="0"/>
-                <a:ea typeface="Source Code Pro" panose="020B0509030403020204" pitchFamily="49" charset="0"/>
-              </a:rPr>
-              <a:t>    }</a:t>
-            </a:r>
-          </a:p>
-          <a:p>
-            <a:pPr marL="0" indent="0">
-              <a:buNone/>
-            </a:pPr>
-            <a:r>
-              <a:rPr lang="en-US" dirty="0">
-                <a:latin typeface="Source Code Pro" panose="020B0509030403020204" pitchFamily="49" charset="0"/>
-                <a:ea typeface="Source Code Pro" panose="020B0509030403020204" pitchFamily="49" charset="0"/>
-              </a:rPr>
-              <a:t>}</a:t>
-            </a:r>
-          </a:p>
-          <a:p>
-            <a:pPr marL="0" indent="0">
-              <a:buNone/>
-            </a:pPr>
-            <a:r>
-              <a:rPr lang="en-US" dirty="0">
-                <a:latin typeface="Source Code Pro" panose="020B0509030403020204" pitchFamily="49" charset="0"/>
-                <a:ea typeface="Source Code Pro" panose="020B0509030403020204" pitchFamily="49" charset="0"/>
-              </a:rPr>
-              <a:t>// Notice how </a:t>
-            </a:r>
-            <a:r>
-              <a:rPr lang="en-US" dirty="0" err="1">
-                <a:latin typeface="Source Code Pro" panose="020B0509030403020204" pitchFamily="49" charset="0"/>
-                <a:ea typeface="Source Code Pro" panose="020B0509030403020204" pitchFamily="49" charset="0"/>
-              </a:rPr>
-              <a:t>skippedLines</a:t>
-            </a:r>
-            <a:r>
-              <a:rPr lang="en-US" dirty="0">
-                <a:latin typeface="Source Code Pro" panose="020B0509030403020204" pitchFamily="49" charset="0"/>
-                <a:ea typeface="Source Code Pro" panose="020B0509030403020204" pitchFamily="49" charset="0"/>
-              </a:rPr>
-              <a:t> is in scope here.</a:t>
-            </a:r>
-          </a:p>
-          <a:p>
-            <a:pPr marL="0" indent="0">
-              <a:buNone/>
-            </a:pPr>
-            <a:r>
-              <a:rPr lang="en-US" dirty="0">
-                <a:latin typeface="Source Code Pro" panose="020B0509030403020204" pitchFamily="49" charset="0"/>
-                <a:ea typeface="Source Code Pro" panose="020B0509030403020204" pitchFamily="49" charset="0"/>
-              </a:rPr>
-              <a:t>return </a:t>
-            </a:r>
-            <a:r>
-              <a:rPr lang="en-US" dirty="0" err="1">
-                <a:latin typeface="Source Code Pro" panose="020B0509030403020204" pitchFamily="49" charset="0"/>
-                <a:ea typeface="Source Code Pro" panose="020B0509030403020204" pitchFamily="49" charset="0"/>
-              </a:rPr>
-              <a:t>skippedLines</a:t>
-            </a:r>
-            <a:r>
-              <a:rPr lang="en-US" dirty="0">
-                <a:latin typeface="Source Code Pro" panose="020B0509030403020204" pitchFamily="49" charset="0"/>
-                <a:ea typeface="Source Code Pro" panose="020B0509030403020204" pitchFamily="49" charset="0"/>
-              </a:rPr>
               <a:t>;</a:t>
-            </a:r>
-          </a:p>
-          <a:p>
-            <a:pPr marL="0" indent="0">
-              <a:buNone/>
-            </a:pPr>
-            <a:r>
-              <a:rPr lang="en-US" dirty="0">
-                <a:latin typeface="Source Code Pro" panose="020B0509030403020204" pitchFamily="49" charset="0"/>
-                <a:ea typeface="Source Code Pro" panose="020B0509030403020204" pitchFamily="49" charset="0"/>
-              </a:rPr>
-              <a:t>// file is disposed here</a:t>
             </a:r>
           </a:p>
         </p:txBody>
@@ -15039,7 +15252,7 @@
     </p:spTree>
     <p:extLst>
       <p:ext uri="{BB962C8B-B14F-4D97-AF65-F5344CB8AC3E}">
-        <p14:creationId xmlns:p14="http://schemas.microsoft.com/office/powerpoint/2010/main" val="3479424152"/>
+        <p14:creationId xmlns:p14="http://schemas.microsoft.com/office/powerpoint/2010/main" val="2030567515"/>
       </p:ext>
     </p:extLst>
   </p:cSld>
@@ -15071,7 +15284,7 @@
           <p:cNvPr id="2" name="Title 1">
             <a:extLst>
               <a:ext uri="{FF2B5EF4-FFF2-40B4-BE49-F238E27FC236}">
-                <a16:creationId xmlns:a16="http://schemas.microsoft.com/office/drawing/2014/main" id="{F2A6AEDE-D37F-4B55-8529-BE1C1E230B27}"/>
+                <a16:creationId xmlns:a16="http://schemas.microsoft.com/office/drawing/2014/main" id="{6268C764-6F41-460A-B803-4588B13EFBF9}"/>
               </a:ext>
             </a:extLst>
           </p:cNvPr>
@@ -15089,7 +15302,7 @@
           <a:p>
             <a:r>
               <a:rPr lang="en-US" dirty="0"/>
-              <a:t>Nullable Reference Types</a:t>
+              <a:t>Using Declarations</a:t>
             </a:r>
           </a:p>
         </p:txBody>
@@ -15099,7 +15312,7 @@
           <p:cNvPr id="3" name="Content Placeholder 2">
             <a:extLst>
               <a:ext uri="{FF2B5EF4-FFF2-40B4-BE49-F238E27FC236}">
-                <a16:creationId xmlns:a16="http://schemas.microsoft.com/office/drawing/2014/main" id="{DFD6D17E-3F69-4234-9D43-204C2E1BDD35}"/>
+                <a16:creationId xmlns:a16="http://schemas.microsoft.com/office/drawing/2014/main" id="{665E073C-AD62-4AFB-AC97-82B9DB372672}"/>
               </a:ext>
             </a:extLst>
           </p:cNvPr>
@@ -15113,7 +15326,7 @@
         <p:spPr/>
         <p:txBody>
           <a:bodyPr>
-            <a:normAutofit/>
+            <a:normAutofit fontScale="70000" lnSpcReduction="20000"/>
           </a:bodyPr>
           <a:lstStyle/>
           <a:p>
@@ -15121,16 +15334,25 @@
               <a:buNone/>
             </a:pPr>
             <a:r>
-              <a:rPr lang="en-US" sz="2800" dirty="0"/>
-              <a:t>Add the following to the </a:t>
-            </a:r>
-            <a:r>
-              <a:rPr lang="en-US" sz="2800" dirty="0" err="1"/>
-              <a:t>csproj</a:t>
-            </a:r>
-            <a:r>
-              <a:rPr lang="en-US" sz="2800" dirty="0"/>
-              <a:t> file</a:t>
+              <a:rPr lang="en-US" dirty="0">
+                <a:latin typeface="Source Code Pro" panose="020B0509030403020204" pitchFamily="49" charset="0"/>
+                <a:ea typeface="Source Code Pro" panose="020B0509030403020204" pitchFamily="49" charset="0"/>
+              </a:rPr>
+              <a:t>using var file = new </a:t>
+            </a:r>
+            <a:r>
+              <a:rPr lang="en-US" dirty="0" err="1">
+                <a:latin typeface="Source Code Pro" panose="020B0509030403020204" pitchFamily="49" charset="0"/>
+                <a:ea typeface="Source Code Pro" panose="020B0509030403020204" pitchFamily="49" charset="0"/>
+              </a:rPr>
+              <a:t>System.IO.StreamWriter</a:t>
+            </a:r>
+            <a:r>
+              <a:rPr lang="en-US" dirty="0">
+                <a:latin typeface="Source Code Pro" panose="020B0509030403020204" pitchFamily="49" charset="0"/>
+                <a:ea typeface="Source Code Pro" panose="020B0509030403020204" pitchFamily="49" charset="0"/>
+              </a:rPr>
+              <a:t>("WriteLines2.txt");</a:t>
             </a:r>
           </a:p>
           <a:p>
@@ -15138,24 +15360,25 @@
               <a:buNone/>
             </a:pPr>
             <a:r>
-              <a:rPr lang="en-US" sz="2800" dirty="0"/>
-              <a:t>&lt;</a:t>
-            </a:r>
-            <a:r>
-              <a:rPr lang="en-US" sz="2800" dirty="0" err="1"/>
-              <a:t>LangVersion</a:t>
-            </a:r>
-            <a:r>
-              <a:rPr lang="en-US" sz="2800" dirty="0"/>
-              <a:t>&gt;8.0&lt;/</a:t>
-            </a:r>
-            <a:r>
-              <a:rPr lang="en-US" sz="2800" dirty="0" err="1"/>
-              <a:t>LangVersion</a:t>
-            </a:r>
-            <a:r>
-              <a:rPr lang="en-US" sz="2800" dirty="0"/>
-              <a:t>&gt;</a:t>
+              <a:rPr lang="en-US" dirty="0">
+                <a:latin typeface="Source Code Pro" panose="020B0509030403020204" pitchFamily="49" charset="0"/>
+                <a:ea typeface="Source Code Pro" panose="020B0509030403020204" pitchFamily="49" charset="0"/>
+              </a:rPr>
+              <a:t>// Notice how we declare </a:t>
+            </a:r>
+            <a:r>
+              <a:rPr lang="en-US" dirty="0" err="1">
+                <a:latin typeface="Source Code Pro" panose="020B0509030403020204" pitchFamily="49" charset="0"/>
+                <a:ea typeface="Source Code Pro" panose="020B0509030403020204" pitchFamily="49" charset="0"/>
+              </a:rPr>
+              <a:t>skippedLines</a:t>
+            </a:r>
+            <a:r>
+              <a:rPr lang="en-US" dirty="0">
+                <a:latin typeface="Source Code Pro" panose="020B0509030403020204" pitchFamily="49" charset="0"/>
+                <a:ea typeface="Source Code Pro" panose="020B0509030403020204" pitchFamily="49" charset="0"/>
+              </a:rPr>
+              <a:t> after the using statement.</a:t>
             </a:r>
           </a:p>
           <a:p>
@@ -15163,8 +15386,263 @@
               <a:buNone/>
             </a:pPr>
             <a:r>
-              <a:rPr lang="en-US" sz="2800" dirty="0"/>
-              <a:t>&lt;Nullable&gt;enable&lt;/Nullable&gt;</a:t>
+              <a:rPr lang="en-US" dirty="0">
+                <a:latin typeface="Source Code Pro" panose="020B0509030403020204" pitchFamily="49" charset="0"/>
+                <a:ea typeface="Source Code Pro" panose="020B0509030403020204" pitchFamily="49" charset="0"/>
+              </a:rPr>
+              <a:t>int </a:t>
+            </a:r>
+            <a:r>
+              <a:rPr lang="en-US" dirty="0" err="1">
+                <a:latin typeface="Source Code Pro" panose="020B0509030403020204" pitchFamily="49" charset="0"/>
+                <a:ea typeface="Source Code Pro" panose="020B0509030403020204" pitchFamily="49" charset="0"/>
+              </a:rPr>
+              <a:t>skippedLines</a:t>
+            </a:r>
+            <a:r>
+              <a:rPr lang="en-US" dirty="0">
+                <a:latin typeface="Source Code Pro" panose="020B0509030403020204" pitchFamily="49" charset="0"/>
+                <a:ea typeface="Source Code Pro" panose="020B0509030403020204" pitchFamily="49" charset="0"/>
+              </a:rPr>
+              <a:t> = 0;</a:t>
+            </a:r>
+          </a:p>
+          <a:p>
+            <a:pPr marL="0" indent="0">
+              <a:buNone/>
+            </a:pPr>
+            <a:r>
+              <a:rPr lang="en-US" dirty="0">
+                <a:latin typeface="Source Code Pro" panose="020B0509030403020204" pitchFamily="49" charset="0"/>
+                <a:ea typeface="Source Code Pro" panose="020B0509030403020204" pitchFamily="49" charset="0"/>
+              </a:rPr>
+              <a:t>foreach (string line in lines)</a:t>
+            </a:r>
+          </a:p>
+          <a:p>
+            <a:pPr marL="0" indent="0">
+              <a:buNone/>
+            </a:pPr>
+            <a:r>
+              <a:rPr lang="en-US" dirty="0">
+                <a:latin typeface="Source Code Pro" panose="020B0509030403020204" pitchFamily="49" charset="0"/>
+                <a:ea typeface="Source Code Pro" panose="020B0509030403020204" pitchFamily="49" charset="0"/>
+              </a:rPr>
+              <a:t>{</a:t>
+            </a:r>
+          </a:p>
+          <a:p>
+            <a:pPr marL="0" indent="0">
+              <a:buNone/>
+            </a:pPr>
+            <a:r>
+              <a:rPr lang="en-US" dirty="0">
+                <a:latin typeface="Source Code Pro" panose="020B0509030403020204" pitchFamily="49" charset="0"/>
+                <a:ea typeface="Source Code Pro" panose="020B0509030403020204" pitchFamily="49" charset="0"/>
+              </a:rPr>
+              <a:t>    if (!</a:t>
+            </a:r>
+            <a:r>
+              <a:rPr lang="en-US" dirty="0" err="1">
+                <a:latin typeface="Source Code Pro" panose="020B0509030403020204" pitchFamily="49" charset="0"/>
+                <a:ea typeface="Source Code Pro" panose="020B0509030403020204" pitchFamily="49" charset="0"/>
+              </a:rPr>
+              <a:t>line.Contains</a:t>
+            </a:r>
+            <a:r>
+              <a:rPr lang="en-US" dirty="0">
+                <a:latin typeface="Source Code Pro" panose="020B0509030403020204" pitchFamily="49" charset="0"/>
+                <a:ea typeface="Source Code Pro" panose="020B0509030403020204" pitchFamily="49" charset="0"/>
+              </a:rPr>
+              <a:t>("Second"))</a:t>
+            </a:r>
+          </a:p>
+          <a:p>
+            <a:pPr marL="0" indent="0">
+              <a:buNone/>
+            </a:pPr>
+            <a:r>
+              <a:rPr lang="en-US" dirty="0">
+                <a:latin typeface="Source Code Pro" panose="020B0509030403020204" pitchFamily="49" charset="0"/>
+                <a:ea typeface="Source Code Pro" panose="020B0509030403020204" pitchFamily="49" charset="0"/>
+              </a:rPr>
+              <a:t>    {</a:t>
+            </a:r>
+          </a:p>
+          <a:p>
+            <a:pPr marL="0" indent="0">
+              <a:buNone/>
+            </a:pPr>
+            <a:r>
+              <a:rPr lang="en-US" dirty="0">
+                <a:latin typeface="Source Code Pro" panose="020B0509030403020204" pitchFamily="49" charset="0"/>
+                <a:ea typeface="Source Code Pro" panose="020B0509030403020204" pitchFamily="49" charset="0"/>
+              </a:rPr>
+              <a:t>        </a:t>
+            </a:r>
+            <a:r>
+              <a:rPr lang="en-US" dirty="0" err="1">
+                <a:latin typeface="Source Code Pro" panose="020B0509030403020204" pitchFamily="49" charset="0"/>
+                <a:ea typeface="Source Code Pro" panose="020B0509030403020204" pitchFamily="49" charset="0"/>
+              </a:rPr>
+              <a:t>file.WriteLine</a:t>
+            </a:r>
+            <a:r>
+              <a:rPr lang="en-US" dirty="0">
+                <a:latin typeface="Source Code Pro" panose="020B0509030403020204" pitchFamily="49" charset="0"/>
+                <a:ea typeface="Source Code Pro" panose="020B0509030403020204" pitchFamily="49" charset="0"/>
+              </a:rPr>
+              <a:t>(line);</a:t>
+            </a:r>
+          </a:p>
+          <a:p>
+            <a:pPr marL="0" indent="0">
+              <a:buNone/>
+            </a:pPr>
+            <a:r>
+              <a:rPr lang="en-US" dirty="0">
+                <a:latin typeface="Source Code Pro" panose="020B0509030403020204" pitchFamily="49" charset="0"/>
+                <a:ea typeface="Source Code Pro" panose="020B0509030403020204" pitchFamily="49" charset="0"/>
+              </a:rPr>
+              <a:t>    }</a:t>
+            </a:r>
+          </a:p>
+          <a:p>
+            <a:pPr marL="0" indent="0">
+              <a:buNone/>
+            </a:pPr>
+            <a:r>
+              <a:rPr lang="en-US" dirty="0">
+                <a:latin typeface="Source Code Pro" panose="020B0509030403020204" pitchFamily="49" charset="0"/>
+                <a:ea typeface="Source Code Pro" panose="020B0509030403020204" pitchFamily="49" charset="0"/>
+              </a:rPr>
+              <a:t>    else</a:t>
+            </a:r>
+          </a:p>
+          <a:p>
+            <a:pPr marL="0" indent="0">
+              <a:buNone/>
+            </a:pPr>
+            <a:r>
+              <a:rPr lang="en-US" dirty="0">
+                <a:latin typeface="Source Code Pro" panose="020B0509030403020204" pitchFamily="49" charset="0"/>
+                <a:ea typeface="Source Code Pro" panose="020B0509030403020204" pitchFamily="49" charset="0"/>
+              </a:rPr>
+              <a:t>    {</a:t>
+            </a:r>
+          </a:p>
+          <a:p>
+            <a:pPr marL="0" indent="0">
+              <a:buNone/>
+            </a:pPr>
+            <a:r>
+              <a:rPr lang="en-US" dirty="0">
+                <a:latin typeface="Source Code Pro" panose="020B0509030403020204" pitchFamily="49" charset="0"/>
+                <a:ea typeface="Source Code Pro" panose="020B0509030403020204" pitchFamily="49" charset="0"/>
+              </a:rPr>
+              <a:t>        </a:t>
+            </a:r>
+            <a:r>
+              <a:rPr lang="en-US" dirty="0" err="1">
+                <a:latin typeface="Source Code Pro" panose="020B0509030403020204" pitchFamily="49" charset="0"/>
+                <a:ea typeface="Source Code Pro" panose="020B0509030403020204" pitchFamily="49" charset="0"/>
+              </a:rPr>
+              <a:t>skippedLines</a:t>
+            </a:r>
+            <a:r>
+              <a:rPr lang="en-US" dirty="0">
+                <a:latin typeface="Source Code Pro" panose="020B0509030403020204" pitchFamily="49" charset="0"/>
+                <a:ea typeface="Source Code Pro" panose="020B0509030403020204" pitchFamily="49" charset="0"/>
+              </a:rPr>
+              <a:t>++;</a:t>
+            </a:r>
+          </a:p>
+          <a:p>
+            <a:pPr marL="0" indent="0">
+              <a:buNone/>
+            </a:pPr>
+            <a:r>
+              <a:rPr lang="en-US" dirty="0">
+                <a:latin typeface="Source Code Pro" panose="020B0509030403020204" pitchFamily="49" charset="0"/>
+                <a:ea typeface="Source Code Pro" panose="020B0509030403020204" pitchFamily="49" charset="0"/>
+              </a:rPr>
+              <a:t>    }</a:t>
+            </a:r>
+          </a:p>
+          <a:p>
+            <a:pPr marL="0" indent="0">
+              <a:buNone/>
+            </a:pPr>
+            <a:r>
+              <a:rPr lang="en-US" dirty="0">
+                <a:latin typeface="Source Code Pro" panose="020B0509030403020204" pitchFamily="49" charset="0"/>
+                <a:ea typeface="Source Code Pro" panose="020B0509030403020204" pitchFamily="49" charset="0"/>
+              </a:rPr>
+              <a:t>}</a:t>
+            </a:r>
+          </a:p>
+          <a:p>
+            <a:pPr marL="0" indent="0">
+              <a:buNone/>
+            </a:pPr>
+            <a:r>
+              <a:rPr lang="en-US" dirty="0">
+                <a:latin typeface="Source Code Pro" panose="020B0509030403020204" pitchFamily="49" charset="0"/>
+                <a:ea typeface="Source Code Pro" panose="020B0509030403020204" pitchFamily="49" charset="0"/>
+              </a:rPr>
+              <a:t>// Notice how </a:t>
+            </a:r>
+            <a:r>
+              <a:rPr lang="en-US" dirty="0" err="1">
+                <a:latin typeface="Source Code Pro" panose="020B0509030403020204" pitchFamily="49" charset="0"/>
+                <a:ea typeface="Source Code Pro" panose="020B0509030403020204" pitchFamily="49" charset="0"/>
+              </a:rPr>
+              <a:t>skippedLines</a:t>
+            </a:r>
+            <a:r>
+              <a:rPr lang="en-US" dirty="0">
+                <a:latin typeface="Source Code Pro" panose="020B0509030403020204" pitchFamily="49" charset="0"/>
+                <a:ea typeface="Source Code Pro" panose="020B0509030403020204" pitchFamily="49" charset="0"/>
+              </a:rPr>
+              <a:t> is in scope here.</a:t>
+            </a:r>
+          </a:p>
+          <a:p>
+            <a:pPr marL="0" indent="0">
+              <a:buNone/>
+            </a:pPr>
+            <a:r>
+              <a:rPr lang="en-US" dirty="0">
+                <a:latin typeface="Source Code Pro" panose="020B0509030403020204" pitchFamily="49" charset="0"/>
+                <a:ea typeface="Source Code Pro" panose="020B0509030403020204" pitchFamily="49" charset="0"/>
+              </a:rPr>
+              <a:t>return </a:t>
+            </a:r>
+            <a:r>
+              <a:rPr lang="en-US" dirty="0" err="1">
+                <a:latin typeface="Source Code Pro" panose="020B0509030403020204" pitchFamily="49" charset="0"/>
+                <a:ea typeface="Source Code Pro" panose="020B0509030403020204" pitchFamily="49" charset="0"/>
+              </a:rPr>
+              <a:t>skippedLines</a:t>
+            </a:r>
+            <a:r>
+              <a:rPr lang="en-US" dirty="0">
+                <a:latin typeface="Source Code Pro" panose="020B0509030403020204" pitchFamily="49" charset="0"/>
+                <a:ea typeface="Source Code Pro" panose="020B0509030403020204" pitchFamily="49" charset="0"/>
+              </a:rPr>
+              <a:t>;</a:t>
+            </a:r>
+          </a:p>
+          <a:p>
+            <a:pPr marL="0" indent="0">
+              <a:buNone/>
+            </a:pPr>
+            <a:r>
+              <a:rPr lang="en-US" dirty="0">
+                <a:latin typeface="Source Code Pro" panose="020B0509030403020204" pitchFamily="49" charset="0"/>
+                <a:ea typeface="Source Code Pro" panose="020B0509030403020204" pitchFamily="49" charset="0"/>
+              </a:rPr>
+              <a:t>// file is disposed here</a:t>
             </a:r>
           </a:p>
         </p:txBody>
@@ -15172,7 +15650,7 @@
     </p:spTree>
     <p:extLst>
       <p:ext uri="{BB962C8B-B14F-4D97-AF65-F5344CB8AC3E}">
-        <p14:creationId xmlns:p14="http://schemas.microsoft.com/office/powerpoint/2010/main" val="2206827731"/>
+        <p14:creationId xmlns:p14="http://schemas.microsoft.com/office/powerpoint/2010/main" val="3479424152"/>
       </p:ext>
     </p:extLst>
   </p:cSld>
@@ -15204,7 +15682,7 @@
           <p:cNvPr id="2" name="Title 1">
             <a:extLst>
               <a:ext uri="{FF2B5EF4-FFF2-40B4-BE49-F238E27FC236}">
-                <a16:creationId xmlns:a16="http://schemas.microsoft.com/office/drawing/2014/main" id="{AC9DA61D-32B0-4C72-867C-5B8C92310E99}"/>
+                <a16:creationId xmlns:a16="http://schemas.microsoft.com/office/drawing/2014/main" id="{F2A6AEDE-D37F-4B55-8529-BE1C1E230B27}"/>
               </a:ext>
             </a:extLst>
           </p:cNvPr>
@@ -15232,7 +15710,7 @@
           <p:cNvPr id="3" name="Content Placeholder 2">
             <a:extLst>
               <a:ext uri="{FF2B5EF4-FFF2-40B4-BE49-F238E27FC236}">
-                <a16:creationId xmlns:a16="http://schemas.microsoft.com/office/drawing/2014/main" id="{06A0280D-8AA0-49D2-BB1E-945849FF83EA}"/>
+                <a16:creationId xmlns:a16="http://schemas.microsoft.com/office/drawing/2014/main" id="{DFD6D17E-3F69-4234-9D43-204C2E1BDD35}"/>
               </a:ext>
             </a:extLst>
           </p:cNvPr>
@@ -15243,15 +15721,10 @@
             <p:ph idx="1"/>
           </p:nvPr>
         </p:nvSpPr>
-        <p:spPr>
-          <a:xfrm>
-            <a:off x="3869268" y="864108"/>
-            <a:ext cx="7841358" cy="5120640"/>
-          </a:xfrm>
-        </p:spPr>
+        <p:spPr/>
         <p:txBody>
           <a:bodyPr>
-            <a:normAutofit fontScale="85000" lnSpcReduction="20000"/>
+            <a:normAutofit/>
           </a:bodyPr>
           <a:lstStyle/>
           <a:p>
@@ -15259,34 +15732,41 @@
               <a:buNone/>
             </a:pPr>
             <a:r>
-              <a:rPr lang="en-US" dirty="0">
-                <a:latin typeface="Source Code Pro" panose="020B0509030403020204" pitchFamily="49" charset="0"/>
-                <a:ea typeface="Source Code Pro" panose="020B0509030403020204" pitchFamily="49" charset="0"/>
-              </a:rPr>
-              <a:t>namespace </a:t>
-            </a:r>
-            <a:r>
-              <a:rPr lang="en-US" dirty="0" err="1">
-                <a:latin typeface="Source Code Pro" panose="020B0509030403020204" pitchFamily="49" charset="0"/>
-                <a:ea typeface="Source Code Pro" panose="020B0509030403020204" pitchFamily="49" charset="0"/>
-              </a:rPr>
-              <a:t>NullableIntroduction</a:t>
-            </a:r>
-            <a:endParaRPr lang="en-US" dirty="0">
-              <a:latin typeface="Source Code Pro" panose="020B0509030403020204" pitchFamily="49" charset="0"/>
-              <a:ea typeface="Source Code Pro" panose="020B0509030403020204" pitchFamily="49" charset="0"/>
-            </a:endParaRPr>
+              <a:rPr lang="en-US" sz="2800" dirty="0"/>
+              <a:t>Add the following to the </a:t>
+            </a:r>
+            <a:r>
+              <a:rPr lang="en-US" sz="2800" dirty="0" err="1"/>
+              <a:t>csproj</a:t>
+            </a:r>
+            <a:r>
+              <a:rPr lang="en-US" sz="2800" dirty="0"/>
+              <a:t> file</a:t>
+            </a:r>
           </a:p>
           <a:p>
             <a:pPr marL="0" indent="0">
               <a:buNone/>
             </a:pPr>
             <a:r>
-              <a:rPr lang="en-US" dirty="0">
-                <a:latin typeface="Source Code Pro" panose="020B0509030403020204" pitchFamily="49" charset="0"/>
-                <a:ea typeface="Source Code Pro" panose="020B0509030403020204" pitchFamily="49" charset="0"/>
-              </a:rPr>
-              <a:t>{</a:t>
+              <a:rPr lang="en-US" sz="2800" dirty="0"/>
+              <a:t>&lt;</a:t>
+            </a:r>
+            <a:r>
+              <a:rPr lang="en-US" sz="2800" dirty="0" err="1"/>
+              <a:t>LangVersion</a:t>
+            </a:r>
+            <a:r>
+              <a:rPr lang="en-US" sz="2800" dirty="0"/>
+              <a:t>&gt;8.0&lt;/</a:t>
+            </a:r>
+            <a:r>
+              <a:rPr lang="en-US" sz="2800" dirty="0" err="1"/>
+              <a:t>LangVersion</a:t>
+            </a:r>
+            <a:r>
+              <a:rPr lang="en-US" sz="2800" dirty="0"/>
+              <a:t>&gt;</a:t>
             </a:r>
           </a:p>
           <a:p>
@@ -15294,390 +15774,22 @@
               <a:buNone/>
             </a:pPr>
             <a:r>
-              <a:rPr lang="en-US" dirty="0">
-                <a:latin typeface="Source Code Pro" panose="020B0509030403020204" pitchFamily="49" charset="0"/>
-                <a:ea typeface="Source Code Pro" panose="020B0509030403020204" pitchFamily="49" charset="0"/>
-              </a:rPr>
-              <a:t>    public </a:t>
-            </a:r>
-            <a:r>
-              <a:rPr lang="en-US" dirty="0" err="1">
-                <a:latin typeface="Source Code Pro" panose="020B0509030403020204" pitchFamily="49" charset="0"/>
-                <a:ea typeface="Source Code Pro" panose="020B0509030403020204" pitchFamily="49" charset="0"/>
-              </a:rPr>
-              <a:t>enum</a:t>
-            </a:r>
-            <a:r>
-              <a:rPr lang="en-US" dirty="0">
-                <a:latin typeface="Source Code Pro" panose="020B0509030403020204" pitchFamily="49" charset="0"/>
-                <a:ea typeface="Source Code Pro" panose="020B0509030403020204" pitchFamily="49" charset="0"/>
-              </a:rPr>
-              <a:t> </a:t>
-            </a:r>
-            <a:r>
-              <a:rPr lang="en-US" dirty="0" err="1">
-                <a:latin typeface="Source Code Pro" panose="020B0509030403020204" pitchFamily="49" charset="0"/>
-                <a:ea typeface="Source Code Pro" panose="020B0509030403020204" pitchFamily="49" charset="0"/>
-              </a:rPr>
-              <a:t>QuestionType</a:t>
-            </a:r>
-            <a:endParaRPr lang="en-US" dirty="0">
-              <a:latin typeface="Source Code Pro" panose="020B0509030403020204" pitchFamily="49" charset="0"/>
-              <a:ea typeface="Source Code Pro" panose="020B0509030403020204" pitchFamily="49" charset="0"/>
-            </a:endParaRPr>
-          </a:p>
-          <a:p>
-            <a:pPr marL="0" indent="0">
-              <a:buNone/>
-            </a:pPr>
-            <a:r>
-              <a:rPr lang="en-US" dirty="0">
-                <a:latin typeface="Source Code Pro" panose="020B0509030403020204" pitchFamily="49" charset="0"/>
-                <a:ea typeface="Source Code Pro" panose="020B0509030403020204" pitchFamily="49" charset="0"/>
-              </a:rPr>
-              <a:t>    {</a:t>
-            </a:r>
-          </a:p>
-          <a:p>
-            <a:pPr marL="0" indent="0">
-              <a:buNone/>
-            </a:pPr>
-            <a:r>
-              <a:rPr lang="en-US" dirty="0">
-                <a:latin typeface="Source Code Pro" panose="020B0509030403020204" pitchFamily="49" charset="0"/>
-                <a:ea typeface="Source Code Pro" panose="020B0509030403020204" pitchFamily="49" charset="0"/>
-              </a:rPr>
-              <a:t>        </a:t>
-            </a:r>
-            <a:r>
-              <a:rPr lang="en-US" dirty="0" err="1">
-                <a:latin typeface="Source Code Pro" panose="020B0509030403020204" pitchFamily="49" charset="0"/>
-                <a:ea typeface="Source Code Pro" panose="020B0509030403020204" pitchFamily="49" charset="0"/>
-              </a:rPr>
-              <a:t>YesNo</a:t>
-            </a:r>
-            <a:r>
-              <a:rPr lang="en-US" dirty="0">
-                <a:latin typeface="Source Code Pro" panose="020B0509030403020204" pitchFamily="49" charset="0"/>
-                <a:ea typeface="Source Code Pro" panose="020B0509030403020204" pitchFamily="49" charset="0"/>
-              </a:rPr>
-              <a:t>,</a:t>
-            </a:r>
-          </a:p>
-          <a:p>
-            <a:pPr marL="0" indent="0">
-              <a:buNone/>
-            </a:pPr>
-            <a:r>
-              <a:rPr lang="en-US" dirty="0">
-                <a:latin typeface="Source Code Pro" panose="020B0509030403020204" pitchFamily="49" charset="0"/>
-                <a:ea typeface="Source Code Pro" panose="020B0509030403020204" pitchFamily="49" charset="0"/>
-              </a:rPr>
-              <a:t>        Number,</a:t>
-            </a:r>
-          </a:p>
-          <a:p>
-            <a:pPr marL="0" indent="0">
-              <a:buNone/>
-            </a:pPr>
-            <a:r>
-              <a:rPr lang="en-US" dirty="0">
-                <a:latin typeface="Source Code Pro" panose="020B0509030403020204" pitchFamily="49" charset="0"/>
-                <a:ea typeface="Source Code Pro" panose="020B0509030403020204" pitchFamily="49" charset="0"/>
-              </a:rPr>
-              <a:t>        Text</a:t>
-            </a:r>
-          </a:p>
-          <a:p>
-            <a:pPr marL="0" indent="0">
-              <a:buNone/>
-            </a:pPr>
-            <a:r>
-              <a:rPr lang="en-US" dirty="0">
-                <a:latin typeface="Source Code Pro" panose="020B0509030403020204" pitchFamily="49" charset="0"/>
-                <a:ea typeface="Source Code Pro" panose="020B0509030403020204" pitchFamily="49" charset="0"/>
-              </a:rPr>
-              <a:t>    }</a:t>
-            </a:r>
-          </a:p>
-          <a:p>
-            <a:pPr marL="0" indent="0">
-              <a:buNone/>
-            </a:pPr>
-            <a:endParaRPr lang="en-US" dirty="0">
-              <a:latin typeface="Source Code Pro" panose="020B0509030403020204" pitchFamily="49" charset="0"/>
-              <a:ea typeface="Source Code Pro" panose="020B0509030403020204" pitchFamily="49" charset="0"/>
-            </a:endParaRPr>
-          </a:p>
-          <a:p>
-            <a:pPr marL="0" indent="0">
-              <a:buNone/>
-            </a:pPr>
-            <a:r>
-              <a:rPr lang="en-US" dirty="0">
-                <a:latin typeface="Source Code Pro" panose="020B0509030403020204" pitchFamily="49" charset="0"/>
-                <a:ea typeface="Source Code Pro" panose="020B0509030403020204" pitchFamily="49" charset="0"/>
-              </a:rPr>
-              <a:t>    public class </a:t>
-            </a:r>
-            <a:r>
-              <a:rPr lang="en-US" dirty="0" err="1">
-                <a:latin typeface="Source Code Pro" panose="020B0509030403020204" pitchFamily="49" charset="0"/>
-                <a:ea typeface="Source Code Pro" panose="020B0509030403020204" pitchFamily="49" charset="0"/>
-              </a:rPr>
-              <a:t>SurveyQuestion</a:t>
-            </a:r>
-            <a:endParaRPr lang="en-US" dirty="0">
-              <a:latin typeface="Source Code Pro" panose="020B0509030403020204" pitchFamily="49" charset="0"/>
-              <a:ea typeface="Source Code Pro" panose="020B0509030403020204" pitchFamily="49" charset="0"/>
-            </a:endParaRPr>
-          </a:p>
-          <a:p>
-            <a:pPr marL="0" indent="0">
-              <a:buNone/>
-            </a:pPr>
-            <a:r>
-              <a:rPr lang="en-US" dirty="0">
-                <a:latin typeface="Source Code Pro" panose="020B0509030403020204" pitchFamily="49" charset="0"/>
-                <a:ea typeface="Source Code Pro" panose="020B0509030403020204" pitchFamily="49" charset="0"/>
-              </a:rPr>
-              <a:t>    {</a:t>
-            </a:r>
-          </a:p>
-          <a:p>
-            <a:pPr marL="0" indent="0">
-              <a:buNone/>
-            </a:pPr>
-            <a:r>
-              <a:rPr lang="en-US" dirty="0">
-                <a:latin typeface="Source Code Pro" panose="020B0509030403020204" pitchFamily="49" charset="0"/>
-                <a:ea typeface="Source Code Pro" panose="020B0509030403020204" pitchFamily="49" charset="0"/>
-              </a:rPr>
-              <a:t>        public string </a:t>
-            </a:r>
-            <a:r>
-              <a:rPr lang="en-US" dirty="0" err="1">
-                <a:latin typeface="Source Code Pro" panose="020B0509030403020204" pitchFamily="49" charset="0"/>
-                <a:ea typeface="Source Code Pro" panose="020B0509030403020204" pitchFamily="49" charset="0"/>
-              </a:rPr>
-              <a:t>QuestionText</a:t>
-            </a:r>
-            <a:r>
-              <a:rPr lang="en-US" dirty="0">
-                <a:latin typeface="Source Code Pro" panose="020B0509030403020204" pitchFamily="49" charset="0"/>
-                <a:ea typeface="Source Code Pro" panose="020B0509030403020204" pitchFamily="49" charset="0"/>
-              </a:rPr>
-              <a:t> { get; }</a:t>
-            </a:r>
-          </a:p>
-          <a:p>
-            <a:pPr marL="0" indent="0">
-              <a:buNone/>
-            </a:pPr>
-            <a:r>
-              <a:rPr lang="en-US" dirty="0">
-                <a:latin typeface="Source Code Pro" panose="020B0509030403020204" pitchFamily="49" charset="0"/>
-                <a:ea typeface="Source Code Pro" panose="020B0509030403020204" pitchFamily="49" charset="0"/>
-              </a:rPr>
-              <a:t>        public </a:t>
-            </a:r>
-            <a:r>
-              <a:rPr lang="en-US" dirty="0" err="1">
-                <a:latin typeface="Source Code Pro" panose="020B0509030403020204" pitchFamily="49" charset="0"/>
-                <a:ea typeface="Source Code Pro" panose="020B0509030403020204" pitchFamily="49" charset="0"/>
-              </a:rPr>
-              <a:t>QuestionType</a:t>
-            </a:r>
-            <a:r>
-              <a:rPr lang="en-US" dirty="0">
-                <a:latin typeface="Source Code Pro" panose="020B0509030403020204" pitchFamily="49" charset="0"/>
-                <a:ea typeface="Source Code Pro" panose="020B0509030403020204" pitchFamily="49" charset="0"/>
-              </a:rPr>
-              <a:t> </a:t>
-            </a:r>
-            <a:r>
-              <a:rPr lang="en-US" dirty="0" err="1">
-                <a:latin typeface="Source Code Pro" panose="020B0509030403020204" pitchFamily="49" charset="0"/>
-                <a:ea typeface="Source Code Pro" panose="020B0509030403020204" pitchFamily="49" charset="0"/>
-              </a:rPr>
-              <a:t>TypeOfQuestion</a:t>
-            </a:r>
-            <a:r>
-              <a:rPr lang="en-US" dirty="0">
-                <a:latin typeface="Source Code Pro" panose="020B0509030403020204" pitchFamily="49" charset="0"/>
-                <a:ea typeface="Source Code Pro" panose="020B0509030403020204" pitchFamily="49" charset="0"/>
-              </a:rPr>
-              <a:t> { get; }</a:t>
-            </a:r>
-          </a:p>
-          <a:p>
-            <a:pPr marL="0" indent="0">
-              <a:buNone/>
-            </a:pPr>
-            <a:r>
-              <a:rPr lang="en-US" dirty="0">
-                <a:latin typeface="Source Code Pro" panose="020B0509030403020204" pitchFamily="49" charset="0"/>
-                <a:ea typeface="Source Code Pro" panose="020B0509030403020204" pitchFamily="49" charset="0"/>
-              </a:rPr>
-              <a:t>    }</a:t>
-            </a:r>
-          </a:p>
-          <a:p>
-            <a:pPr marL="0" indent="0">
-              <a:buNone/>
-            </a:pPr>
-            <a:r>
-              <a:rPr lang="en-US" dirty="0">
-                <a:latin typeface="Source Code Pro" panose="020B0509030403020204" pitchFamily="49" charset="0"/>
-                <a:ea typeface="Source Code Pro" panose="020B0509030403020204" pitchFamily="49" charset="0"/>
-              </a:rPr>
-              <a:t>}</a:t>
-            </a:r>
-          </a:p>
-        </p:txBody>
-      </p:sp>
-      <p:sp>
-        <p:nvSpPr>
-          <p:cNvPr id="4" name="Rectangle 3">
-            <a:extLst>
-              <a:ext uri="{FF2B5EF4-FFF2-40B4-BE49-F238E27FC236}">
-                <a16:creationId xmlns:a16="http://schemas.microsoft.com/office/drawing/2014/main" id="{B869EB44-146D-4643-908F-9C780FEF1B62}"/>
-              </a:ext>
-            </a:extLst>
-          </p:cNvPr>
-          <p:cNvSpPr/>
-          <p:nvPr/>
-        </p:nvSpPr>
-        <p:spPr>
-          <a:xfrm>
-            <a:off x="4836861" y="4483713"/>
-            <a:ext cx="4855779" cy="485578"/>
-          </a:xfrm>
-          <a:prstGeom prst="rect">
-            <a:avLst/>
-          </a:prstGeom>
-          <a:noFill/>
-          <a:ln w="76200"/>
-        </p:spPr>
-        <p:style>
-          <a:lnRef idx="2">
-            <a:schemeClr val="accent2"/>
-          </a:lnRef>
-          <a:fillRef idx="1">
-            <a:schemeClr val="lt1"/>
-          </a:fillRef>
-          <a:effectRef idx="0">
-            <a:schemeClr val="accent2"/>
-          </a:effectRef>
-          <a:fontRef idx="minor">
-            <a:schemeClr val="dk1"/>
-          </a:fontRef>
-        </p:style>
-        <p:txBody>
-          <a:bodyPr rtlCol="0" anchor="ctr"/>
-          <a:lstStyle/>
-          <a:p>
-            <a:pPr algn="ctr"/>
-            <a:endParaRPr lang="en-US"/>
+              <a:rPr lang="en-US" sz="2800" dirty="0"/>
+              <a:t>&lt;Nullable&gt;enable&lt;/Nullable&gt;</a:t>
+            </a:r>
           </a:p>
         </p:txBody>
       </p:sp>
     </p:spTree>
     <p:extLst>
       <p:ext uri="{BB962C8B-B14F-4D97-AF65-F5344CB8AC3E}">
-        <p14:creationId xmlns:p14="http://schemas.microsoft.com/office/powerpoint/2010/main" val="2402112905"/>
+        <p14:creationId xmlns:p14="http://schemas.microsoft.com/office/powerpoint/2010/main" val="2206827731"/>
       </p:ext>
     </p:extLst>
   </p:cSld>
   <p:clrMapOvr>
     <a:masterClrMapping/>
   </p:clrMapOvr>
-  <p:timing>
-    <p:tnLst>
-      <p:par>
-        <p:cTn id="1" dur="indefinite" restart="never" nodeType="tmRoot">
-          <p:childTnLst>
-            <p:seq concurrent="1" nextAc="seek">
-              <p:cTn id="2" dur="indefinite" nodeType="mainSeq">
-                <p:childTnLst>
-                  <p:par>
-                    <p:cTn id="3" fill="hold">
-                      <p:stCondLst>
-                        <p:cond delay="indefinite"/>
-                      </p:stCondLst>
-                      <p:childTnLst>
-                        <p:par>
-                          <p:cTn id="4" fill="hold">
-                            <p:stCondLst>
-                              <p:cond delay="0"/>
-                            </p:stCondLst>
-                            <p:childTnLst>
-                              <p:par>
-                                <p:cTn id="5" presetID="10" presetClass="entr" presetSubtype="0" fill="hold" grpId="0" nodeType="clickEffect">
-                                  <p:stCondLst>
-                                    <p:cond delay="0"/>
-                                  </p:stCondLst>
-                                  <p:childTnLst>
-                                    <p:set>
-                                      <p:cBhvr>
-                                        <p:cTn id="6" dur="1" fill="hold">
-                                          <p:stCondLst>
-                                            <p:cond delay="0"/>
-                                          </p:stCondLst>
-                                        </p:cTn>
-                                        <p:tgtEl>
-                                          <p:spTgt spid="4"/>
-                                        </p:tgtEl>
-                                        <p:attrNameLst>
-                                          <p:attrName>style.visibility</p:attrName>
-                                        </p:attrNameLst>
-                                      </p:cBhvr>
-                                      <p:to>
-                                        <p:strVal val="visible"/>
-                                      </p:to>
-                                    </p:set>
-                                    <p:animEffect transition="in" filter="fade">
-                                      <p:cBhvr>
-                                        <p:cTn id="7" dur="500"/>
-                                        <p:tgtEl>
-                                          <p:spTgt spid="4"/>
-                                        </p:tgtEl>
-                                      </p:cBhvr>
-                                    </p:animEffect>
-                                  </p:childTnLst>
-                                </p:cTn>
-                              </p:par>
-                            </p:childTnLst>
-                          </p:cTn>
-                        </p:par>
-                      </p:childTnLst>
-                    </p:cTn>
-                  </p:par>
-                </p:childTnLst>
-              </p:cTn>
-              <p:prevCondLst>
-                <p:cond evt="onPrev" delay="0">
-                  <p:tgtEl>
-                    <p:sldTgt/>
-                  </p:tgtEl>
-                </p:cond>
-              </p:prevCondLst>
-              <p:nextCondLst>
-                <p:cond evt="onNext" delay="0">
-                  <p:tgtEl>
-                    <p:sldTgt/>
-                  </p:tgtEl>
-                </p:cond>
-              </p:nextCondLst>
-            </p:seq>
-          </p:childTnLst>
-        </p:cTn>
-      </p:par>
-    </p:tnLst>
-    <p:bldLst>
-      <p:bldP spid="4" grpId="0" animBg="1"/>
-    </p:bldLst>
-  </p:timing>
 </p:sld>
 </file>
 
